--- a/ZOJ 2734 讲解.pptx
+++ b/ZOJ 2734 讲解.pptx
@@ -1946,7 +1946,7 @@
           <a:bodyPr lIns="0" rIns="0" tIns="0" bIns="0"/>
           <a:p>
             <a:pPr algn="r"/>
-            <a:fld id="{AACB145E-FE37-4EBB-B66B-1E045E77BAA8}" type="slidenum">
+            <a:fld id="{E6F1A407-DDAE-45CA-BAF4-169EDD78D3F2}" type="slidenum">
               <a:rPr b="0" lang="en-US" sz="1400" spc="-1" strike="noStrike">
                 <a:solidFill>
                   <a:srgbClr val="000000"/>

--- a/ZOJ 2734 讲解.pptx
+++ b/ZOJ 2734 讲解.pptx
@@ -6,6 +6,9 @@
   </p:sldMasterIdLst>
   <p:sldIdLst>
     <p:sldId id="256" r:id="rId3"/>
+    <p:sldId id="257" r:id="rId4"/>
+    <p:sldId id="258" r:id="rId5"/>
+    <p:sldId id="259" r:id="rId6"/>
   </p:sldIdLst>
   <p:sldSz cx="10080625" cy="7559675"/>
   <p:notesSz cx="7772400" cy="10058400"/>
@@ -53,7 +56,7 @@
       </p:grpSpPr>
       <p:sp>
         <p:nvSpPr>
-          <p:cNvPr id="26" name="PlaceHolder 1"/>
+          <p:cNvPr id="23" name="PlaceHolder 1"/>
           <p:cNvSpPr>
             <a:spLocks noGrp="1"/>
           </p:cNvSpPr>
@@ -64,7 +67,7 @@
         <p:spPr>
           <a:xfrm>
             <a:off x="504000" y="301320"/>
-            <a:ext cx="9071640" cy="1262160"/>
+            <a:ext cx="9071280" cy="1261800"/>
           </a:xfrm>
           <a:prstGeom prst="rect">
             <a:avLst/>
@@ -90,7 +93,7 @@
       </p:sp>
       <p:sp>
         <p:nvSpPr>
-          <p:cNvPr id="27" name="PlaceHolder 2"/>
+          <p:cNvPr id="24" name="PlaceHolder 2"/>
           <p:cNvSpPr>
             <a:spLocks noGrp="1"/>
           </p:cNvSpPr>
@@ -100,8 +103,8 @@
         </p:nvSpPr>
         <p:spPr>
           <a:xfrm>
-            <a:off x="504000" y="1769040"/>
-            <a:ext cx="9071640" cy="2091240"/>
+            <a:off x="504000" y="1768680"/>
+            <a:ext cx="9072000" cy="2090880"/>
           </a:xfrm>
           <a:prstGeom prst="rect">
             <a:avLst/>
@@ -126,7 +129,7 @@
       </p:sp>
       <p:sp>
         <p:nvSpPr>
-          <p:cNvPr id="28" name="PlaceHolder 3"/>
+          <p:cNvPr id="25" name="PlaceHolder 3"/>
           <p:cNvSpPr>
             <a:spLocks noGrp="1"/>
           </p:cNvSpPr>
@@ -136,8 +139,8 @@
         </p:nvSpPr>
         <p:spPr>
           <a:xfrm>
-            <a:off x="504000" y="4059360"/>
-            <a:ext cx="9071640" cy="2091240"/>
+            <a:off x="504000" y="4058640"/>
+            <a:ext cx="9072000" cy="2090880"/>
           </a:xfrm>
           <a:prstGeom prst="rect">
             <a:avLst/>
@@ -184,7 +187,7 @@
       </p:grpSpPr>
       <p:sp>
         <p:nvSpPr>
-          <p:cNvPr id="29" name="PlaceHolder 1"/>
+          <p:cNvPr id="26" name="PlaceHolder 1"/>
           <p:cNvSpPr>
             <a:spLocks noGrp="1"/>
           </p:cNvSpPr>
@@ -195,7 +198,7 @@
         <p:spPr>
           <a:xfrm>
             <a:off x="504000" y="301320"/>
-            <a:ext cx="9071640" cy="1262160"/>
+            <a:ext cx="9071280" cy="1261800"/>
           </a:xfrm>
           <a:prstGeom prst="rect">
             <a:avLst/>
@@ -221,7 +224,7 @@
       </p:sp>
       <p:sp>
         <p:nvSpPr>
-          <p:cNvPr id="30" name="PlaceHolder 2"/>
+          <p:cNvPr id="27" name="PlaceHolder 2"/>
           <p:cNvSpPr>
             <a:spLocks noGrp="1"/>
           </p:cNvSpPr>
@@ -231,8 +234,8 @@
         </p:nvSpPr>
         <p:spPr>
           <a:xfrm>
-            <a:off x="504000" y="1769040"/>
-            <a:ext cx="4426920" cy="2091240"/>
+            <a:off x="504000" y="1768680"/>
+            <a:ext cx="4426920" cy="2090880"/>
           </a:xfrm>
           <a:prstGeom prst="rect">
             <a:avLst/>
@@ -257,7 +260,7 @@
       </p:sp>
       <p:sp>
         <p:nvSpPr>
-          <p:cNvPr id="31" name="PlaceHolder 3"/>
+          <p:cNvPr id="28" name="PlaceHolder 3"/>
           <p:cNvSpPr>
             <a:spLocks noGrp="1"/>
           </p:cNvSpPr>
@@ -267,8 +270,8 @@
         </p:nvSpPr>
         <p:spPr>
           <a:xfrm>
-            <a:off x="5152680" y="1769040"/>
-            <a:ext cx="4426920" cy="2091240"/>
+            <a:off x="5152680" y="1768680"/>
+            <a:ext cx="4426920" cy="2090880"/>
           </a:xfrm>
           <a:prstGeom prst="rect">
             <a:avLst/>
@@ -293,7 +296,7 @@
       </p:sp>
       <p:sp>
         <p:nvSpPr>
-          <p:cNvPr id="32" name="PlaceHolder 4"/>
+          <p:cNvPr id="29" name="PlaceHolder 4"/>
           <p:cNvSpPr>
             <a:spLocks noGrp="1"/>
           </p:cNvSpPr>
@@ -303,8 +306,8 @@
         </p:nvSpPr>
         <p:spPr>
           <a:xfrm>
-            <a:off x="5152680" y="4059360"/>
-            <a:ext cx="4426920" cy="2091240"/>
+            <a:off x="5152680" y="4058640"/>
+            <a:ext cx="4426920" cy="2090880"/>
           </a:xfrm>
           <a:prstGeom prst="rect">
             <a:avLst/>
@@ -329,7 +332,7 @@
       </p:sp>
       <p:sp>
         <p:nvSpPr>
-          <p:cNvPr id="33" name="PlaceHolder 5"/>
+          <p:cNvPr id="30" name="PlaceHolder 5"/>
           <p:cNvSpPr>
             <a:spLocks noGrp="1"/>
           </p:cNvSpPr>
@@ -339,8 +342,8 @@
         </p:nvSpPr>
         <p:spPr>
           <a:xfrm>
-            <a:off x="504000" y="4059360"/>
-            <a:ext cx="4426920" cy="2091240"/>
+            <a:off x="504000" y="4058640"/>
+            <a:ext cx="4426920" cy="2090880"/>
           </a:xfrm>
           <a:prstGeom prst="rect">
             <a:avLst/>
@@ -387,7 +390,7 @@
       </p:grpSpPr>
       <p:sp>
         <p:nvSpPr>
-          <p:cNvPr id="34" name="PlaceHolder 1"/>
+          <p:cNvPr id="31" name="PlaceHolder 1"/>
           <p:cNvSpPr>
             <a:spLocks noGrp="1"/>
           </p:cNvSpPr>
@@ -398,7 +401,7 @@
         <p:spPr>
           <a:xfrm>
             <a:off x="504000" y="301320"/>
-            <a:ext cx="9071640" cy="1262160"/>
+            <a:ext cx="9071280" cy="1261800"/>
           </a:xfrm>
           <a:prstGeom prst="rect">
             <a:avLst/>
@@ -424,7 +427,7 @@
       </p:sp>
       <p:sp>
         <p:nvSpPr>
-          <p:cNvPr id="35" name="PlaceHolder 2"/>
+          <p:cNvPr id="32" name="PlaceHolder 2"/>
           <p:cNvSpPr>
             <a:spLocks noGrp="1"/>
           </p:cNvSpPr>
@@ -434,8 +437,8 @@
         </p:nvSpPr>
         <p:spPr>
           <a:xfrm>
-            <a:off x="504000" y="1769040"/>
-            <a:ext cx="9071640" cy="4384440"/>
+            <a:off x="504000" y="1768680"/>
+            <a:ext cx="9072000" cy="4384080"/>
           </a:xfrm>
           <a:prstGeom prst="rect">
             <a:avLst/>
@@ -460,7 +463,7 @@
       </p:sp>
       <p:sp>
         <p:nvSpPr>
-          <p:cNvPr id="36" name="PlaceHolder 3"/>
+          <p:cNvPr id="33" name="PlaceHolder 3"/>
           <p:cNvSpPr>
             <a:spLocks noGrp="1"/>
           </p:cNvSpPr>
@@ -470,8 +473,8 @@
         </p:nvSpPr>
         <p:spPr>
           <a:xfrm>
-            <a:off x="504000" y="1769040"/>
-            <a:ext cx="9071640" cy="4384440"/>
+            <a:off x="504000" y="1768680"/>
+            <a:ext cx="9072000" cy="4384080"/>
           </a:xfrm>
           <a:prstGeom prst="rect">
             <a:avLst/>
@@ -496,7 +499,7 @@
       </p:sp>
       <p:pic>
         <p:nvPicPr>
-          <p:cNvPr id="37" name="" descr=""/>
+          <p:cNvPr id="34" name="" descr=""/>
           <p:cNvPicPr/>
           <p:nvPr/>
         </p:nvPicPr>
@@ -506,8 +509,8 @@
         </p:blipFill>
         <p:spPr>
           <a:xfrm>
-            <a:off x="2292120" y="1768680"/>
-            <a:ext cx="5495040" cy="4384440"/>
+            <a:off x="2292480" y="1768680"/>
+            <a:ext cx="5494680" cy="4384080"/>
           </a:xfrm>
           <a:prstGeom prst="rect">
             <a:avLst/>
@@ -519,7 +522,7 @@
       </p:pic>
       <p:pic>
         <p:nvPicPr>
-          <p:cNvPr id="38" name="" descr=""/>
+          <p:cNvPr id="35" name="" descr=""/>
           <p:cNvPicPr/>
           <p:nvPr/>
         </p:nvPicPr>
@@ -529,8 +532,8 @@
         </p:blipFill>
         <p:spPr>
           <a:xfrm>
-            <a:off x="2292120" y="1768680"/>
-            <a:ext cx="5495040" cy="4384440"/>
+            <a:off x="2292480" y="1768680"/>
+            <a:ext cx="5494680" cy="4384080"/>
           </a:xfrm>
           <a:prstGeom prst="rect">
             <a:avLst/>
@@ -564,7 +567,7 @@
       </p:grpSpPr>
       <p:sp>
         <p:nvSpPr>
-          <p:cNvPr id="5" name="PlaceHolder 1"/>
+          <p:cNvPr id="2" name="PlaceHolder 1"/>
           <p:cNvSpPr>
             <a:spLocks noGrp="1"/>
           </p:cNvSpPr>
@@ -575,7 +578,7 @@
         <p:spPr>
           <a:xfrm>
             <a:off x="504000" y="301320"/>
-            <a:ext cx="9071640" cy="1262160"/>
+            <a:ext cx="9071280" cy="1261800"/>
           </a:xfrm>
           <a:prstGeom prst="rect">
             <a:avLst/>
@@ -601,7 +604,7 @@
       </p:sp>
       <p:sp>
         <p:nvSpPr>
-          <p:cNvPr id="6" name="PlaceHolder 2"/>
+          <p:cNvPr id="3" name="PlaceHolder 2"/>
           <p:cNvSpPr>
             <a:spLocks noGrp="1"/>
           </p:cNvSpPr>
@@ -611,8 +614,8 @@
         </p:nvSpPr>
         <p:spPr>
           <a:xfrm>
-            <a:off x="504000" y="1769040"/>
-            <a:ext cx="9071640" cy="4384440"/>
+            <a:off x="504000" y="1768680"/>
+            <a:ext cx="9072000" cy="4384080"/>
           </a:xfrm>
           <a:prstGeom prst="rect">
             <a:avLst/>
@@ -660,7 +663,7 @@
       </p:grpSpPr>
       <p:sp>
         <p:nvSpPr>
-          <p:cNvPr id="7" name="PlaceHolder 1"/>
+          <p:cNvPr id="4" name="PlaceHolder 1"/>
           <p:cNvSpPr>
             <a:spLocks noGrp="1"/>
           </p:cNvSpPr>
@@ -671,7 +674,7 @@
         <p:spPr>
           <a:xfrm>
             <a:off x="504000" y="301320"/>
-            <a:ext cx="9071640" cy="1262160"/>
+            <a:ext cx="9071280" cy="1261800"/>
           </a:xfrm>
           <a:prstGeom prst="rect">
             <a:avLst/>
@@ -697,7 +700,7 @@
       </p:sp>
       <p:sp>
         <p:nvSpPr>
-          <p:cNvPr id="8" name="PlaceHolder 2"/>
+          <p:cNvPr id="5" name="PlaceHolder 2"/>
           <p:cNvSpPr>
             <a:spLocks noGrp="1"/>
           </p:cNvSpPr>
@@ -707,8 +710,8 @@
         </p:nvSpPr>
         <p:spPr>
           <a:xfrm>
-            <a:off x="504000" y="1769040"/>
-            <a:ext cx="9071640" cy="4384440"/>
+            <a:off x="504000" y="1768680"/>
+            <a:ext cx="9072000" cy="4384080"/>
           </a:xfrm>
           <a:prstGeom prst="rect">
             <a:avLst/>
@@ -755,7 +758,7 @@
       </p:grpSpPr>
       <p:sp>
         <p:nvSpPr>
-          <p:cNvPr id="9" name="PlaceHolder 1"/>
+          <p:cNvPr id="6" name="PlaceHolder 1"/>
           <p:cNvSpPr>
             <a:spLocks noGrp="1"/>
           </p:cNvSpPr>
@@ -766,7 +769,7 @@
         <p:spPr>
           <a:xfrm>
             <a:off x="504000" y="301320"/>
-            <a:ext cx="9071640" cy="1262160"/>
+            <a:ext cx="9071280" cy="1261800"/>
           </a:xfrm>
           <a:prstGeom prst="rect">
             <a:avLst/>
@@ -792,7 +795,7 @@
       </p:sp>
       <p:sp>
         <p:nvSpPr>
-          <p:cNvPr id="10" name="PlaceHolder 2"/>
+          <p:cNvPr id="7" name="PlaceHolder 2"/>
           <p:cNvSpPr>
             <a:spLocks noGrp="1"/>
           </p:cNvSpPr>
@@ -802,8 +805,8 @@
         </p:nvSpPr>
         <p:spPr>
           <a:xfrm>
-            <a:off x="504000" y="1769040"/>
-            <a:ext cx="4426920" cy="4384440"/>
+            <a:off x="504000" y="1768680"/>
+            <a:ext cx="4426920" cy="4384080"/>
           </a:xfrm>
           <a:prstGeom prst="rect">
             <a:avLst/>
@@ -828,7 +831,7 @@
       </p:sp>
       <p:sp>
         <p:nvSpPr>
-          <p:cNvPr id="11" name="PlaceHolder 3"/>
+          <p:cNvPr id="8" name="PlaceHolder 3"/>
           <p:cNvSpPr>
             <a:spLocks noGrp="1"/>
           </p:cNvSpPr>
@@ -838,8 +841,8 @@
         </p:nvSpPr>
         <p:spPr>
           <a:xfrm>
-            <a:off x="5152680" y="1769040"/>
-            <a:ext cx="4426920" cy="4384440"/>
+            <a:off x="5152680" y="1768680"/>
+            <a:ext cx="4426920" cy="4384080"/>
           </a:xfrm>
           <a:prstGeom prst="rect">
             <a:avLst/>
@@ -886,7 +889,7 @@
       </p:grpSpPr>
       <p:sp>
         <p:nvSpPr>
-          <p:cNvPr id="12" name="PlaceHolder 1"/>
+          <p:cNvPr id="9" name="PlaceHolder 1"/>
           <p:cNvSpPr>
             <a:spLocks noGrp="1"/>
           </p:cNvSpPr>
@@ -897,7 +900,7 @@
         <p:spPr>
           <a:xfrm>
             <a:off x="504000" y="301320"/>
-            <a:ext cx="9071640" cy="1262160"/>
+            <a:ext cx="9071280" cy="1261800"/>
           </a:xfrm>
           <a:prstGeom prst="rect">
             <a:avLst/>
@@ -945,7 +948,7 @@
       </p:grpSpPr>
       <p:sp>
         <p:nvSpPr>
-          <p:cNvPr id="13" name="PlaceHolder 1"/>
+          <p:cNvPr id="10" name="PlaceHolder 1"/>
           <p:cNvSpPr>
             <a:spLocks noGrp="1"/>
           </p:cNvSpPr>
@@ -956,7 +959,7 @@
         <p:spPr>
           <a:xfrm>
             <a:off x="504000" y="301320"/>
-            <a:ext cx="9071640" cy="5851800"/>
+            <a:ext cx="9071280" cy="5850360"/>
           </a:xfrm>
           <a:prstGeom prst="rect">
             <a:avLst/>
@@ -1004,7 +1007,7 @@
       </p:grpSpPr>
       <p:sp>
         <p:nvSpPr>
-          <p:cNvPr id="14" name="PlaceHolder 1"/>
+          <p:cNvPr id="11" name="PlaceHolder 1"/>
           <p:cNvSpPr>
             <a:spLocks noGrp="1"/>
           </p:cNvSpPr>
@@ -1015,7 +1018,7 @@
         <p:spPr>
           <a:xfrm>
             <a:off x="504000" y="301320"/>
-            <a:ext cx="9071640" cy="1262160"/>
+            <a:ext cx="9071280" cy="1261800"/>
           </a:xfrm>
           <a:prstGeom prst="rect">
             <a:avLst/>
@@ -1041,7 +1044,7 @@
       </p:sp>
       <p:sp>
         <p:nvSpPr>
-          <p:cNvPr id="15" name="PlaceHolder 2"/>
+          <p:cNvPr id="12" name="PlaceHolder 2"/>
           <p:cNvSpPr>
             <a:spLocks noGrp="1"/>
           </p:cNvSpPr>
@@ -1051,8 +1054,8 @@
         </p:nvSpPr>
         <p:spPr>
           <a:xfrm>
-            <a:off x="504000" y="1769040"/>
-            <a:ext cx="4426920" cy="2091240"/>
+            <a:off x="504000" y="1768680"/>
+            <a:ext cx="4426920" cy="2090880"/>
           </a:xfrm>
           <a:prstGeom prst="rect">
             <a:avLst/>
@@ -1077,7 +1080,7 @@
       </p:sp>
       <p:sp>
         <p:nvSpPr>
-          <p:cNvPr id="16" name="PlaceHolder 3"/>
+          <p:cNvPr id="13" name="PlaceHolder 3"/>
           <p:cNvSpPr>
             <a:spLocks noGrp="1"/>
           </p:cNvSpPr>
@@ -1087,8 +1090,8 @@
         </p:nvSpPr>
         <p:spPr>
           <a:xfrm>
-            <a:off x="504000" y="4059360"/>
-            <a:ext cx="4426920" cy="2091240"/>
+            <a:off x="504000" y="4058640"/>
+            <a:ext cx="4426920" cy="2090880"/>
           </a:xfrm>
           <a:prstGeom prst="rect">
             <a:avLst/>
@@ -1113,7 +1116,7 @@
       </p:sp>
       <p:sp>
         <p:nvSpPr>
-          <p:cNvPr id="17" name="PlaceHolder 4"/>
+          <p:cNvPr id="14" name="PlaceHolder 4"/>
           <p:cNvSpPr>
             <a:spLocks noGrp="1"/>
           </p:cNvSpPr>
@@ -1123,8 +1126,8 @@
         </p:nvSpPr>
         <p:spPr>
           <a:xfrm>
-            <a:off x="5152680" y="1769040"/>
-            <a:ext cx="4426920" cy="4384440"/>
+            <a:off x="5152680" y="1768680"/>
+            <a:ext cx="4426920" cy="4384080"/>
           </a:xfrm>
           <a:prstGeom prst="rect">
             <a:avLst/>
@@ -1171,7 +1174,7 @@
       </p:grpSpPr>
       <p:sp>
         <p:nvSpPr>
-          <p:cNvPr id="18" name="PlaceHolder 1"/>
+          <p:cNvPr id="15" name="PlaceHolder 1"/>
           <p:cNvSpPr>
             <a:spLocks noGrp="1"/>
           </p:cNvSpPr>
@@ -1182,7 +1185,7 @@
         <p:spPr>
           <a:xfrm>
             <a:off x="504000" y="301320"/>
-            <a:ext cx="9071640" cy="1262160"/>
+            <a:ext cx="9071280" cy="1261800"/>
           </a:xfrm>
           <a:prstGeom prst="rect">
             <a:avLst/>
@@ -1208,7 +1211,7 @@
       </p:sp>
       <p:sp>
         <p:nvSpPr>
-          <p:cNvPr id="19" name="PlaceHolder 2"/>
+          <p:cNvPr id="16" name="PlaceHolder 2"/>
           <p:cNvSpPr>
             <a:spLocks noGrp="1"/>
           </p:cNvSpPr>
@@ -1218,8 +1221,8 @@
         </p:nvSpPr>
         <p:spPr>
           <a:xfrm>
-            <a:off x="504000" y="1769040"/>
-            <a:ext cx="4426920" cy="4384440"/>
+            <a:off x="504000" y="1768680"/>
+            <a:ext cx="4426920" cy="4384080"/>
           </a:xfrm>
           <a:prstGeom prst="rect">
             <a:avLst/>
@@ -1244,7 +1247,7 @@
       </p:sp>
       <p:sp>
         <p:nvSpPr>
-          <p:cNvPr id="20" name="PlaceHolder 3"/>
+          <p:cNvPr id="17" name="PlaceHolder 3"/>
           <p:cNvSpPr>
             <a:spLocks noGrp="1"/>
           </p:cNvSpPr>
@@ -1254,8 +1257,8 @@
         </p:nvSpPr>
         <p:spPr>
           <a:xfrm>
-            <a:off x="5152680" y="1769040"/>
-            <a:ext cx="4426920" cy="2091240"/>
+            <a:off x="5152680" y="1768680"/>
+            <a:ext cx="4426920" cy="2090880"/>
           </a:xfrm>
           <a:prstGeom prst="rect">
             <a:avLst/>
@@ -1280,7 +1283,7 @@
       </p:sp>
       <p:sp>
         <p:nvSpPr>
-          <p:cNvPr id="21" name="PlaceHolder 4"/>
+          <p:cNvPr id="18" name="PlaceHolder 4"/>
           <p:cNvSpPr>
             <a:spLocks noGrp="1"/>
           </p:cNvSpPr>
@@ -1290,8 +1293,8 @@
         </p:nvSpPr>
         <p:spPr>
           <a:xfrm>
-            <a:off x="5152680" y="4059360"/>
-            <a:ext cx="4426920" cy="2091240"/>
+            <a:off x="5152680" y="4058640"/>
+            <a:ext cx="4426920" cy="2090880"/>
           </a:xfrm>
           <a:prstGeom prst="rect">
             <a:avLst/>
@@ -1338,7 +1341,7 @@
       </p:grpSpPr>
       <p:sp>
         <p:nvSpPr>
-          <p:cNvPr id="22" name="PlaceHolder 1"/>
+          <p:cNvPr id="19" name="PlaceHolder 1"/>
           <p:cNvSpPr>
             <a:spLocks noGrp="1"/>
           </p:cNvSpPr>
@@ -1349,7 +1352,7 @@
         <p:spPr>
           <a:xfrm>
             <a:off x="504000" y="301320"/>
-            <a:ext cx="9071640" cy="1262160"/>
+            <a:ext cx="9071280" cy="1261800"/>
           </a:xfrm>
           <a:prstGeom prst="rect">
             <a:avLst/>
@@ -1375,7 +1378,7 @@
       </p:sp>
       <p:sp>
         <p:nvSpPr>
-          <p:cNvPr id="23" name="PlaceHolder 2"/>
+          <p:cNvPr id="20" name="PlaceHolder 2"/>
           <p:cNvSpPr>
             <a:spLocks noGrp="1"/>
           </p:cNvSpPr>
@@ -1385,8 +1388,8 @@
         </p:nvSpPr>
         <p:spPr>
           <a:xfrm>
-            <a:off x="504000" y="1769040"/>
-            <a:ext cx="4426920" cy="2091240"/>
+            <a:off x="504000" y="1768680"/>
+            <a:ext cx="4426920" cy="2090880"/>
           </a:xfrm>
           <a:prstGeom prst="rect">
             <a:avLst/>
@@ -1411,7 +1414,7 @@
       </p:sp>
       <p:sp>
         <p:nvSpPr>
-          <p:cNvPr id="24" name="PlaceHolder 3"/>
+          <p:cNvPr id="21" name="PlaceHolder 3"/>
           <p:cNvSpPr>
             <a:spLocks noGrp="1"/>
           </p:cNvSpPr>
@@ -1421,8 +1424,8 @@
         </p:nvSpPr>
         <p:spPr>
           <a:xfrm>
-            <a:off x="5152680" y="1769040"/>
-            <a:ext cx="4426920" cy="2091240"/>
+            <a:off x="5152680" y="1768680"/>
+            <a:ext cx="4426920" cy="2090880"/>
           </a:xfrm>
           <a:prstGeom prst="rect">
             <a:avLst/>
@@ -1447,7 +1450,7 @@
       </p:sp>
       <p:sp>
         <p:nvSpPr>
-          <p:cNvPr id="25" name="PlaceHolder 4"/>
+          <p:cNvPr id="22" name="PlaceHolder 4"/>
           <p:cNvSpPr>
             <a:spLocks noGrp="1"/>
           </p:cNvSpPr>
@@ -1457,8 +1460,8 @@
         </p:nvSpPr>
         <p:spPr>
           <a:xfrm>
-            <a:off x="504000" y="4059360"/>
-            <a:ext cx="9071640" cy="2091240"/>
+            <a:off x="504000" y="4058640"/>
+            <a:ext cx="9072000" cy="2090880"/>
           </a:xfrm>
           <a:prstGeom prst="rect">
             <a:avLst/>
@@ -1516,7 +1519,7 @@
         <p:spPr>
           <a:xfrm>
             <a:off x="504000" y="301320"/>
-            <a:ext cx="9071640" cy="1262160"/>
+            <a:ext cx="9071280" cy="1261800"/>
           </a:xfrm>
           <a:prstGeom prst="rect">
             <a:avLst/>
@@ -1526,20 +1529,6 @@
           <a:bodyPr lIns="0" rIns="0" tIns="0" bIns="0" anchor="ctr"/>
           <a:p>
             <a:pPr algn="ctr"/>
-            <a:r>
-              <a:rPr b="0" lang="en-US" sz="4400" spc="-1" strike="noStrike">
-                <a:solidFill>
-                  <a:srgbClr val="000000"/>
-                </a:solidFill>
-                <a:uFill>
-                  <a:solidFill>
-                    <a:srgbClr val="ffffff"/>
-                  </a:solidFill>
-                </a:uFill>
-                <a:latin typeface="Arial"/>
-              </a:rPr>
-              <a:t>Click to edit the title text format</a:t>
-            </a:r>
             <a:endParaRPr b="0" lang="en-US" sz="4400" spc="-1" strike="noStrike">
               <a:solidFill>
                 <a:srgbClr val="000000"/>
@@ -1566,8 +1555,8 @@
         </p:nvSpPr>
         <p:spPr>
           <a:xfrm>
-            <a:off x="504000" y="1769040"/>
-            <a:ext cx="9071640" cy="4384440"/>
+            <a:off x="504000" y="1768680"/>
+            <a:ext cx="9072000" cy="4384080"/>
           </a:xfrm>
           <a:prstGeom prst="rect">
             <a:avLst/>
@@ -1818,158 +1807,6 @@
                 </a:solidFill>
               </a:uFill>
               <a:latin typeface="Arial"/>
-            </a:endParaRPr>
-          </a:p>
-        </p:txBody>
-      </p:sp>
-      <p:sp>
-        <p:nvSpPr>
-          <p:cNvPr id="2" name="PlaceHolder 3"/>
-          <p:cNvSpPr>
-            <a:spLocks noGrp="1"/>
-          </p:cNvSpPr>
-          <p:nvPr>
-            <p:ph type="dt"/>
-          </p:nvPr>
-        </p:nvSpPr>
-        <p:spPr>
-          <a:xfrm>
-            <a:off x="504000" y="6887160"/>
-            <a:ext cx="2348280" cy="521280"/>
-          </a:xfrm>
-          <a:prstGeom prst="rect">
-            <a:avLst/>
-          </a:prstGeom>
-        </p:spPr>
-        <p:txBody>
-          <a:bodyPr lIns="0" rIns="0" tIns="0" bIns="0"/>
-          <a:p>
-            <a:r>
-              <a:rPr b="0" lang="en-US" sz="1400" spc="-1" strike="noStrike">
-                <a:solidFill>
-                  <a:srgbClr val="000000"/>
-                </a:solidFill>
-                <a:uFill>
-                  <a:solidFill>
-                    <a:srgbClr val="ffffff"/>
-                  </a:solidFill>
-                </a:uFill>
-                <a:latin typeface="Times New Roman"/>
-              </a:rPr>
-              <a:t>&lt;date/time&gt;</a:t>
-            </a:r>
-            <a:endParaRPr b="0" lang="en-US" sz="1400" spc="-1" strike="noStrike">
-              <a:solidFill>
-                <a:srgbClr val="000000"/>
-              </a:solidFill>
-              <a:uFill>
-                <a:solidFill>
-                  <a:srgbClr val="ffffff"/>
-                </a:solidFill>
-              </a:uFill>
-              <a:latin typeface="Times New Roman"/>
-            </a:endParaRPr>
-          </a:p>
-        </p:txBody>
-      </p:sp>
-      <p:sp>
-        <p:nvSpPr>
-          <p:cNvPr id="3" name="PlaceHolder 4"/>
-          <p:cNvSpPr>
-            <a:spLocks noGrp="1"/>
-          </p:cNvSpPr>
-          <p:nvPr>
-            <p:ph type="ftr"/>
-          </p:nvPr>
-        </p:nvSpPr>
-        <p:spPr>
-          <a:xfrm>
-            <a:off x="3447360" y="6887160"/>
-            <a:ext cx="3195000" cy="521280"/>
-          </a:xfrm>
-          <a:prstGeom prst="rect">
-            <a:avLst/>
-          </a:prstGeom>
-        </p:spPr>
-        <p:txBody>
-          <a:bodyPr lIns="0" rIns="0" tIns="0" bIns="0"/>
-          <a:p>
-            <a:pPr algn="ctr"/>
-            <a:r>
-              <a:rPr b="0" lang="en-US" sz="1400" spc="-1" strike="noStrike">
-                <a:solidFill>
-                  <a:srgbClr val="000000"/>
-                </a:solidFill>
-                <a:uFill>
-                  <a:solidFill>
-                    <a:srgbClr val="ffffff"/>
-                  </a:solidFill>
-                </a:uFill>
-                <a:latin typeface="Times New Roman"/>
-              </a:rPr>
-              <a:t>&lt;footer&gt;</a:t>
-            </a:r>
-            <a:endParaRPr b="0" lang="en-US" sz="1400" spc="-1" strike="noStrike">
-              <a:solidFill>
-                <a:srgbClr val="000000"/>
-              </a:solidFill>
-              <a:uFill>
-                <a:solidFill>
-                  <a:srgbClr val="ffffff"/>
-                </a:solidFill>
-              </a:uFill>
-              <a:latin typeface="Times New Roman"/>
-            </a:endParaRPr>
-          </a:p>
-        </p:txBody>
-      </p:sp>
-      <p:sp>
-        <p:nvSpPr>
-          <p:cNvPr id="4" name="PlaceHolder 5"/>
-          <p:cNvSpPr>
-            <a:spLocks noGrp="1"/>
-          </p:cNvSpPr>
-          <p:nvPr>
-            <p:ph type="sldNum"/>
-          </p:nvPr>
-        </p:nvSpPr>
-        <p:spPr>
-          <a:xfrm>
-            <a:off x="7227360" y="6887160"/>
-            <a:ext cx="2348280" cy="521280"/>
-          </a:xfrm>
-          <a:prstGeom prst="rect">
-            <a:avLst/>
-          </a:prstGeom>
-        </p:spPr>
-        <p:txBody>
-          <a:bodyPr lIns="0" rIns="0" tIns="0" bIns="0"/>
-          <a:p>
-            <a:pPr algn="r"/>
-            <a:fld id="{E6F1A407-DDAE-45CA-BAF4-169EDD78D3F2}" type="slidenum">
-              <a:rPr b="0" lang="en-US" sz="1400" spc="-1" strike="noStrike">
-                <a:solidFill>
-                  <a:srgbClr val="000000"/>
-                </a:solidFill>
-                <a:uFill>
-                  <a:solidFill>
-                    <a:srgbClr val="ffffff"/>
-                  </a:solidFill>
-                </a:uFill>
-                <a:latin typeface="Times New Roman"/>
-              </a:rPr>
-              <a:t>&lt;number&gt;</a:t>
-            </a:fld>
-            <a:endParaRPr b="0" lang="en-US" sz="1400" spc="-1" strike="noStrike">
-              <a:solidFill>
-                <a:srgbClr val="000000"/>
-              </a:solidFill>
-              <a:uFill>
-                <a:solidFill>
-                  <a:srgbClr val="ffffff"/>
-                </a:solidFill>
-              </a:uFill>
-              <a:latin typeface="Times New Roman"/>
             </a:endParaRPr>
           </a:p>
         </p:txBody>
@@ -2013,14 +1850,14 @@
       </p:grpSpPr>
       <p:sp>
         <p:nvSpPr>
-          <p:cNvPr id="39" name="TextShape 1"/>
-          <p:cNvSpPr txBox="1"/>
+          <p:cNvPr id="36" name="CustomShape 1"/>
+          <p:cNvSpPr/>
           <p:nvPr/>
         </p:nvSpPr>
         <p:spPr>
           <a:xfrm>
             <a:off x="504000" y="1846800"/>
-            <a:ext cx="9071640" cy="1262160"/>
+            <a:ext cx="9071280" cy="1261800"/>
           </a:xfrm>
           <a:prstGeom prst="rect">
             <a:avLst/>
@@ -2030,10 +1867,20 @@
             <a:noFill/>
           </a:ln>
         </p:spPr>
+        <p:style>
+          <a:lnRef idx="0"/>
+          <a:fillRef idx="0"/>
+          <a:effectRef idx="0"/>
+          <a:fontRef idx="minor"/>
+        </p:style>
         <p:txBody>
           <a:bodyPr lIns="0" rIns="0" tIns="0" bIns="0" anchor="ctr"/>
           <a:p>
-            <a:pPr algn="ctr"/>
+            <a:pPr algn="ctr">
+              <a:lnSpc>
+                <a:spcPct val="100000"/>
+              </a:lnSpc>
+            </a:pPr>
             <a:r>
               <a:rPr b="0" lang="en-US" sz="4400" spc="-1" strike="noStrike">
                 <a:solidFill>
@@ -2046,32 +1893,32 @@
                 </a:uFill>
                 <a:latin typeface="Arial"/>
               </a:rPr>
-              <a:t>ZOJ  2734</a:t>
-            </a:r>
-            <a:endParaRPr b="0" lang="en-US" sz="4400" spc="-1" strike="noStrike">
-              <a:solidFill>
-                <a:srgbClr val="000000"/>
-              </a:solidFill>
-              <a:uFill>
-                <a:solidFill>
-                  <a:srgbClr val="ffffff"/>
-                </a:solidFill>
-              </a:uFill>
-              <a:latin typeface="Arial"/>
-            </a:endParaRPr>
-          </a:p>
-        </p:txBody>
-      </p:sp>
-      <p:sp>
-        <p:nvSpPr>
-          <p:cNvPr id="40" name="TextShape 2"/>
-          <p:cNvSpPr txBox="1"/>
+              <a:t>ZOJ  2734  Exchange Cards</a:t>
+            </a:r>
+            <a:endParaRPr b="0" lang="en-US" sz="1800" spc="-1" strike="noStrike">
+              <a:solidFill>
+                <a:srgbClr val="000000"/>
+              </a:solidFill>
+              <a:uFill>
+                <a:solidFill>
+                  <a:srgbClr val="ffffff"/>
+                </a:solidFill>
+              </a:uFill>
+              <a:latin typeface="Arial"/>
+            </a:endParaRPr>
+          </a:p>
+        </p:txBody>
+      </p:sp>
+      <p:sp>
+        <p:nvSpPr>
+          <p:cNvPr id="37" name="CustomShape 2"/>
+          <p:cNvSpPr/>
           <p:nvPr/>
         </p:nvSpPr>
         <p:spPr>
           <a:xfrm>
             <a:off x="504000" y="1769040"/>
-            <a:ext cx="9071640" cy="4384440"/>
+            <a:ext cx="9071280" cy="4384080"/>
           </a:xfrm>
           <a:prstGeom prst="rect">
             <a:avLst/>
@@ -2081,10 +1928,20 @@
             <a:noFill/>
           </a:ln>
         </p:spPr>
+        <p:style>
+          <a:lnRef idx="0"/>
+          <a:fillRef idx="0"/>
+          <a:effectRef idx="0"/>
+          <a:fontRef idx="minor"/>
+        </p:style>
         <p:txBody>
           <a:bodyPr lIns="0" rIns="0" tIns="0" bIns="0" anchor="ctr"/>
           <a:p>
-            <a:pPr algn="ctr"/>
+            <a:pPr algn="ctr">
+              <a:lnSpc>
+                <a:spcPct val="100000"/>
+              </a:lnSpc>
+            </a:pPr>
             <a:r>
               <a:rPr b="0" lang="en-US" sz="3200" spc="-1" strike="noStrike">
                 <a:solidFill>
@@ -2113,7 +1970,7 @@
               </a:rPr>
               <a:t>林伟业 </a:t>
             </a:r>
-            <a:endParaRPr b="0" lang="en-US" sz="3200" spc="-1" strike="noStrike">
+            <a:endParaRPr b="0" lang="en-US" sz="1800" spc="-1" strike="noStrike">
               <a:solidFill>
                 <a:srgbClr val="000000"/>
               </a:solidFill>
@@ -2136,6 +1993,1046 @@
           <p:childTnLst>
             <p:seq>
               <p:cTn id="2" nodeType="mainSeq"/>
+              <p:prevCondLst>
+                <p:cond delay="0" evt="onPrev">
+                  <p:tgtEl>
+                    <p:sldTgt/>
+                  </p:tgtEl>
+                </p:cond>
+              </p:prevCondLst>
+              <p:nextCondLst>
+                <p:cond delay="0" evt="onNext">
+                  <p:tgtEl>
+                    <p:sldTgt/>
+                  </p:tgtEl>
+                </p:cond>
+              </p:nextCondLst>
+            </p:seq>
+          </p:childTnLst>
+        </p:cTn>
+      </p:par>
+    </p:tnLst>
+  </p:timing>
+</p:sld>
+</file>
+
+<file path=ppt/slides/slide2.xml><?xml version="1.0" encoding="utf-8"?>
+<p:sld xmlns:a="http://schemas.openxmlformats.org/drawingml/2006/main" xmlns:p="http://schemas.openxmlformats.org/presentationml/2006/main" xmlns:r="http://schemas.openxmlformats.org/officeDocument/2006/relationships" xmlns:p14="http://schemas.microsoft.com/office/powerpoint/2010/main" xmlns:p15="http://schemas.microsoft.com/office/powerpoint/2012/main" xmlns:mc="http://schemas.openxmlformats.org/markup-compatibility/2006">
+  <p:cSld>
+    <p:spTree>
+      <p:nvGrpSpPr>
+        <p:cNvPr id="1" name=""/>
+        <p:cNvGrpSpPr/>
+        <p:nvPr/>
+      </p:nvGrpSpPr>
+      <p:grpSpPr>
+        <a:xfrm>
+          <a:off x="0" y="0"/>
+          <a:ext cx="0" cy="0"/>
+          <a:chOff x="0" y="0"/>
+          <a:chExt cx="0" cy="0"/>
+        </a:xfrm>
+      </p:grpSpPr>
+      <p:sp>
+        <p:nvSpPr>
+          <p:cNvPr id="38" name="TextShape 1"/>
+          <p:cNvSpPr txBox="1"/>
+          <p:nvPr/>
+        </p:nvSpPr>
+        <p:spPr>
+          <a:xfrm>
+            <a:off x="504000" y="301320"/>
+            <a:ext cx="9071280" cy="1261800"/>
+          </a:xfrm>
+          <a:prstGeom prst="rect">
+            <a:avLst/>
+          </a:prstGeom>
+          <a:noFill/>
+          <a:ln>
+            <a:noFill/>
+          </a:ln>
+        </p:spPr>
+        <p:txBody>
+          <a:bodyPr lIns="0" rIns="0" tIns="0" bIns="0" anchor="ctr"/>
+          <a:p>
+            <a:pPr algn="ctr"/>
+            <a:r>
+              <a:rPr b="0" lang="en-US" sz="4400" spc="-1" strike="noStrike">
+                <a:solidFill>
+                  <a:srgbClr val="000000"/>
+                </a:solidFill>
+                <a:uFill>
+                  <a:solidFill>
+                    <a:srgbClr val="ffffff"/>
+                  </a:solidFill>
+                </a:uFill>
+                <a:latin typeface="Arial"/>
+              </a:rPr>
+              <a:t>题目大意</a:t>
+            </a:r>
+            <a:endParaRPr b="0" lang="en-US" sz="4400" spc="-1" strike="noStrike">
+              <a:solidFill>
+                <a:srgbClr val="000000"/>
+              </a:solidFill>
+              <a:uFill>
+                <a:solidFill>
+                  <a:srgbClr val="ffffff"/>
+                </a:solidFill>
+              </a:uFill>
+              <a:latin typeface="Arial"/>
+            </a:endParaRPr>
+          </a:p>
+        </p:txBody>
+      </p:sp>
+      <p:sp>
+        <p:nvSpPr>
+          <p:cNvPr id="39" name="TextShape 2"/>
+          <p:cNvSpPr txBox="1"/>
+          <p:nvPr/>
+        </p:nvSpPr>
+        <p:spPr>
+          <a:xfrm>
+            <a:off x="504000" y="1768680"/>
+            <a:ext cx="9072000" cy="4384080"/>
+          </a:xfrm>
+          <a:prstGeom prst="rect">
+            <a:avLst/>
+          </a:prstGeom>
+          <a:noFill/>
+          <a:ln>
+            <a:noFill/>
+          </a:ln>
+        </p:spPr>
+        <p:txBody>
+          <a:bodyPr lIns="0" rIns="0" tIns="0" bIns="0" anchor="ctr"/>
+          <a:p>
+            <a:r>
+              <a:rPr b="0" lang="en-US" sz="3200" spc="-1" strike="noStrike">
+                <a:solidFill>
+                  <a:srgbClr val="000000"/>
+                </a:solidFill>
+                <a:uFill>
+                  <a:solidFill>
+                    <a:srgbClr val="ffffff"/>
+                  </a:solidFill>
+                </a:uFill>
+                <a:latin typeface="Arial"/>
+              </a:rPr>
+              <a:t>小明想要一张价值</a:t>
+            </a:r>
+            <a:r>
+              <a:rPr b="0" lang="en-US" sz="3200" spc="-1" strike="noStrike">
+                <a:solidFill>
+                  <a:srgbClr val="000000"/>
+                </a:solidFill>
+                <a:uFill>
+                  <a:solidFill>
+                    <a:srgbClr val="ffffff"/>
+                  </a:solidFill>
+                </a:uFill>
+                <a:latin typeface="Arial"/>
+              </a:rPr>
+              <a:t>v</a:t>
+            </a:r>
+            <a:r>
+              <a:rPr b="0" lang="en-US" sz="3200" spc="-1" strike="noStrike">
+                <a:solidFill>
+                  <a:srgbClr val="000000"/>
+                </a:solidFill>
+                <a:uFill>
+                  <a:solidFill>
+                    <a:srgbClr val="ffffff"/>
+                  </a:solidFill>
+                </a:uFill>
+                <a:latin typeface="Arial"/>
+              </a:rPr>
+              <a:t>的卡片，现在他有</a:t>
+            </a:r>
+            <a:r>
+              <a:rPr b="0" lang="en-US" sz="3200" spc="-1" strike="noStrike">
+                <a:solidFill>
+                  <a:srgbClr val="000000"/>
+                </a:solidFill>
+                <a:uFill>
+                  <a:solidFill>
+                    <a:srgbClr val="ffffff"/>
+                  </a:solidFill>
+                </a:uFill>
+                <a:latin typeface="Arial"/>
+              </a:rPr>
+              <a:t>n</a:t>
+            </a:r>
+            <a:r>
+              <a:rPr b="0" lang="en-US" sz="3200" spc="-1" strike="noStrike">
+                <a:solidFill>
+                  <a:srgbClr val="000000"/>
+                </a:solidFill>
+                <a:uFill>
+                  <a:solidFill>
+                    <a:srgbClr val="ffffff"/>
+                  </a:solidFill>
+                </a:uFill>
+                <a:latin typeface="Arial"/>
+              </a:rPr>
+              <a:t>种卡片每种卡片的数量是</a:t>
+            </a:r>
+            <a:r>
+              <a:rPr b="0" lang="en-US" sz="3200" spc="-1" strike="noStrike">
+                <a:solidFill>
+                  <a:srgbClr val="000000"/>
+                </a:solidFill>
+                <a:uFill>
+                  <a:solidFill>
+                    <a:srgbClr val="ffffff"/>
+                  </a:solidFill>
+                </a:uFill>
+                <a:latin typeface="Arial"/>
+              </a:rPr>
+              <a:t>m</a:t>
+            </a:r>
+            <a:r>
+              <a:rPr b="0" lang="en-US" sz="3200" spc="-1" strike="noStrike" baseline="-33000">
+                <a:solidFill>
+                  <a:srgbClr val="000000"/>
+                </a:solidFill>
+                <a:uFill>
+                  <a:solidFill>
+                    <a:srgbClr val="ffffff"/>
+                  </a:solidFill>
+                </a:uFill>
+                <a:latin typeface="Arial"/>
+              </a:rPr>
+              <a:t>i</a:t>
+            </a:r>
+            <a:r>
+              <a:rPr b="0" lang="en-US" sz="3200" spc="-1" strike="noStrike">
+                <a:solidFill>
+                  <a:srgbClr val="000000"/>
+                </a:solidFill>
+                <a:uFill>
+                  <a:solidFill>
+                    <a:srgbClr val="ffffff"/>
+                  </a:solidFill>
+                </a:uFill>
+                <a:latin typeface="Arial"/>
+              </a:rPr>
+              <a:t>和</a:t>
+            </a:r>
+            <a:r>
+              <a:rPr b="0" lang="en-US" sz="3200" spc="-1" strike="noStrike">
+                <a:solidFill>
+                  <a:srgbClr val="000000"/>
+                </a:solidFill>
+                <a:uFill>
+                  <a:solidFill>
+                    <a:srgbClr val="ffffff"/>
+                  </a:solidFill>
+                </a:uFill>
+                <a:latin typeface="Arial"/>
+              </a:rPr>
+              <a:t>价值是</a:t>
+            </a:r>
+            <a:r>
+              <a:rPr b="0" lang="en-US" sz="3200" spc="-1" strike="noStrike">
+                <a:solidFill>
+                  <a:srgbClr val="000000"/>
+                </a:solidFill>
+                <a:uFill>
+                  <a:solidFill>
+                    <a:srgbClr val="ffffff"/>
+                  </a:solidFill>
+                </a:uFill>
+                <a:latin typeface="Arial"/>
+              </a:rPr>
+              <a:t>v</a:t>
+            </a:r>
+            <a:r>
+              <a:rPr b="0" lang="en-US" sz="3200" spc="-1" strike="noStrike" baseline="-33000">
+                <a:solidFill>
+                  <a:srgbClr val="000000"/>
+                </a:solidFill>
+                <a:uFill>
+                  <a:solidFill>
+                    <a:srgbClr val="ffffff"/>
+                  </a:solidFill>
+                </a:uFill>
+                <a:latin typeface="Arial"/>
+              </a:rPr>
+              <a:t>i</a:t>
+            </a:r>
+            <a:endParaRPr b="0" lang="en-US" sz="3200" spc="-1" strike="noStrike">
+              <a:solidFill>
+                <a:srgbClr val="000000"/>
+              </a:solidFill>
+              <a:uFill>
+                <a:solidFill>
+                  <a:srgbClr val="ffffff"/>
+                </a:solidFill>
+              </a:uFill>
+              <a:latin typeface="Arial"/>
+            </a:endParaRPr>
+          </a:p>
+          <a:p>
+            <a:r>
+              <a:rPr b="0" lang="en-US" sz="3200" spc="-1" strike="noStrike">
+                <a:solidFill>
+                  <a:srgbClr val="000000"/>
+                </a:solidFill>
+                <a:uFill>
+                  <a:solidFill>
+                    <a:srgbClr val="ffffff"/>
+                  </a:solidFill>
+                </a:uFill>
+                <a:latin typeface="Arial"/>
+              </a:rPr>
+              <a:t>用现有的卡片去等价交换价值为</a:t>
+            </a:r>
+            <a:r>
+              <a:rPr b="0" lang="en-US" sz="3200" spc="-1" strike="noStrike">
+                <a:solidFill>
+                  <a:srgbClr val="000000"/>
+                </a:solidFill>
+                <a:uFill>
+                  <a:solidFill>
+                    <a:srgbClr val="ffffff"/>
+                  </a:solidFill>
+                </a:uFill>
+                <a:latin typeface="Arial"/>
+              </a:rPr>
+              <a:t>v</a:t>
+            </a:r>
+            <a:r>
+              <a:rPr b="0" lang="en-US" sz="3200" spc="-1" strike="noStrike">
+                <a:solidFill>
+                  <a:srgbClr val="000000"/>
+                </a:solidFill>
+                <a:uFill>
+                  <a:solidFill>
+                    <a:srgbClr val="ffffff"/>
+                  </a:solidFill>
+                </a:uFill>
+                <a:latin typeface="Arial"/>
+              </a:rPr>
+              <a:t>的卡片，输出有多少种交换方式</a:t>
+            </a:r>
+            <a:r>
+              <a:rPr b="0" lang="en-US" sz="3200" spc="-1" strike="noStrike" baseline="-33000">
+                <a:solidFill>
+                  <a:srgbClr val="000000"/>
+                </a:solidFill>
+                <a:uFill>
+                  <a:solidFill>
+                    <a:srgbClr val="ffffff"/>
+                  </a:solidFill>
+                </a:uFill>
+                <a:latin typeface="Arial"/>
+              </a:rPr>
+              <a:t>。</a:t>
+            </a:r>
+            <a:endParaRPr b="0" lang="en-US" sz="3200" spc="-1" strike="noStrike">
+              <a:solidFill>
+                <a:srgbClr val="000000"/>
+              </a:solidFill>
+              <a:uFill>
+                <a:solidFill>
+                  <a:srgbClr val="ffffff"/>
+                </a:solidFill>
+              </a:uFill>
+              <a:latin typeface="Arial"/>
+            </a:endParaRPr>
+          </a:p>
+          <a:p>
+            <a:r>
+              <a:rPr b="0" lang="en-US" sz="3200" spc="-1" strike="noStrike">
+                <a:solidFill>
+                  <a:srgbClr val="3333ff"/>
+                </a:solidFill>
+                <a:uFill>
+                  <a:solidFill>
+                    <a:srgbClr val="ffffff"/>
+                  </a:solidFill>
+                </a:uFill>
+                <a:latin typeface="Arial"/>
+              </a:rPr>
+              <a:t>就是兑换成给定的值有多少种兑换方法</a:t>
+            </a:r>
+            <a:endParaRPr b="0" lang="en-US" sz="3200" spc="-1" strike="noStrike">
+              <a:solidFill>
+                <a:srgbClr val="000000"/>
+              </a:solidFill>
+              <a:uFill>
+                <a:solidFill>
+                  <a:srgbClr val="ffffff"/>
+                </a:solidFill>
+              </a:uFill>
+              <a:latin typeface="Arial"/>
+            </a:endParaRPr>
+          </a:p>
+        </p:txBody>
+      </p:sp>
+    </p:spTree>
+  </p:cSld>
+  <p:timing>
+    <p:tnLst>
+      <p:par>
+        <p:cTn id="3" dur="indefinite" restart="never" nodeType="tmRoot">
+          <p:childTnLst>
+            <p:seq>
+              <p:cTn id="4" nodeType="mainSeq"/>
+              <p:prevCondLst>
+                <p:cond delay="0" evt="onPrev">
+                  <p:tgtEl>
+                    <p:sldTgt/>
+                  </p:tgtEl>
+                </p:cond>
+              </p:prevCondLst>
+              <p:nextCondLst>
+                <p:cond delay="0" evt="onNext">
+                  <p:tgtEl>
+                    <p:sldTgt/>
+                  </p:tgtEl>
+                </p:cond>
+              </p:nextCondLst>
+            </p:seq>
+          </p:childTnLst>
+        </p:cTn>
+      </p:par>
+    </p:tnLst>
+  </p:timing>
+</p:sld>
+</file>
+
+<file path=ppt/slides/slide3.xml><?xml version="1.0" encoding="utf-8"?>
+<p:sld xmlns:a="http://schemas.openxmlformats.org/drawingml/2006/main" xmlns:p="http://schemas.openxmlformats.org/presentationml/2006/main" xmlns:r="http://schemas.openxmlformats.org/officeDocument/2006/relationships" xmlns:p14="http://schemas.microsoft.com/office/powerpoint/2010/main" xmlns:p15="http://schemas.microsoft.com/office/powerpoint/2012/main" xmlns:mc="http://schemas.openxmlformats.org/markup-compatibility/2006">
+  <p:cSld>
+    <p:spTree>
+      <p:nvGrpSpPr>
+        <p:cNvPr id="1" name=""/>
+        <p:cNvGrpSpPr/>
+        <p:nvPr/>
+      </p:nvGrpSpPr>
+      <p:grpSpPr>
+        <a:xfrm>
+          <a:off x="0" y="0"/>
+          <a:ext cx="0" cy="0"/>
+          <a:chOff x="0" y="0"/>
+          <a:chExt cx="0" cy="0"/>
+        </a:xfrm>
+      </p:grpSpPr>
+      <p:sp>
+        <p:nvSpPr>
+          <p:cNvPr id="40" name="TextShape 1"/>
+          <p:cNvSpPr txBox="1"/>
+          <p:nvPr/>
+        </p:nvSpPr>
+        <p:spPr>
+          <a:xfrm>
+            <a:off x="504000" y="296280"/>
+            <a:ext cx="9071280" cy="6465240"/>
+          </a:xfrm>
+          <a:prstGeom prst="rect">
+            <a:avLst/>
+          </a:prstGeom>
+          <a:noFill/>
+          <a:ln>
+            <a:noFill/>
+          </a:ln>
+        </p:spPr>
+        <p:txBody>
+          <a:bodyPr lIns="0" rIns="0" tIns="0" bIns="0" anchor="ctr"/>
+          <a:p>
+            <a:r>
+              <a:rPr b="0" lang="en-US" sz="4400" spc="-1" strike="noStrike">
+                <a:solidFill>
+                  <a:srgbClr val="000000"/>
+                </a:solidFill>
+                <a:uFill>
+                  <a:solidFill>
+                    <a:srgbClr val="ffffff"/>
+                  </a:solidFill>
+                </a:uFill>
+                <a:latin typeface="Arial"/>
+              </a:rPr>
+              <a:t>Sample Input</a:t>
+            </a:r>
+            <a:r>
+              <a:rPr b="0" lang="en-US" sz="4400" spc="-1" strike="noStrike">
+                <a:solidFill>
+                  <a:srgbClr val="000000"/>
+                </a:solidFill>
+                <a:uFill>
+                  <a:solidFill>
+                    <a:srgbClr val="ffffff"/>
+                  </a:solidFill>
+                </a:uFill>
+                <a:latin typeface="Arial"/>
+              </a:rPr>
+              <a:t>
+</a:t>
+            </a:r>
+            <a:r>
+              <a:rPr b="0" lang="en-US" sz="2200" spc="-1" strike="noStrike">
+                <a:solidFill>
+                  <a:srgbClr val="000000"/>
+                </a:solidFill>
+                <a:uFill>
+                  <a:solidFill>
+                    <a:srgbClr val="ffffff"/>
+                  </a:solidFill>
+                </a:uFill>
+                <a:latin typeface="Arial"/>
+              </a:rPr>
+              <a:t>5 2</a:t>
+            </a:r>
+            <a:r>
+              <a:rPr b="0" lang="en-US" sz="2200" spc="-1" strike="noStrike">
+                <a:solidFill>
+                  <a:srgbClr val="000000"/>
+                </a:solidFill>
+                <a:uFill>
+                  <a:solidFill>
+                    <a:srgbClr val="ffffff"/>
+                  </a:solidFill>
+                </a:uFill>
+                <a:latin typeface="Arial"/>
+              </a:rPr>
+              <a:t>
+</a:t>
+            </a:r>
+            <a:r>
+              <a:rPr b="0" lang="en-US" sz="2200" spc="-1" strike="noStrike">
+                <a:solidFill>
+                  <a:srgbClr val="000000"/>
+                </a:solidFill>
+                <a:uFill>
+                  <a:solidFill>
+                    <a:srgbClr val="ffffff"/>
+                  </a:solidFill>
+                </a:uFill>
+                <a:latin typeface="Arial"/>
+              </a:rPr>
+              <a:t>2 1</a:t>
+            </a:r>
+            <a:r>
+              <a:rPr b="0" lang="en-US" sz="2200" spc="-1" strike="noStrike">
+                <a:solidFill>
+                  <a:srgbClr val="000000"/>
+                </a:solidFill>
+                <a:uFill>
+                  <a:solidFill>
+                    <a:srgbClr val="ffffff"/>
+                  </a:solidFill>
+                </a:uFill>
+                <a:latin typeface="Arial"/>
+              </a:rPr>
+              <a:t>
+</a:t>
+            </a:r>
+            <a:r>
+              <a:rPr b="0" lang="en-US" sz="2200" spc="-1" strike="noStrike">
+                <a:solidFill>
+                  <a:srgbClr val="000000"/>
+                </a:solidFill>
+                <a:uFill>
+                  <a:solidFill>
+                    <a:srgbClr val="ffffff"/>
+                  </a:solidFill>
+                </a:uFill>
+                <a:latin typeface="Arial"/>
+              </a:rPr>
+              <a:t>3 1</a:t>
+            </a:r>
+            <a:r>
+              <a:rPr b="0" lang="en-US" sz="2200" spc="-1" strike="noStrike">
+                <a:solidFill>
+                  <a:srgbClr val="000000"/>
+                </a:solidFill>
+                <a:uFill>
+                  <a:solidFill>
+                    <a:srgbClr val="ffffff"/>
+                  </a:solidFill>
+                </a:uFill>
+                <a:latin typeface="Arial"/>
+              </a:rPr>
+              <a:t>
+</a:t>
+            </a:r>
+            <a:r>
+              <a:rPr b="0" lang="en-US" sz="2200" spc="-1" strike="noStrike">
+                <a:solidFill>
+                  <a:srgbClr val="000000"/>
+                </a:solidFill>
+                <a:uFill>
+                  <a:solidFill>
+                    <a:srgbClr val="ffffff"/>
+                  </a:solidFill>
+                </a:uFill>
+                <a:latin typeface="Arial"/>
+              </a:rPr>
+              <a:t>
+</a:t>
+            </a:r>
+            <a:r>
+              <a:rPr b="0" lang="en-US" sz="2200" spc="-1" strike="noStrike">
+                <a:solidFill>
+                  <a:srgbClr val="000000"/>
+                </a:solidFill>
+                <a:uFill>
+                  <a:solidFill>
+                    <a:srgbClr val="ffffff"/>
+                  </a:solidFill>
+                </a:uFill>
+                <a:latin typeface="Arial"/>
+              </a:rPr>
+              <a:t>10 5</a:t>
+            </a:r>
+            <a:r>
+              <a:rPr b="0" lang="en-US" sz="2200" spc="-1" strike="noStrike">
+                <a:solidFill>
+                  <a:srgbClr val="000000"/>
+                </a:solidFill>
+                <a:uFill>
+                  <a:solidFill>
+                    <a:srgbClr val="ffffff"/>
+                  </a:solidFill>
+                </a:uFill>
+                <a:latin typeface="Arial"/>
+              </a:rPr>
+              <a:t>
+</a:t>
+            </a:r>
+            <a:r>
+              <a:rPr b="0" lang="en-US" sz="2200" spc="-1" strike="noStrike">
+                <a:solidFill>
+                  <a:srgbClr val="000000"/>
+                </a:solidFill>
+                <a:uFill>
+                  <a:solidFill>
+                    <a:srgbClr val="ffffff"/>
+                  </a:solidFill>
+                </a:uFill>
+                <a:latin typeface="Arial"/>
+              </a:rPr>
+              <a:t>10 2</a:t>
+            </a:r>
+            <a:r>
+              <a:rPr b="0" lang="en-US" sz="2200" spc="-1" strike="noStrike">
+                <a:solidFill>
+                  <a:srgbClr val="000000"/>
+                </a:solidFill>
+                <a:uFill>
+                  <a:solidFill>
+                    <a:srgbClr val="ffffff"/>
+                  </a:solidFill>
+                </a:uFill>
+                <a:latin typeface="Arial"/>
+              </a:rPr>
+              <a:t>
+</a:t>
+            </a:r>
+            <a:r>
+              <a:rPr b="0" lang="en-US" sz="2200" spc="-1" strike="noStrike">
+                <a:solidFill>
+                  <a:srgbClr val="000000"/>
+                </a:solidFill>
+                <a:uFill>
+                  <a:solidFill>
+                    <a:srgbClr val="ffffff"/>
+                  </a:solidFill>
+                </a:uFill>
+                <a:latin typeface="Arial"/>
+              </a:rPr>
+              <a:t>7 2</a:t>
+            </a:r>
+            <a:r>
+              <a:rPr b="0" lang="en-US" sz="2200" spc="-1" strike="noStrike">
+                <a:solidFill>
+                  <a:srgbClr val="000000"/>
+                </a:solidFill>
+                <a:uFill>
+                  <a:solidFill>
+                    <a:srgbClr val="ffffff"/>
+                  </a:solidFill>
+                </a:uFill>
+                <a:latin typeface="Arial"/>
+              </a:rPr>
+              <a:t>
+</a:t>
+            </a:r>
+            <a:r>
+              <a:rPr b="0" lang="en-US" sz="2200" spc="-1" strike="noStrike">
+                <a:solidFill>
+                  <a:srgbClr val="000000"/>
+                </a:solidFill>
+                <a:uFill>
+                  <a:solidFill>
+                    <a:srgbClr val="ffffff"/>
+                  </a:solidFill>
+                </a:uFill>
+                <a:latin typeface="Arial"/>
+              </a:rPr>
+              <a:t>5 3</a:t>
+            </a:r>
+            <a:r>
+              <a:rPr b="0" lang="en-US" sz="2200" spc="-1" strike="noStrike">
+                <a:solidFill>
+                  <a:srgbClr val="000000"/>
+                </a:solidFill>
+                <a:uFill>
+                  <a:solidFill>
+                    <a:srgbClr val="ffffff"/>
+                  </a:solidFill>
+                </a:uFill>
+                <a:latin typeface="Arial"/>
+              </a:rPr>
+              <a:t>
+</a:t>
+            </a:r>
+            <a:r>
+              <a:rPr b="0" lang="en-US" sz="2200" spc="-1" strike="noStrike">
+                <a:solidFill>
+                  <a:srgbClr val="000000"/>
+                </a:solidFill>
+                <a:uFill>
+                  <a:solidFill>
+                    <a:srgbClr val="ffffff"/>
+                  </a:solidFill>
+                </a:uFill>
+                <a:latin typeface="Arial"/>
+              </a:rPr>
+              <a:t>2 2</a:t>
+            </a:r>
+            <a:r>
+              <a:rPr b="0" lang="en-US" sz="2200" spc="-1" strike="noStrike">
+                <a:solidFill>
+                  <a:srgbClr val="000000"/>
+                </a:solidFill>
+                <a:uFill>
+                  <a:solidFill>
+                    <a:srgbClr val="ffffff"/>
+                  </a:solidFill>
+                </a:uFill>
+                <a:latin typeface="Arial"/>
+              </a:rPr>
+              <a:t>
+</a:t>
+            </a:r>
+            <a:r>
+              <a:rPr b="0" lang="en-US" sz="2200" spc="-1" strike="noStrike">
+                <a:solidFill>
+                  <a:srgbClr val="000000"/>
+                </a:solidFill>
+                <a:uFill>
+                  <a:solidFill>
+                    <a:srgbClr val="ffffff"/>
+                  </a:solidFill>
+                </a:uFill>
+                <a:latin typeface="Arial"/>
+              </a:rPr>
+              <a:t>1 5</a:t>
+            </a:r>
+            <a:r>
+              <a:rPr b="0" lang="en-US" sz="4400" spc="-1" strike="noStrike">
+                <a:solidFill>
+                  <a:srgbClr val="000000"/>
+                </a:solidFill>
+                <a:uFill>
+                  <a:solidFill>
+                    <a:srgbClr val="ffffff"/>
+                  </a:solidFill>
+                </a:uFill>
+                <a:latin typeface="Arial"/>
+              </a:rPr>
+              <a:t>
+</a:t>
+            </a:r>
+            <a:r>
+              <a:rPr b="0" lang="en-US" sz="4400" spc="-1" strike="noStrike">
+                <a:solidFill>
+                  <a:srgbClr val="000000"/>
+                </a:solidFill>
+                <a:uFill>
+                  <a:solidFill>
+                    <a:srgbClr val="ffffff"/>
+                  </a:solidFill>
+                </a:uFill>
+                <a:latin typeface="Arial"/>
+              </a:rPr>
+              <a:t>Sample Output</a:t>
+            </a:r>
+            <a:r>
+              <a:rPr b="0" lang="en-US" sz="4400" spc="-1" strike="noStrike">
+                <a:solidFill>
+                  <a:srgbClr val="000000"/>
+                </a:solidFill>
+                <a:uFill>
+                  <a:solidFill>
+                    <a:srgbClr val="ffffff"/>
+                  </a:solidFill>
+                </a:uFill>
+                <a:latin typeface="Arial"/>
+              </a:rPr>
+              <a:t>
+</a:t>
+            </a:r>
+            <a:r>
+              <a:rPr b="0" lang="en-US" sz="2200" spc="-1" strike="noStrike">
+                <a:solidFill>
+                  <a:srgbClr val="000000"/>
+                </a:solidFill>
+                <a:uFill>
+                  <a:solidFill>
+                    <a:srgbClr val="ffffff"/>
+                  </a:solidFill>
+                </a:uFill>
+                <a:latin typeface="Arial"/>
+              </a:rPr>
+              <a:t>1</a:t>
+            </a:r>
+            <a:r>
+              <a:rPr b="0" lang="en-US" sz="2200" spc="-1" strike="noStrike">
+                <a:solidFill>
+                  <a:srgbClr val="000000"/>
+                </a:solidFill>
+                <a:uFill>
+                  <a:solidFill>
+                    <a:srgbClr val="ffffff"/>
+                  </a:solidFill>
+                </a:uFill>
+                <a:latin typeface="Arial"/>
+              </a:rPr>
+              <a:t>
+</a:t>
+            </a:r>
+            <a:r>
+              <a:rPr b="0" lang="en-US" sz="2200" spc="-1" strike="noStrike">
+                <a:solidFill>
+                  <a:srgbClr val="000000"/>
+                </a:solidFill>
+                <a:uFill>
+                  <a:solidFill>
+                    <a:srgbClr val="ffffff"/>
+                  </a:solidFill>
+                </a:uFill>
+                <a:latin typeface="Arial"/>
+              </a:rPr>
+              <a:t>
+</a:t>
+            </a:r>
+            <a:r>
+              <a:rPr b="0" lang="en-US" sz="2200" spc="-1" strike="noStrike">
+                <a:solidFill>
+                  <a:srgbClr val="000000"/>
+                </a:solidFill>
+                <a:uFill>
+                  <a:solidFill>
+                    <a:srgbClr val="ffffff"/>
+                  </a:solidFill>
+                </a:uFill>
+                <a:latin typeface="Arial"/>
+              </a:rPr>
+              <a:t>7</a:t>
+            </a:r>
+            <a:endParaRPr b="0" lang="en-US" sz="4400" spc="-1" strike="noStrike">
+              <a:solidFill>
+                <a:srgbClr val="000000"/>
+              </a:solidFill>
+              <a:uFill>
+                <a:solidFill>
+                  <a:srgbClr val="ffffff"/>
+                </a:solidFill>
+              </a:uFill>
+              <a:latin typeface="Arial"/>
+            </a:endParaRPr>
+          </a:p>
+        </p:txBody>
+      </p:sp>
+    </p:spTree>
+  </p:cSld>
+  <p:timing>
+    <p:tnLst>
+      <p:par>
+        <p:cTn id="5" dur="indefinite" restart="never" nodeType="tmRoot">
+          <p:childTnLst>
+            <p:seq>
+              <p:cTn id="6" nodeType="mainSeq"/>
+              <p:prevCondLst>
+                <p:cond delay="0" evt="onPrev">
+                  <p:tgtEl>
+                    <p:sldTgt/>
+                  </p:tgtEl>
+                </p:cond>
+              </p:prevCondLst>
+              <p:nextCondLst>
+                <p:cond delay="0" evt="onNext">
+                  <p:tgtEl>
+                    <p:sldTgt/>
+                  </p:tgtEl>
+                </p:cond>
+              </p:nextCondLst>
+            </p:seq>
+          </p:childTnLst>
+        </p:cTn>
+      </p:par>
+    </p:tnLst>
+  </p:timing>
+</p:sld>
+</file>
+
+<file path=ppt/slides/slide4.xml><?xml version="1.0" encoding="utf-8"?>
+<p:sld xmlns:a="http://schemas.openxmlformats.org/drawingml/2006/main" xmlns:p="http://schemas.openxmlformats.org/presentationml/2006/main" xmlns:r="http://schemas.openxmlformats.org/officeDocument/2006/relationships" xmlns:p14="http://schemas.microsoft.com/office/powerpoint/2010/main" xmlns:p15="http://schemas.microsoft.com/office/powerpoint/2012/main" xmlns:mc="http://schemas.openxmlformats.org/markup-compatibility/2006">
+  <p:cSld>
+    <p:spTree>
+      <p:nvGrpSpPr>
+        <p:cNvPr id="1" name=""/>
+        <p:cNvGrpSpPr/>
+        <p:nvPr/>
+      </p:nvGrpSpPr>
+      <p:grpSpPr>
+        <a:xfrm>
+          <a:off x="0" y="0"/>
+          <a:ext cx="0" cy="0"/>
+          <a:chOff x="0" y="0"/>
+          <a:chExt cx="0" cy="0"/>
+        </a:xfrm>
+      </p:grpSpPr>
+      <p:sp>
+        <p:nvSpPr>
+          <p:cNvPr id="41" name="TextShape 1"/>
+          <p:cNvSpPr txBox="1"/>
+          <p:nvPr/>
+        </p:nvSpPr>
+        <p:spPr>
+          <a:xfrm>
+            <a:off x="504000" y="301320"/>
+            <a:ext cx="9071280" cy="1261800"/>
+          </a:xfrm>
+          <a:prstGeom prst="rect">
+            <a:avLst/>
+          </a:prstGeom>
+          <a:noFill/>
+          <a:ln>
+            <a:noFill/>
+          </a:ln>
+        </p:spPr>
+        <p:txBody>
+          <a:bodyPr lIns="0" rIns="0" tIns="0" bIns="0" anchor="ctr"/>
+          <a:p>
+            <a:pPr algn="ctr"/>
+            <a:r>
+              <a:rPr b="0" lang="en-US" sz="4400" spc="-1" strike="noStrike">
+                <a:solidFill>
+                  <a:srgbClr val="000000"/>
+                </a:solidFill>
+                <a:uFill>
+                  <a:solidFill>
+                    <a:srgbClr val="ffffff"/>
+                  </a:solidFill>
+                </a:uFill>
+                <a:latin typeface="Arial"/>
+              </a:rPr>
+              <a:t>解题思路</a:t>
+            </a:r>
+            <a:endParaRPr b="0" lang="en-US" sz="4400" spc="-1" strike="noStrike">
+              <a:solidFill>
+                <a:srgbClr val="000000"/>
+              </a:solidFill>
+              <a:uFill>
+                <a:solidFill>
+                  <a:srgbClr val="ffffff"/>
+                </a:solidFill>
+              </a:uFill>
+              <a:latin typeface="Arial"/>
+            </a:endParaRPr>
+          </a:p>
+        </p:txBody>
+      </p:sp>
+      <p:sp>
+        <p:nvSpPr>
+          <p:cNvPr id="42" name="TextShape 2"/>
+          <p:cNvSpPr txBox="1"/>
+          <p:nvPr/>
+        </p:nvSpPr>
+        <p:spPr>
+          <a:xfrm>
+            <a:off x="504000" y="1768680"/>
+            <a:ext cx="9072000" cy="4384080"/>
+          </a:xfrm>
+          <a:prstGeom prst="rect">
+            <a:avLst/>
+          </a:prstGeom>
+          <a:noFill/>
+          <a:ln>
+            <a:noFill/>
+          </a:ln>
+        </p:spPr>
+        <p:txBody>
+          <a:bodyPr lIns="0" rIns="0" tIns="0" bIns="0" anchor="ctr"/>
+          <a:p>
+            <a:r>
+              <a:rPr b="0" lang="en-US" sz="3200" spc="-1" strike="noStrike">
+                <a:solidFill>
+                  <a:srgbClr val="000000"/>
+                </a:solidFill>
+                <a:uFill>
+                  <a:solidFill>
+                    <a:srgbClr val="ffffff"/>
+                  </a:solidFill>
+                </a:uFill>
+                <a:latin typeface="Arial"/>
+              </a:rPr>
+              <a:t>10</a:t>
+            </a:r>
+            <a:endParaRPr b="0" lang="en-US" sz="3200" spc="-1" strike="noStrike">
+              <a:solidFill>
+                <a:srgbClr val="000000"/>
+              </a:solidFill>
+              <a:uFill>
+                <a:solidFill>
+                  <a:srgbClr val="ffffff"/>
+                </a:solidFill>
+              </a:uFill>
+              <a:latin typeface="Arial"/>
+            </a:endParaRPr>
+          </a:p>
+          <a:p>
+            <a:r>
+              <a:rPr b="0" lang="en-US" sz="3200" spc="-1" strike="noStrike">
+                <a:solidFill>
+                  <a:srgbClr val="000000"/>
+                </a:solidFill>
+                <a:uFill>
+                  <a:solidFill>
+                    <a:srgbClr val="ffffff"/>
+                  </a:solidFill>
+                </a:uFill>
+                <a:latin typeface="Arial"/>
+              </a:rPr>
+              <a:t>7</a:t>
+            </a:r>
+            <a:endParaRPr b="0" lang="en-US" sz="3200" spc="-1" strike="noStrike">
+              <a:solidFill>
+                <a:srgbClr val="000000"/>
+              </a:solidFill>
+              <a:uFill>
+                <a:solidFill>
+                  <a:srgbClr val="ffffff"/>
+                </a:solidFill>
+              </a:uFill>
+              <a:latin typeface="Arial"/>
+            </a:endParaRPr>
+          </a:p>
+        </p:txBody>
+      </p:sp>
+    </p:spTree>
+  </p:cSld>
+  <p:timing>
+    <p:tnLst>
+      <p:par>
+        <p:cTn id="7" dur="indefinite" restart="never" nodeType="tmRoot">
+          <p:childTnLst>
+            <p:seq>
+              <p:cTn id="8" nodeType="mainSeq"/>
               <p:prevCondLst>
                 <p:cond delay="0" evt="onPrev">
                   <p:tgtEl>

--- a/ZOJ 2734 讲解.pptx
+++ b/ZOJ 2734 讲解.pptx
@@ -1,22 +1,115 @@
 
 <file path=ppt/presentation.xml><?xml version="1.0" encoding="utf-8"?>
-<p:presentation xmlns:a="http://schemas.openxmlformats.org/drawingml/2006/main" xmlns:p="http://schemas.openxmlformats.org/presentationml/2006/main" xmlns:r="http://schemas.openxmlformats.org/officeDocument/2006/relationships" xmlns:p14="http://schemas.microsoft.com/office/powerpoint/2010/main" xmlns:p15="http://schemas.microsoft.com/office/powerpoint/2012/main" xmlns:mc="http://schemas.openxmlformats.org/markup-compatibility/2006">
+<p:presentation xmlns:a="http://schemas.openxmlformats.org/drawingml/2006/main" xmlns:r="http://schemas.openxmlformats.org/officeDocument/2006/relationships" xmlns:p="http://schemas.openxmlformats.org/presentationml/2006/main">
   <p:sldMasterIdLst>
-    <p:sldMasterId id="2147483648" r:id="rId2"/>
+    <p:sldMasterId id="2147483648" r:id="rId1"/>
   </p:sldMasterIdLst>
   <p:sldIdLst>
     <p:sldId id="256" r:id="rId3"/>
     <p:sldId id="257" r:id="rId4"/>
     <p:sldId id="258" r:id="rId5"/>
     <p:sldId id="259" r:id="rId6"/>
+    <p:sldId id="260" r:id="rId7"/>
   </p:sldIdLst>
   <p:sldSz cx="10080625" cy="7559675"/>
   <p:notesSz cx="7772400" cy="10058400"/>
+  <p:defaultTextStyle>
+    <a:lvl1pPr marL="0" algn="l" defTabSz="914400" rtl="0" eaLnBrk="1" latinLnBrk="0" hangingPunct="1">
+      <a:defRPr sz="1800" kern="1200">
+        <a:solidFill>
+          <a:schemeClr val="tx1"/>
+        </a:solidFill>
+        <a:latin typeface="+mn-lt"/>
+        <a:ea typeface="+mn-ea"/>
+        <a:cs typeface="+mn-cs"/>
+      </a:defRPr>
+    </a:lvl1pPr>
+    <a:lvl2pPr marL="457200" algn="l" defTabSz="914400" rtl="0" eaLnBrk="1" latinLnBrk="0" hangingPunct="1">
+      <a:defRPr sz="1800" kern="1200">
+        <a:solidFill>
+          <a:schemeClr val="tx1"/>
+        </a:solidFill>
+        <a:latin typeface="+mn-lt"/>
+        <a:ea typeface="+mn-ea"/>
+        <a:cs typeface="+mn-cs"/>
+      </a:defRPr>
+    </a:lvl2pPr>
+    <a:lvl3pPr marL="914400" algn="l" defTabSz="914400" rtl="0" eaLnBrk="1" latinLnBrk="0" hangingPunct="1">
+      <a:defRPr sz="1800" kern="1200">
+        <a:solidFill>
+          <a:schemeClr val="tx1"/>
+        </a:solidFill>
+        <a:latin typeface="+mn-lt"/>
+        <a:ea typeface="+mn-ea"/>
+        <a:cs typeface="+mn-cs"/>
+      </a:defRPr>
+    </a:lvl3pPr>
+    <a:lvl4pPr marL="1371600" algn="l" defTabSz="914400" rtl="0" eaLnBrk="1" latinLnBrk="0" hangingPunct="1">
+      <a:defRPr sz="1800" kern="1200">
+        <a:solidFill>
+          <a:schemeClr val="tx1"/>
+        </a:solidFill>
+        <a:latin typeface="+mn-lt"/>
+        <a:ea typeface="+mn-ea"/>
+        <a:cs typeface="+mn-cs"/>
+      </a:defRPr>
+    </a:lvl4pPr>
+    <a:lvl5pPr marL="1828800" algn="l" defTabSz="914400" rtl="0" eaLnBrk="1" latinLnBrk="0" hangingPunct="1">
+      <a:defRPr sz="1800" kern="1200">
+        <a:solidFill>
+          <a:schemeClr val="tx1"/>
+        </a:solidFill>
+        <a:latin typeface="+mn-lt"/>
+        <a:ea typeface="+mn-ea"/>
+        <a:cs typeface="+mn-cs"/>
+      </a:defRPr>
+    </a:lvl5pPr>
+    <a:lvl6pPr marL="2286000" algn="l" defTabSz="914400" rtl="0" eaLnBrk="1" latinLnBrk="0" hangingPunct="1">
+      <a:defRPr sz="1800" kern="1200">
+        <a:solidFill>
+          <a:schemeClr val="tx1"/>
+        </a:solidFill>
+        <a:latin typeface="+mn-lt"/>
+        <a:ea typeface="+mn-ea"/>
+        <a:cs typeface="+mn-cs"/>
+      </a:defRPr>
+    </a:lvl6pPr>
+    <a:lvl7pPr marL="2743200" algn="l" defTabSz="914400" rtl="0" eaLnBrk="1" latinLnBrk="0" hangingPunct="1">
+      <a:defRPr sz="1800" kern="1200">
+        <a:solidFill>
+          <a:schemeClr val="tx1"/>
+        </a:solidFill>
+        <a:latin typeface="+mn-lt"/>
+        <a:ea typeface="+mn-ea"/>
+        <a:cs typeface="+mn-cs"/>
+      </a:defRPr>
+    </a:lvl7pPr>
+    <a:lvl8pPr marL="3200400" algn="l" defTabSz="914400" rtl="0" eaLnBrk="1" latinLnBrk="0" hangingPunct="1">
+      <a:defRPr sz="1800" kern="1200">
+        <a:solidFill>
+          <a:schemeClr val="tx1"/>
+        </a:solidFill>
+        <a:latin typeface="+mn-lt"/>
+        <a:ea typeface="+mn-ea"/>
+        <a:cs typeface="+mn-cs"/>
+      </a:defRPr>
+    </a:lvl8pPr>
+    <a:lvl9pPr marL="3657600" algn="l" defTabSz="914400" rtl="0" eaLnBrk="1" latinLnBrk="0" hangingPunct="1">
+      <a:defRPr sz="1800" kern="1200">
+        <a:solidFill>
+          <a:schemeClr val="tx1"/>
+        </a:solidFill>
+        <a:latin typeface="+mn-lt"/>
+        <a:ea typeface="+mn-ea"/>
+        <a:cs typeface="+mn-cs"/>
+      </a:defRPr>
+    </a:lvl9pPr>
+  </p:defaultTextStyle>
 </p:presentation>
 </file>
 
 <file path=ppt/slideLayouts/slideLayout1.xml><?xml version="1.0" encoding="utf-8"?>
-<p:sldLayout xmlns:a="http://schemas.openxmlformats.org/drawingml/2006/main" xmlns:p="http://schemas.openxmlformats.org/presentationml/2006/main" xmlns:r="http://schemas.openxmlformats.org/officeDocument/2006/relationships" xmlns:p14="http://schemas.microsoft.com/office/powerpoint/2010/main" xmlns:p15="http://schemas.microsoft.com/office/powerpoint/2012/main" xmlns:mc="http://schemas.openxmlformats.org/markup-compatibility/2006" type="blank" preserve="1">
+<p:sldLayout xmlns:a="http://schemas.openxmlformats.org/drawingml/2006/main" xmlns:r="http://schemas.openxmlformats.org/officeDocument/2006/relationships" xmlns:p="http://schemas.openxmlformats.org/presentationml/2006/main" type="blank" preserve="1">
   <p:cSld name="Blank Slide">
     <p:spTree>
       <p:nvGrpSpPr>
@@ -34,11 +127,14 @@
       </p:grpSpPr>
     </p:spTree>
   </p:cSld>
+  <p:clrMapOvr>
+    <a:masterClrMapping/>
+  </p:clrMapOvr>
 </p:sldLayout>
 </file>
 
 <file path=ppt/slideLayouts/slideLayout10.xml><?xml version="1.0" encoding="utf-8"?>
-<p:sldLayout xmlns:a="http://schemas.openxmlformats.org/drawingml/2006/main" xmlns:p="http://schemas.openxmlformats.org/presentationml/2006/main" xmlns:r="http://schemas.openxmlformats.org/officeDocument/2006/relationships" xmlns:p14="http://schemas.microsoft.com/office/powerpoint/2010/main" xmlns:p15="http://schemas.microsoft.com/office/powerpoint/2012/main" xmlns:mc="http://schemas.openxmlformats.org/markup-compatibility/2006" type="objOverTx" preserve="1">
+<p:sldLayout xmlns:a="http://schemas.openxmlformats.org/drawingml/2006/main" xmlns:r="http://schemas.openxmlformats.org/officeDocument/2006/relationships" xmlns:p="http://schemas.openxmlformats.org/presentationml/2006/main" type="objOverTx" preserve="1">
   <p:cSld name="Title, Content over Content">
     <p:spTree>
       <p:nvGrpSpPr>
@@ -74,16 +170,16 @@
           </a:prstGeom>
         </p:spPr>
         <p:txBody>
-          <a:bodyPr lIns="0" rIns="0" tIns="0" bIns="0" anchor="ctr"/>
+          <a:bodyPr lIns="0" tIns="0" rIns="0" bIns="0" anchor="ctr"/>
           <a:p>
             <a:pPr algn="ctr"/>
-            <a:endParaRPr b="0" lang="en-US" sz="4400" spc="-1" strike="noStrike">
+            <a:endParaRPr lang="en-US" sz="4400" b="0" strike="noStrike" spc="-1">
               <a:solidFill>
                 <a:srgbClr val="000000"/>
               </a:solidFill>
               <a:uFill>
                 <a:solidFill>
-                  <a:srgbClr val="ffffff"/>
+                  <a:srgbClr val="FFFFFF"/>
                 </a:solidFill>
               </a:uFill>
               <a:latin typeface="Arial"/>
@@ -111,15 +207,15 @@
           </a:prstGeom>
         </p:spPr>
         <p:txBody>
-          <a:bodyPr lIns="0" rIns="0" tIns="0" bIns="0"/>
-          <a:p>
-            <a:endParaRPr b="0" lang="en-US" sz="3200" spc="-1" strike="noStrike">
+          <a:bodyPr lIns="0" tIns="0" rIns="0" bIns="0"/>
+          <a:p>
+            <a:endParaRPr lang="en-US" sz="3200" b="0" strike="noStrike" spc="-1">
               <a:solidFill>
                 <a:srgbClr val="000000"/>
               </a:solidFill>
               <a:uFill>
                 <a:solidFill>
-                  <a:srgbClr val="ffffff"/>
+                  <a:srgbClr val="FFFFFF"/>
                 </a:solidFill>
               </a:uFill>
               <a:latin typeface="Arial"/>
@@ -147,15 +243,15 @@
           </a:prstGeom>
         </p:spPr>
         <p:txBody>
-          <a:bodyPr lIns="0" rIns="0" tIns="0" bIns="0"/>
-          <a:p>
-            <a:endParaRPr b="0" lang="en-US" sz="3200" spc="-1" strike="noStrike">
+          <a:bodyPr lIns="0" tIns="0" rIns="0" bIns="0"/>
+          <a:p>
+            <a:endParaRPr lang="en-US" sz="3200" b="0" strike="noStrike" spc="-1">
               <a:solidFill>
                 <a:srgbClr val="000000"/>
               </a:solidFill>
               <a:uFill>
                 <a:solidFill>
-                  <a:srgbClr val="ffffff"/>
+                  <a:srgbClr val="FFFFFF"/>
                 </a:solidFill>
               </a:uFill>
               <a:latin typeface="Arial"/>
@@ -165,11 +261,14 @@
       </p:sp>
     </p:spTree>
   </p:cSld>
+  <p:clrMapOvr>
+    <a:masterClrMapping/>
+  </p:clrMapOvr>
 </p:sldLayout>
 </file>
 
 <file path=ppt/slideLayouts/slideLayout11.xml><?xml version="1.0" encoding="utf-8"?>
-<p:sldLayout xmlns:a="http://schemas.openxmlformats.org/drawingml/2006/main" xmlns:p="http://schemas.openxmlformats.org/presentationml/2006/main" xmlns:r="http://schemas.openxmlformats.org/officeDocument/2006/relationships" xmlns:p14="http://schemas.microsoft.com/office/powerpoint/2010/main" xmlns:p15="http://schemas.microsoft.com/office/powerpoint/2012/main" xmlns:mc="http://schemas.openxmlformats.org/markup-compatibility/2006" type="fourObj" preserve="1">
+<p:sldLayout xmlns:a="http://schemas.openxmlformats.org/drawingml/2006/main" xmlns:r="http://schemas.openxmlformats.org/officeDocument/2006/relationships" xmlns:p="http://schemas.openxmlformats.org/presentationml/2006/main" type="fourObj" preserve="1">
   <p:cSld name="Title, 4 Content">
     <p:spTree>
       <p:nvGrpSpPr>
@@ -205,16 +304,16 @@
           </a:prstGeom>
         </p:spPr>
         <p:txBody>
-          <a:bodyPr lIns="0" rIns="0" tIns="0" bIns="0" anchor="ctr"/>
+          <a:bodyPr lIns="0" tIns="0" rIns="0" bIns="0" anchor="ctr"/>
           <a:p>
             <a:pPr algn="ctr"/>
-            <a:endParaRPr b="0" lang="en-US" sz="4400" spc="-1" strike="noStrike">
+            <a:endParaRPr lang="en-US" sz="4400" b="0" strike="noStrike" spc="-1">
               <a:solidFill>
                 <a:srgbClr val="000000"/>
               </a:solidFill>
               <a:uFill>
                 <a:solidFill>
-                  <a:srgbClr val="ffffff"/>
+                  <a:srgbClr val="FFFFFF"/>
                 </a:solidFill>
               </a:uFill>
               <a:latin typeface="Arial"/>
@@ -242,15 +341,15 @@
           </a:prstGeom>
         </p:spPr>
         <p:txBody>
-          <a:bodyPr lIns="0" rIns="0" tIns="0" bIns="0"/>
-          <a:p>
-            <a:endParaRPr b="0" lang="en-US" sz="3200" spc="-1" strike="noStrike">
+          <a:bodyPr lIns="0" tIns="0" rIns="0" bIns="0"/>
+          <a:p>
+            <a:endParaRPr lang="en-US" sz="3200" b="0" strike="noStrike" spc="-1">
               <a:solidFill>
                 <a:srgbClr val="000000"/>
               </a:solidFill>
               <a:uFill>
                 <a:solidFill>
-                  <a:srgbClr val="ffffff"/>
+                  <a:srgbClr val="FFFFFF"/>
                 </a:solidFill>
               </a:uFill>
               <a:latin typeface="Arial"/>
@@ -278,15 +377,15 @@
           </a:prstGeom>
         </p:spPr>
         <p:txBody>
-          <a:bodyPr lIns="0" rIns="0" tIns="0" bIns="0"/>
-          <a:p>
-            <a:endParaRPr b="0" lang="en-US" sz="3200" spc="-1" strike="noStrike">
+          <a:bodyPr lIns="0" tIns="0" rIns="0" bIns="0"/>
+          <a:p>
+            <a:endParaRPr lang="en-US" sz="3200" b="0" strike="noStrike" spc="-1">
               <a:solidFill>
                 <a:srgbClr val="000000"/>
               </a:solidFill>
               <a:uFill>
                 <a:solidFill>
-                  <a:srgbClr val="ffffff"/>
+                  <a:srgbClr val="FFFFFF"/>
                 </a:solidFill>
               </a:uFill>
               <a:latin typeface="Arial"/>
@@ -314,15 +413,15 @@
           </a:prstGeom>
         </p:spPr>
         <p:txBody>
-          <a:bodyPr lIns="0" rIns="0" tIns="0" bIns="0"/>
-          <a:p>
-            <a:endParaRPr b="0" lang="en-US" sz="3200" spc="-1" strike="noStrike">
+          <a:bodyPr lIns="0" tIns="0" rIns="0" bIns="0"/>
+          <a:p>
+            <a:endParaRPr lang="en-US" sz="3200" b="0" strike="noStrike" spc="-1">
               <a:solidFill>
                 <a:srgbClr val="000000"/>
               </a:solidFill>
               <a:uFill>
                 <a:solidFill>
-                  <a:srgbClr val="ffffff"/>
+                  <a:srgbClr val="FFFFFF"/>
                 </a:solidFill>
               </a:uFill>
               <a:latin typeface="Arial"/>
@@ -350,15 +449,15 @@
           </a:prstGeom>
         </p:spPr>
         <p:txBody>
-          <a:bodyPr lIns="0" rIns="0" tIns="0" bIns="0"/>
-          <a:p>
-            <a:endParaRPr b="0" lang="en-US" sz="3200" spc="-1" strike="noStrike">
+          <a:bodyPr lIns="0" tIns="0" rIns="0" bIns="0"/>
+          <a:p>
+            <a:endParaRPr lang="en-US" sz="3200" b="0" strike="noStrike" spc="-1">
               <a:solidFill>
                 <a:srgbClr val="000000"/>
               </a:solidFill>
               <a:uFill>
                 <a:solidFill>
-                  <a:srgbClr val="ffffff"/>
+                  <a:srgbClr val="FFFFFF"/>
                 </a:solidFill>
               </a:uFill>
               <a:latin typeface="Arial"/>
@@ -368,11 +467,14 @@
       </p:sp>
     </p:spTree>
   </p:cSld>
+  <p:clrMapOvr>
+    <a:masterClrMapping/>
+  </p:clrMapOvr>
 </p:sldLayout>
 </file>
 
 <file path=ppt/slideLayouts/slideLayout12.xml><?xml version="1.0" encoding="utf-8"?>
-<p:sldLayout xmlns:a="http://schemas.openxmlformats.org/drawingml/2006/main" xmlns:p="http://schemas.openxmlformats.org/presentationml/2006/main" xmlns:r="http://schemas.openxmlformats.org/officeDocument/2006/relationships" xmlns:p14="http://schemas.microsoft.com/office/powerpoint/2010/main" xmlns:p15="http://schemas.microsoft.com/office/powerpoint/2012/main" xmlns:mc="http://schemas.openxmlformats.org/markup-compatibility/2006" type="blank" preserve="1">
+<p:sldLayout xmlns:a="http://schemas.openxmlformats.org/drawingml/2006/main" xmlns:r="http://schemas.openxmlformats.org/officeDocument/2006/relationships" xmlns:p="http://schemas.openxmlformats.org/presentationml/2006/main" type="blank" preserve="1">
   <p:cSld name="Title, 6 Content">
     <p:spTree>
       <p:nvGrpSpPr>
@@ -408,16 +510,16 @@
           </a:prstGeom>
         </p:spPr>
         <p:txBody>
-          <a:bodyPr lIns="0" rIns="0" tIns="0" bIns="0" anchor="ctr"/>
+          <a:bodyPr lIns="0" tIns="0" rIns="0" bIns="0" anchor="ctr"/>
           <a:p>
             <a:pPr algn="ctr"/>
-            <a:endParaRPr b="0" lang="en-US" sz="4400" spc="-1" strike="noStrike">
+            <a:endParaRPr lang="en-US" sz="4400" b="0" strike="noStrike" spc="-1">
               <a:solidFill>
                 <a:srgbClr val="000000"/>
               </a:solidFill>
               <a:uFill>
                 <a:solidFill>
-                  <a:srgbClr val="ffffff"/>
+                  <a:srgbClr val="FFFFFF"/>
                 </a:solidFill>
               </a:uFill>
               <a:latin typeface="Arial"/>
@@ -445,15 +547,15 @@
           </a:prstGeom>
         </p:spPr>
         <p:txBody>
-          <a:bodyPr lIns="0" rIns="0" tIns="0" bIns="0"/>
-          <a:p>
-            <a:endParaRPr b="0" lang="en-US" sz="3200" spc="-1" strike="noStrike">
+          <a:bodyPr lIns="0" tIns="0" rIns="0" bIns="0"/>
+          <a:p>
+            <a:endParaRPr lang="en-US" sz="3200" b="0" strike="noStrike" spc="-1">
               <a:solidFill>
                 <a:srgbClr val="000000"/>
               </a:solidFill>
               <a:uFill>
                 <a:solidFill>
-                  <a:srgbClr val="ffffff"/>
+                  <a:srgbClr val="FFFFFF"/>
                 </a:solidFill>
               </a:uFill>
               <a:latin typeface="Arial"/>
@@ -481,15 +583,15 @@
           </a:prstGeom>
         </p:spPr>
         <p:txBody>
-          <a:bodyPr lIns="0" rIns="0" tIns="0" bIns="0"/>
-          <a:p>
-            <a:endParaRPr b="0" lang="en-US" sz="3200" spc="-1" strike="noStrike">
+          <a:bodyPr lIns="0" tIns="0" rIns="0" bIns="0"/>
+          <a:p>
+            <a:endParaRPr lang="en-US" sz="3200" b="0" strike="noStrike" spc="-1">
               <a:solidFill>
                 <a:srgbClr val="000000"/>
               </a:solidFill>
               <a:uFill>
                 <a:solidFill>
-                  <a:srgbClr val="ffffff"/>
+                  <a:srgbClr val="FFFFFF"/>
                 </a:solidFill>
               </a:uFill>
               <a:latin typeface="Arial"/>
@@ -499,13 +601,15 @@
       </p:sp>
       <p:pic>
         <p:nvPicPr>
-          <p:cNvPr id="34" name="" descr=""/>
+          <p:cNvPr id="34" name="图片 33"/>
           <p:cNvPicPr/>
           <p:nvPr/>
         </p:nvPicPr>
         <p:blipFill>
           <a:blip r:embed="rId2"/>
-          <a:stretch/>
+          <a:stretch>
+            <a:fillRect/>
+          </a:stretch>
         </p:blipFill>
         <p:spPr>
           <a:xfrm>
@@ -522,13 +626,15 @@
       </p:pic>
       <p:pic>
         <p:nvPicPr>
-          <p:cNvPr id="35" name="" descr=""/>
+          <p:cNvPr id="35" name="图片 34"/>
           <p:cNvPicPr/>
           <p:nvPr/>
         </p:nvPicPr>
         <p:blipFill>
           <a:blip r:embed="rId3"/>
-          <a:stretch/>
+          <a:stretch>
+            <a:fillRect/>
+          </a:stretch>
         </p:blipFill>
         <p:spPr>
           <a:xfrm>
@@ -545,11 +651,14 @@
       </p:pic>
     </p:spTree>
   </p:cSld>
+  <p:clrMapOvr>
+    <a:masterClrMapping/>
+  </p:clrMapOvr>
 </p:sldLayout>
 </file>
 
 <file path=ppt/slideLayouts/slideLayout2.xml><?xml version="1.0" encoding="utf-8"?>
-<p:sldLayout xmlns:a="http://schemas.openxmlformats.org/drawingml/2006/main" xmlns:p="http://schemas.openxmlformats.org/presentationml/2006/main" xmlns:r="http://schemas.openxmlformats.org/officeDocument/2006/relationships" xmlns:p14="http://schemas.microsoft.com/office/powerpoint/2010/main" xmlns:p15="http://schemas.microsoft.com/office/powerpoint/2012/main" xmlns:mc="http://schemas.openxmlformats.org/markup-compatibility/2006" type="tx" preserve="1">
+<p:sldLayout xmlns:a="http://schemas.openxmlformats.org/drawingml/2006/main" xmlns:r="http://schemas.openxmlformats.org/officeDocument/2006/relationships" xmlns:p="http://schemas.openxmlformats.org/presentationml/2006/main" type="tx" preserve="1">
   <p:cSld name="Title Slide">
     <p:spTree>
       <p:nvGrpSpPr>
@@ -585,16 +694,16 @@
           </a:prstGeom>
         </p:spPr>
         <p:txBody>
-          <a:bodyPr lIns="0" rIns="0" tIns="0" bIns="0" anchor="ctr"/>
+          <a:bodyPr lIns="0" tIns="0" rIns="0" bIns="0" anchor="ctr"/>
           <a:p>
             <a:pPr algn="ctr"/>
-            <a:endParaRPr b="0" lang="en-US" sz="4400" spc="-1" strike="noStrike">
+            <a:endParaRPr lang="en-US" sz="4400" b="0" strike="noStrike" spc="-1">
               <a:solidFill>
                 <a:srgbClr val="000000"/>
               </a:solidFill>
               <a:uFill>
                 <a:solidFill>
-                  <a:srgbClr val="ffffff"/>
+                  <a:srgbClr val="FFFFFF"/>
                 </a:solidFill>
               </a:uFill>
               <a:latin typeface="Arial"/>
@@ -622,16 +731,16 @@
           </a:prstGeom>
         </p:spPr>
         <p:txBody>
-          <a:bodyPr lIns="0" rIns="0" tIns="0" bIns="0" anchor="ctr"/>
+          <a:bodyPr lIns="0" tIns="0" rIns="0" bIns="0" anchor="ctr"/>
           <a:p>
             <a:pPr algn="ctr"/>
-            <a:endParaRPr b="0" lang="en-US" sz="3200" spc="-1" strike="noStrike">
+            <a:endParaRPr lang="en-US" sz="3200" b="0" strike="noStrike" spc="-1">
               <a:solidFill>
                 <a:srgbClr val="000000"/>
               </a:solidFill>
               <a:uFill>
                 <a:solidFill>
-                  <a:srgbClr val="ffffff"/>
+                  <a:srgbClr val="FFFFFF"/>
                 </a:solidFill>
               </a:uFill>
               <a:latin typeface="Arial"/>
@@ -641,11 +750,14 @@
       </p:sp>
     </p:spTree>
   </p:cSld>
+  <p:clrMapOvr>
+    <a:masterClrMapping/>
+  </p:clrMapOvr>
 </p:sldLayout>
 </file>
 
 <file path=ppt/slideLayouts/slideLayout3.xml><?xml version="1.0" encoding="utf-8"?>
-<p:sldLayout xmlns:a="http://schemas.openxmlformats.org/drawingml/2006/main" xmlns:p="http://schemas.openxmlformats.org/presentationml/2006/main" xmlns:r="http://schemas.openxmlformats.org/officeDocument/2006/relationships" xmlns:p14="http://schemas.microsoft.com/office/powerpoint/2010/main" xmlns:p15="http://schemas.microsoft.com/office/powerpoint/2012/main" xmlns:mc="http://schemas.openxmlformats.org/markup-compatibility/2006" type="obj" preserve="1">
+<p:sldLayout xmlns:a="http://schemas.openxmlformats.org/drawingml/2006/main" xmlns:r="http://schemas.openxmlformats.org/officeDocument/2006/relationships" xmlns:p="http://schemas.openxmlformats.org/presentationml/2006/main" type="obj" preserve="1">
   <p:cSld name="Title, Content">
     <p:spTree>
       <p:nvGrpSpPr>
@@ -681,16 +793,16 @@
           </a:prstGeom>
         </p:spPr>
         <p:txBody>
-          <a:bodyPr lIns="0" rIns="0" tIns="0" bIns="0" anchor="ctr"/>
+          <a:bodyPr lIns="0" tIns="0" rIns="0" bIns="0" anchor="ctr"/>
           <a:p>
             <a:pPr algn="ctr"/>
-            <a:endParaRPr b="0" lang="en-US" sz="4400" spc="-1" strike="noStrike">
+            <a:endParaRPr lang="en-US" sz="4400" b="0" strike="noStrike" spc="-1">
               <a:solidFill>
                 <a:srgbClr val="000000"/>
               </a:solidFill>
               <a:uFill>
                 <a:solidFill>
-                  <a:srgbClr val="ffffff"/>
+                  <a:srgbClr val="FFFFFF"/>
                 </a:solidFill>
               </a:uFill>
               <a:latin typeface="Arial"/>
@@ -718,15 +830,15 @@
           </a:prstGeom>
         </p:spPr>
         <p:txBody>
-          <a:bodyPr lIns="0" rIns="0" tIns="0" bIns="0"/>
-          <a:p>
-            <a:endParaRPr b="0" lang="en-US" sz="3200" spc="-1" strike="noStrike">
+          <a:bodyPr lIns="0" tIns="0" rIns="0" bIns="0"/>
+          <a:p>
+            <a:endParaRPr lang="en-US" sz="3200" b="0" strike="noStrike" spc="-1">
               <a:solidFill>
                 <a:srgbClr val="000000"/>
               </a:solidFill>
               <a:uFill>
                 <a:solidFill>
-                  <a:srgbClr val="ffffff"/>
+                  <a:srgbClr val="FFFFFF"/>
                 </a:solidFill>
               </a:uFill>
               <a:latin typeface="Arial"/>
@@ -736,11 +848,14 @@
       </p:sp>
     </p:spTree>
   </p:cSld>
+  <p:clrMapOvr>
+    <a:masterClrMapping/>
+  </p:clrMapOvr>
 </p:sldLayout>
 </file>
 
 <file path=ppt/slideLayouts/slideLayout4.xml><?xml version="1.0" encoding="utf-8"?>
-<p:sldLayout xmlns:a="http://schemas.openxmlformats.org/drawingml/2006/main" xmlns:p="http://schemas.openxmlformats.org/presentationml/2006/main" xmlns:r="http://schemas.openxmlformats.org/officeDocument/2006/relationships" xmlns:p14="http://schemas.microsoft.com/office/powerpoint/2010/main" xmlns:p15="http://schemas.microsoft.com/office/powerpoint/2012/main" xmlns:mc="http://schemas.openxmlformats.org/markup-compatibility/2006" type="twoObj" preserve="1">
+<p:sldLayout xmlns:a="http://schemas.openxmlformats.org/drawingml/2006/main" xmlns:r="http://schemas.openxmlformats.org/officeDocument/2006/relationships" xmlns:p="http://schemas.openxmlformats.org/presentationml/2006/main" type="twoObj" preserve="1">
   <p:cSld name="Title, 2 Content">
     <p:spTree>
       <p:nvGrpSpPr>
@@ -776,16 +891,16 @@
           </a:prstGeom>
         </p:spPr>
         <p:txBody>
-          <a:bodyPr lIns="0" rIns="0" tIns="0" bIns="0" anchor="ctr"/>
+          <a:bodyPr lIns="0" tIns="0" rIns="0" bIns="0" anchor="ctr"/>
           <a:p>
             <a:pPr algn="ctr"/>
-            <a:endParaRPr b="0" lang="en-US" sz="4400" spc="-1" strike="noStrike">
+            <a:endParaRPr lang="en-US" sz="4400" b="0" strike="noStrike" spc="-1">
               <a:solidFill>
                 <a:srgbClr val="000000"/>
               </a:solidFill>
               <a:uFill>
                 <a:solidFill>
-                  <a:srgbClr val="ffffff"/>
+                  <a:srgbClr val="FFFFFF"/>
                 </a:solidFill>
               </a:uFill>
               <a:latin typeface="Arial"/>
@@ -813,15 +928,15 @@
           </a:prstGeom>
         </p:spPr>
         <p:txBody>
-          <a:bodyPr lIns="0" rIns="0" tIns="0" bIns="0"/>
-          <a:p>
-            <a:endParaRPr b="0" lang="en-US" sz="3200" spc="-1" strike="noStrike">
+          <a:bodyPr lIns="0" tIns="0" rIns="0" bIns="0"/>
+          <a:p>
+            <a:endParaRPr lang="en-US" sz="3200" b="0" strike="noStrike" spc="-1">
               <a:solidFill>
                 <a:srgbClr val="000000"/>
               </a:solidFill>
               <a:uFill>
                 <a:solidFill>
-                  <a:srgbClr val="ffffff"/>
+                  <a:srgbClr val="FFFFFF"/>
                 </a:solidFill>
               </a:uFill>
               <a:latin typeface="Arial"/>
@@ -849,15 +964,15 @@
           </a:prstGeom>
         </p:spPr>
         <p:txBody>
-          <a:bodyPr lIns="0" rIns="0" tIns="0" bIns="0"/>
-          <a:p>
-            <a:endParaRPr b="0" lang="en-US" sz="3200" spc="-1" strike="noStrike">
+          <a:bodyPr lIns="0" tIns="0" rIns="0" bIns="0"/>
+          <a:p>
+            <a:endParaRPr lang="en-US" sz="3200" b="0" strike="noStrike" spc="-1">
               <a:solidFill>
                 <a:srgbClr val="000000"/>
               </a:solidFill>
               <a:uFill>
                 <a:solidFill>
-                  <a:srgbClr val="ffffff"/>
+                  <a:srgbClr val="FFFFFF"/>
                 </a:solidFill>
               </a:uFill>
               <a:latin typeface="Arial"/>
@@ -867,11 +982,14 @@
       </p:sp>
     </p:spTree>
   </p:cSld>
+  <p:clrMapOvr>
+    <a:masterClrMapping/>
+  </p:clrMapOvr>
 </p:sldLayout>
 </file>
 
 <file path=ppt/slideLayouts/slideLayout5.xml><?xml version="1.0" encoding="utf-8"?>
-<p:sldLayout xmlns:a="http://schemas.openxmlformats.org/drawingml/2006/main" xmlns:p="http://schemas.openxmlformats.org/presentationml/2006/main" xmlns:r="http://schemas.openxmlformats.org/officeDocument/2006/relationships" xmlns:p14="http://schemas.microsoft.com/office/powerpoint/2010/main" xmlns:p15="http://schemas.microsoft.com/office/powerpoint/2012/main" xmlns:mc="http://schemas.openxmlformats.org/markup-compatibility/2006" type="titleOnly" preserve="1">
+<p:sldLayout xmlns:a="http://schemas.openxmlformats.org/drawingml/2006/main" xmlns:r="http://schemas.openxmlformats.org/officeDocument/2006/relationships" xmlns:p="http://schemas.openxmlformats.org/presentationml/2006/main" type="titleOnly" preserve="1">
   <p:cSld name="Title Only">
     <p:spTree>
       <p:nvGrpSpPr>
@@ -907,16 +1025,16 @@
           </a:prstGeom>
         </p:spPr>
         <p:txBody>
-          <a:bodyPr lIns="0" rIns="0" tIns="0" bIns="0" anchor="ctr"/>
+          <a:bodyPr lIns="0" tIns="0" rIns="0" bIns="0" anchor="ctr"/>
           <a:p>
             <a:pPr algn="ctr"/>
-            <a:endParaRPr b="0" lang="en-US" sz="4400" spc="-1" strike="noStrike">
+            <a:endParaRPr lang="en-US" sz="4400" b="0" strike="noStrike" spc="-1">
               <a:solidFill>
                 <a:srgbClr val="000000"/>
               </a:solidFill>
               <a:uFill>
                 <a:solidFill>
-                  <a:srgbClr val="ffffff"/>
+                  <a:srgbClr val="FFFFFF"/>
                 </a:solidFill>
               </a:uFill>
               <a:latin typeface="Arial"/>
@@ -926,11 +1044,14 @@
       </p:sp>
     </p:spTree>
   </p:cSld>
+  <p:clrMapOvr>
+    <a:masterClrMapping/>
+  </p:clrMapOvr>
 </p:sldLayout>
 </file>
 
 <file path=ppt/slideLayouts/slideLayout6.xml><?xml version="1.0" encoding="utf-8"?>
-<p:sldLayout xmlns:a="http://schemas.openxmlformats.org/drawingml/2006/main" xmlns:p="http://schemas.openxmlformats.org/presentationml/2006/main" xmlns:r="http://schemas.openxmlformats.org/officeDocument/2006/relationships" xmlns:p14="http://schemas.microsoft.com/office/powerpoint/2010/main" xmlns:p15="http://schemas.microsoft.com/office/powerpoint/2012/main" xmlns:mc="http://schemas.openxmlformats.org/markup-compatibility/2006" type="objOnly" preserve="1">
+<p:sldLayout xmlns:a="http://schemas.openxmlformats.org/drawingml/2006/main" xmlns:r="http://schemas.openxmlformats.org/officeDocument/2006/relationships" xmlns:p="http://schemas.openxmlformats.org/presentationml/2006/main" type="objOnly" preserve="1">
   <p:cSld name="Centered Text">
     <p:spTree>
       <p:nvGrpSpPr>
@@ -966,16 +1087,16 @@
           </a:prstGeom>
         </p:spPr>
         <p:txBody>
-          <a:bodyPr lIns="0" rIns="0" tIns="0" bIns="0" anchor="ctr"/>
+          <a:bodyPr lIns="0" tIns="0" rIns="0" bIns="0" anchor="ctr"/>
           <a:p>
             <a:pPr algn="ctr"/>
-            <a:endParaRPr b="0" lang="en-US" sz="3200" spc="-1" strike="noStrike">
+            <a:endParaRPr lang="en-US" sz="3200" b="0" strike="noStrike" spc="-1">
               <a:solidFill>
                 <a:srgbClr val="000000"/>
               </a:solidFill>
               <a:uFill>
                 <a:solidFill>
-                  <a:srgbClr val="ffffff"/>
+                  <a:srgbClr val="FFFFFF"/>
                 </a:solidFill>
               </a:uFill>
               <a:latin typeface="Arial"/>
@@ -985,11 +1106,14 @@
       </p:sp>
     </p:spTree>
   </p:cSld>
+  <p:clrMapOvr>
+    <a:masterClrMapping/>
+  </p:clrMapOvr>
 </p:sldLayout>
 </file>
 
 <file path=ppt/slideLayouts/slideLayout7.xml><?xml version="1.0" encoding="utf-8"?>
-<p:sldLayout xmlns:a="http://schemas.openxmlformats.org/drawingml/2006/main" xmlns:p="http://schemas.openxmlformats.org/presentationml/2006/main" xmlns:r="http://schemas.openxmlformats.org/officeDocument/2006/relationships" xmlns:p14="http://schemas.microsoft.com/office/powerpoint/2010/main" xmlns:p15="http://schemas.microsoft.com/office/powerpoint/2012/main" xmlns:mc="http://schemas.openxmlformats.org/markup-compatibility/2006" type="twoObjAndObj" preserve="1">
+<p:sldLayout xmlns:a="http://schemas.openxmlformats.org/drawingml/2006/main" xmlns:r="http://schemas.openxmlformats.org/officeDocument/2006/relationships" xmlns:p="http://schemas.openxmlformats.org/presentationml/2006/main" type="twoObjAndObj" preserve="1">
   <p:cSld name="Title, 2 Content and Content">
     <p:spTree>
       <p:nvGrpSpPr>
@@ -1025,16 +1149,16 @@
           </a:prstGeom>
         </p:spPr>
         <p:txBody>
-          <a:bodyPr lIns="0" rIns="0" tIns="0" bIns="0" anchor="ctr"/>
+          <a:bodyPr lIns="0" tIns="0" rIns="0" bIns="0" anchor="ctr"/>
           <a:p>
             <a:pPr algn="ctr"/>
-            <a:endParaRPr b="0" lang="en-US" sz="4400" spc="-1" strike="noStrike">
+            <a:endParaRPr lang="en-US" sz="4400" b="0" strike="noStrike" spc="-1">
               <a:solidFill>
                 <a:srgbClr val="000000"/>
               </a:solidFill>
               <a:uFill>
                 <a:solidFill>
-                  <a:srgbClr val="ffffff"/>
+                  <a:srgbClr val="FFFFFF"/>
                 </a:solidFill>
               </a:uFill>
               <a:latin typeface="Arial"/>
@@ -1062,15 +1186,15 @@
           </a:prstGeom>
         </p:spPr>
         <p:txBody>
-          <a:bodyPr lIns="0" rIns="0" tIns="0" bIns="0"/>
-          <a:p>
-            <a:endParaRPr b="0" lang="en-US" sz="3200" spc="-1" strike="noStrike">
+          <a:bodyPr lIns="0" tIns="0" rIns="0" bIns="0"/>
+          <a:p>
+            <a:endParaRPr lang="en-US" sz="3200" b="0" strike="noStrike" spc="-1">
               <a:solidFill>
                 <a:srgbClr val="000000"/>
               </a:solidFill>
               <a:uFill>
                 <a:solidFill>
-                  <a:srgbClr val="ffffff"/>
+                  <a:srgbClr val="FFFFFF"/>
                 </a:solidFill>
               </a:uFill>
               <a:latin typeface="Arial"/>
@@ -1098,15 +1222,15 @@
           </a:prstGeom>
         </p:spPr>
         <p:txBody>
-          <a:bodyPr lIns="0" rIns="0" tIns="0" bIns="0"/>
-          <a:p>
-            <a:endParaRPr b="0" lang="en-US" sz="3200" spc="-1" strike="noStrike">
+          <a:bodyPr lIns="0" tIns="0" rIns="0" bIns="0"/>
+          <a:p>
+            <a:endParaRPr lang="en-US" sz="3200" b="0" strike="noStrike" spc="-1">
               <a:solidFill>
                 <a:srgbClr val="000000"/>
               </a:solidFill>
               <a:uFill>
                 <a:solidFill>
-                  <a:srgbClr val="ffffff"/>
+                  <a:srgbClr val="FFFFFF"/>
                 </a:solidFill>
               </a:uFill>
               <a:latin typeface="Arial"/>
@@ -1134,15 +1258,15 @@
           </a:prstGeom>
         </p:spPr>
         <p:txBody>
-          <a:bodyPr lIns="0" rIns="0" tIns="0" bIns="0"/>
-          <a:p>
-            <a:endParaRPr b="0" lang="en-US" sz="3200" spc="-1" strike="noStrike">
+          <a:bodyPr lIns="0" tIns="0" rIns="0" bIns="0"/>
+          <a:p>
+            <a:endParaRPr lang="en-US" sz="3200" b="0" strike="noStrike" spc="-1">
               <a:solidFill>
                 <a:srgbClr val="000000"/>
               </a:solidFill>
               <a:uFill>
                 <a:solidFill>
-                  <a:srgbClr val="ffffff"/>
+                  <a:srgbClr val="FFFFFF"/>
                 </a:solidFill>
               </a:uFill>
               <a:latin typeface="Arial"/>
@@ -1152,11 +1276,14 @@
       </p:sp>
     </p:spTree>
   </p:cSld>
+  <p:clrMapOvr>
+    <a:masterClrMapping/>
+  </p:clrMapOvr>
 </p:sldLayout>
 </file>
 
 <file path=ppt/slideLayouts/slideLayout8.xml><?xml version="1.0" encoding="utf-8"?>
-<p:sldLayout xmlns:a="http://schemas.openxmlformats.org/drawingml/2006/main" xmlns:p="http://schemas.openxmlformats.org/presentationml/2006/main" xmlns:r="http://schemas.openxmlformats.org/officeDocument/2006/relationships" xmlns:p14="http://schemas.microsoft.com/office/powerpoint/2010/main" xmlns:p15="http://schemas.microsoft.com/office/powerpoint/2012/main" xmlns:mc="http://schemas.openxmlformats.org/markup-compatibility/2006" type="objAndTwoObj" preserve="1">
+<p:sldLayout xmlns:a="http://schemas.openxmlformats.org/drawingml/2006/main" xmlns:r="http://schemas.openxmlformats.org/officeDocument/2006/relationships" xmlns:p="http://schemas.openxmlformats.org/presentationml/2006/main" type="objAndTwoObj" preserve="1">
   <p:cSld name="Title Content and 2 Content">
     <p:spTree>
       <p:nvGrpSpPr>
@@ -1192,16 +1319,16 @@
           </a:prstGeom>
         </p:spPr>
         <p:txBody>
-          <a:bodyPr lIns="0" rIns="0" tIns="0" bIns="0" anchor="ctr"/>
+          <a:bodyPr lIns="0" tIns="0" rIns="0" bIns="0" anchor="ctr"/>
           <a:p>
             <a:pPr algn="ctr"/>
-            <a:endParaRPr b="0" lang="en-US" sz="4400" spc="-1" strike="noStrike">
+            <a:endParaRPr lang="en-US" sz="4400" b="0" strike="noStrike" spc="-1">
               <a:solidFill>
                 <a:srgbClr val="000000"/>
               </a:solidFill>
               <a:uFill>
                 <a:solidFill>
-                  <a:srgbClr val="ffffff"/>
+                  <a:srgbClr val="FFFFFF"/>
                 </a:solidFill>
               </a:uFill>
               <a:latin typeface="Arial"/>
@@ -1229,15 +1356,15 @@
           </a:prstGeom>
         </p:spPr>
         <p:txBody>
-          <a:bodyPr lIns="0" rIns="0" tIns="0" bIns="0"/>
-          <a:p>
-            <a:endParaRPr b="0" lang="en-US" sz="3200" spc="-1" strike="noStrike">
+          <a:bodyPr lIns="0" tIns="0" rIns="0" bIns="0"/>
+          <a:p>
+            <a:endParaRPr lang="en-US" sz="3200" b="0" strike="noStrike" spc="-1">
               <a:solidFill>
                 <a:srgbClr val="000000"/>
               </a:solidFill>
               <a:uFill>
                 <a:solidFill>
-                  <a:srgbClr val="ffffff"/>
+                  <a:srgbClr val="FFFFFF"/>
                 </a:solidFill>
               </a:uFill>
               <a:latin typeface="Arial"/>
@@ -1265,15 +1392,15 @@
           </a:prstGeom>
         </p:spPr>
         <p:txBody>
-          <a:bodyPr lIns="0" rIns="0" tIns="0" bIns="0"/>
-          <a:p>
-            <a:endParaRPr b="0" lang="en-US" sz="3200" spc="-1" strike="noStrike">
+          <a:bodyPr lIns="0" tIns="0" rIns="0" bIns="0"/>
+          <a:p>
+            <a:endParaRPr lang="en-US" sz="3200" b="0" strike="noStrike" spc="-1">
               <a:solidFill>
                 <a:srgbClr val="000000"/>
               </a:solidFill>
               <a:uFill>
                 <a:solidFill>
-                  <a:srgbClr val="ffffff"/>
+                  <a:srgbClr val="FFFFFF"/>
                 </a:solidFill>
               </a:uFill>
               <a:latin typeface="Arial"/>
@@ -1301,15 +1428,15 @@
           </a:prstGeom>
         </p:spPr>
         <p:txBody>
-          <a:bodyPr lIns="0" rIns="0" tIns="0" bIns="0"/>
-          <a:p>
-            <a:endParaRPr b="0" lang="en-US" sz="3200" spc="-1" strike="noStrike">
+          <a:bodyPr lIns="0" tIns="0" rIns="0" bIns="0"/>
+          <a:p>
+            <a:endParaRPr lang="en-US" sz="3200" b="0" strike="noStrike" spc="-1">
               <a:solidFill>
                 <a:srgbClr val="000000"/>
               </a:solidFill>
               <a:uFill>
                 <a:solidFill>
-                  <a:srgbClr val="ffffff"/>
+                  <a:srgbClr val="FFFFFF"/>
                 </a:solidFill>
               </a:uFill>
               <a:latin typeface="Arial"/>
@@ -1319,11 +1446,14 @@
       </p:sp>
     </p:spTree>
   </p:cSld>
+  <p:clrMapOvr>
+    <a:masterClrMapping/>
+  </p:clrMapOvr>
 </p:sldLayout>
 </file>
 
 <file path=ppt/slideLayouts/slideLayout9.xml><?xml version="1.0" encoding="utf-8"?>
-<p:sldLayout xmlns:a="http://schemas.openxmlformats.org/drawingml/2006/main" xmlns:p="http://schemas.openxmlformats.org/presentationml/2006/main" xmlns:r="http://schemas.openxmlformats.org/officeDocument/2006/relationships" xmlns:p14="http://schemas.microsoft.com/office/powerpoint/2010/main" xmlns:p15="http://schemas.microsoft.com/office/powerpoint/2012/main" xmlns:mc="http://schemas.openxmlformats.org/markup-compatibility/2006" type="twoObjOverTx" preserve="1">
+<p:sldLayout xmlns:a="http://schemas.openxmlformats.org/drawingml/2006/main" xmlns:r="http://schemas.openxmlformats.org/officeDocument/2006/relationships" xmlns:p="http://schemas.openxmlformats.org/presentationml/2006/main" type="twoObjOverTx" preserve="1">
   <p:cSld name="Title, 2 Content over Content">
     <p:spTree>
       <p:nvGrpSpPr>
@@ -1359,16 +1489,16 @@
           </a:prstGeom>
         </p:spPr>
         <p:txBody>
-          <a:bodyPr lIns="0" rIns="0" tIns="0" bIns="0" anchor="ctr"/>
+          <a:bodyPr lIns="0" tIns="0" rIns="0" bIns="0" anchor="ctr"/>
           <a:p>
             <a:pPr algn="ctr"/>
-            <a:endParaRPr b="0" lang="en-US" sz="4400" spc="-1" strike="noStrike">
+            <a:endParaRPr lang="en-US" sz="4400" b="0" strike="noStrike" spc="-1">
               <a:solidFill>
                 <a:srgbClr val="000000"/>
               </a:solidFill>
               <a:uFill>
                 <a:solidFill>
-                  <a:srgbClr val="ffffff"/>
+                  <a:srgbClr val="FFFFFF"/>
                 </a:solidFill>
               </a:uFill>
               <a:latin typeface="Arial"/>
@@ -1396,15 +1526,15 @@
           </a:prstGeom>
         </p:spPr>
         <p:txBody>
-          <a:bodyPr lIns="0" rIns="0" tIns="0" bIns="0"/>
-          <a:p>
-            <a:endParaRPr b="0" lang="en-US" sz="3200" spc="-1" strike="noStrike">
+          <a:bodyPr lIns="0" tIns="0" rIns="0" bIns="0"/>
+          <a:p>
+            <a:endParaRPr lang="en-US" sz="3200" b="0" strike="noStrike" spc="-1">
               <a:solidFill>
                 <a:srgbClr val="000000"/>
               </a:solidFill>
               <a:uFill>
                 <a:solidFill>
-                  <a:srgbClr val="ffffff"/>
+                  <a:srgbClr val="FFFFFF"/>
                 </a:solidFill>
               </a:uFill>
               <a:latin typeface="Arial"/>
@@ -1432,15 +1562,15 @@
           </a:prstGeom>
         </p:spPr>
         <p:txBody>
-          <a:bodyPr lIns="0" rIns="0" tIns="0" bIns="0"/>
-          <a:p>
-            <a:endParaRPr b="0" lang="en-US" sz="3200" spc="-1" strike="noStrike">
+          <a:bodyPr lIns="0" tIns="0" rIns="0" bIns="0"/>
+          <a:p>
+            <a:endParaRPr lang="en-US" sz="3200" b="0" strike="noStrike" spc="-1">
               <a:solidFill>
                 <a:srgbClr val="000000"/>
               </a:solidFill>
               <a:uFill>
                 <a:solidFill>
-                  <a:srgbClr val="ffffff"/>
+                  <a:srgbClr val="FFFFFF"/>
                 </a:solidFill>
               </a:uFill>
               <a:latin typeface="Arial"/>
@@ -1468,15 +1598,15 @@
           </a:prstGeom>
         </p:spPr>
         <p:txBody>
-          <a:bodyPr lIns="0" rIns="0" tIns="0" bIns="0"/>
-          <a:p>
-            <a:endParaRPr b="0" lang="en-US" sz="3200" spc="-1" strike="noStrike">
+          <a:bodyPr lIns="0" tIns="0" rIns="0" bIns="0"/>
+          <a:p>
+            <a:endParaRPr lang="en-US" sz="3200" b="0" strike="noStrike" spc="-1">
               <a:solidFill>
                 <a:srgbClr val="000000"/>
               </a:solidFill>
               <a:uFill>
                 <a:solidFill>
-                  <a:srgbClr val="ffffff"/>
+                  <a:srgbClr val="FFFFFF"/>
                 </a:solidFill>
               </a:uFill>
               <a:latin typeface="Arial"/>
@@ -1486,12 +1616,20 @@
       </p:sp>
     </p:spTree>
   </p:cSld>
+  <p:clrMapOvr>
+    <a:masterClrMapping/>
+  </p:clrMapOvr>
 </p:sldLayout>
 </file>
 
 <file path=ppt/slideMasters/slideMaster1.xml><?xml version="1.0" encoding="utf-8"?>
-<p:sldMaster xmlns:a="http://schemas.openxmlformats.org/drawingml/2006/main" xmlns:p="http://schemas.openxmlformats.org/presentationml/2006/main" xmlns:r="http://schemas.openxmlformats.org/officeDocument/2006/relationships" xmlns:p14="http://schemas.microsoft.com/office/powerpoint/2010/main" xmlns:p15="http://schemas.microsoft.com/office/powerpoint/2012/main" xmlns:mc="http://schemas.openxmlformats.org/markup-compatibility/2006">
+<p:sldMaster xmlns:a="http://schemas.openxmlformats.org/drawingml/2006/main" xmlns:r="http://schemas.openxmlformats.org/officeDocument/2006/relationships" xmlns:p="http://schemas.openxmlformats.org/presentationml/2006/main">
   <p:cSld>
+    <p:bg>
+      <p:bgRef idx="1001">
+        <a:schemeClr val="bg1"/>
+      </p:bgRef>
+    </p:bg>
     <p:spTree>
       <p:nvGrpSpPr>
         <p:cNvPr id="1" name=""/>
@@ -1526,16 +1664,16 @@
           </a:prstGeom>
         </p:spPr>
         <p:txBody>
-          <a:bodyPr lIns="0" rIns="0" tIns="0" bIns="0" anchor="ctr"/>
+          <a:bodyPr lIns="0" tIns="0" rIns="0" bIns="0" anchor="ctr"/>
           <a:p>
             <a:pPr algn="ctr"/>
-            <a:endParaRPr b="0" lang="en-US" sz="4400" spc="-1" strike="noStrike">
+            <a:endParaRPr lang="en-US" sz="4400" b="0" strike="noStrike" spc="-1">
               <a:solidFill>
                 <a:srgbClr val="000000"/>
               </a:solidFill>
               <a:uFill>
                 <a:solidFill>
-                  <a:srgbClr val="ffffff"/>
+                  <a:srgbClr val="FFFFFF"/>
                 </a:solidFill>
               </a:uFill>
               <a:latin typeface="Arial"/>
@@ -1545,7 +1683,7 @@
       </p:sp>
       <p:sp>
         <p:nvSpPr>
-          <p:cNvPr id="1" name="PlaceHolder 2"/>
+          <p:cNvPr id="2" name="PlaceHolder 2"/>
           <p:cNvSpPr>
             <a:spLocks noGrp="1"/>
           </p:cNvSpPr>
@@ -1563,9 +1701,9 @@
           </a:prstGeom>
         </p:spPr>
         <p:txBody>
-          <a:bodyPr lIns="0" rIns="0" tIns="0" bIns="0"/>
-          <a:p>
-            <a:pPr marL="432000" indent="-324000">
+          <a:bodyPr lIns="0" tIns="0" rIns="0" bIns="0"/>
+          <a:p>
+            <a:pPr marL="431800" indent="-323850">
               <a:buClr>
                 <a:srgbClr val="000000"/>
               </a:buClr>
@@ -1574,33 +1712,33 @@
               <a:buChar char=""/>
             </a:pPr>
             <a:r>
-              <a:rPr b="0" lang="en-US" sz="3200" spc="-1" strike="noStrike">
+              <a:rPr lang="en-US" sz="3200" b="0" strike="noStrike" spc="-1">
                 <a:solidFill>
                   <a:srgbClr val="000000"/>
                 </a:solidFill>
                 <a:uFill>
                   <a:solidFill>
-                    <a:srgbClr val="ffffff"/>
+                    <a:srgbClr val="FFFFFF"/>
                   </a:solidFill>
                 </a:uFill>
                 <a:latin typeface="Arial"/>
               </a:rPr>
               <a:t>Click to edit the outline text format</a:t>
             </a:r>
-            <a:endParaRPr b="0" lang="en-US" sz="3200" spc="-1" strike="noStrike">
+            <a:endParaRPr lang="en-US" sz="3200" b="0" strike="noStrike" spc="-1">
               <a:solidFill>
                 <a:srgbClr val="000000"/>
               </a:solidFill>
               <a:uFill>
                 <a:solidFill>
-                  <a:srgbClr val="ffffff"/>
+                  <a:srgbClr val="FFFFFF"/>
                 </a:solidFill>
               </a:uFill>
               <a:latin typeface="Arial"/>
             </a:endParaRPr>
           </a:p>
           <a:p>
-            <a:pPr lvl="1" marL="864000" indent="-324000">
+            <a:pPr marL="864235" lvl="1" indent="-323850">
               <a:buClr>
                 <a:srgbClr val="000000"/>
               </a:buClr>
@@ -1609,33 +1747,33 @@
               <a:buChar char=""/>
             </a:pPr>
             <a:r>
-              <a:rPr b="0" lang="en-US" sz="2800" spc="-1" strike="noStrike">
+              <a:rPr lang="en-US" sz="2800" b="0" strike="noStrike" spc="-1">
                 <a:solidFill>
                   <a:srgbClr val="000000"/>
                 </a:solidFill>
                 <a:uFill>
                   <a:solidFill>
-                    <a:srgbClr val="ffffff"/>
+                    <a:srgbClr val="FFFFFF"/>
                   </a:solidFill>
                 </a:uFill>
                 <a:latin typeface="Arial"/>
               </a:rPr>
               <a:t>Second Outline Level</a:t>
             </a:r>
-            <a:endParaRPr b="0" lang="en-US" sz="2800" spc="-1" strike="noStrike">
+            <a:endParaRPr lang="en-US" sz="2800" b="0" strike="noStrike" spc="-1">
               <a:solidFill>
                 <a:srgbClr val="000000"/>
               </a:solidFill>
               <a:uFill>
                 <a:solidFill>
-                  <a:srgbClr val="ffffff"/>
+                  <a:srgbClr val="FFFFFF"/>
                 </a:solidFill>
               </a:uFill>
               <a:latin typeface="Arial"/>
             </a:endParaRPr>
           </a:p>
           <a:p>
-            <a:pPr lvl="2" marL="1296000" indent="-288000">
+            <a:pPr marL="1296035" lvl="2" indent="-288290">
               <a:buClr>
                 <a:srgbClr val="000000"/>
               </a:buClr>
@@ -1644,33 +1782,33 @@
               <a:buChar char=""/>
             </a:pPr>
             <a:r>
-              <a:rPr b="0" lang="en-US" sz="2400" spc="-1" strike="noStrike">
+              <a:rPr lang="en-US" sz="2400" b="0" strike="noStrike" spc="-1">
                 <a:solidFill>
                   <a:srgbClr val="000000"/>
                 </a:solidFill>
                 <a:uFill>
                   <a:solidFill>
-                    <a:srgbClr val="ffffff"/>
+                    <a:srgbClr val="FFFFFF"/>
                   </a:solidFill>
                 </a:uFill>
                 <a:latin typeface="Arial"/>
               </a:rPr>
               <a:t>Third Outline Level</a:t>
             </a:r>
-            <a:endParaRPr b="0" lang="en-US" sz="2400" spc="-1" strike="noStrike">
+            <a:endParaRPr lang="en-US" sz="2400" b="0" strike="noStrike" spc="-1">
               <a:solidFill>
                 <a:srgbClr val="000000"/>
               </a:solidFill>
               <a:uFill>
                 <a:solidFill>
-                  <a:srgbClr val="ffffff"/>
+                  <a:srgbClr val="FFFFFF"/>
                 </a:solidFill>
               </a:uFill>
               <a:latin typeface="Arial"/>
             </a:endParaRPr>
           </a:p>
           <a:p>
-            <a:pPr lvl="3" marL="1728000" indent="-216000">
+            <a:pPr marL="1727835" lvl="3" indent="-215900">
               <a:buClr>
                 <a:srgbClr val="000000"/>
               </a:buClr>
@@ -1679,33 +1817,33 @@
               <a:buChar char=""/>
             </a:pPr>
             <a:r>
-              <a:rPr b="0" lang="en-US" sz="2000" spc="-1" strike="noStrike">
+              <a:rPr lang="en-US" sz="2000" b="0" strike="noStrike" spc="-1">
                 <a:solidFill>
                   <a:srgbClr val="000000"/>
                 </a:solidFill>
                 <a:uFill>
                   <a:solidFill>
-                    <a:srgbClr val="ffffff"/>
+                    <a:srgbClr val="FFFFFF"/>
                   </a:solidFill>
                 </a:uFill>
                 <a:latin typeface="Arial"/>
               </a:rPr>
               <a:t>Fourth Outline Level</a:t>
             </a:r>
-            <a:endParaRPr b="0" lang="en-US" sz="2000" spc="-1" strike="noStrike">
+            <a:endParaRPr lang="en-US" sz="2000" b="0" strike="noStrike" spc="-1">
               <a:solidFill>
                 <a:srgbClr val="000000"/>
               </a:solidFill>
               <a:uFill>
                 <a:solidFill>
-                  <a:srgbClr val="ffffff"/>
+                  <a:srgbClr val="FFFFFF"/>
                 </a:solidFill>
               </a:uFill>
               <a:latin typeface="Arial"/>
             </a:endParaRPr>
           </a:p>
           <a:p>
-            <a:pPr lvl="4" marL="2160000" indent="-216000">
+            <a:pPr marL="2160270" lvl="4" indent="-215900">
               <a:buClr>
                 <a:srgbClr val="000000"/>
               </a:buClr>
@@ -1714,33 +1852,33 @@
               <a:buChar char=""/>
             </a:pPr>
             <a:r>
-              <a:rPr b="0" lang="en-US" sz="2000" spc="-1" strike="noStrike">
+              <a:rPr lang="en-US" sz="2000" b="0" strike="noStrike" spc="-1">
                 <a:solidFill>
                   <a:srgbClr val="000000"/>
                 </a:solidFill>
                 <a:uFill>
                   <a:solidFill>
-                    <a:srgbClr val="ffffff"/>
+                    <a:srgbClr val="FFFFFF"/>
                   </a:solidFill>
                 </a:uFill>
                 <a:latin typeface="Arial"/>
               </a:rPr>
               <a:t>Fifth Outline Level</a:t>
             </a:r>
-            <a:endParaRPr b="0" lang="en-US" sz="2000" spc="-1" strike="noStrike">
+            <a:endParaRPr lang="en-US" sz="2000" b="0" strike="noStrike" spc="-1">
               <a:solidFill>
                 <a:srgbClr val="000000"/>
               </a:solidFill>
               <a:uFill>
                 <a:solidFill>
-                  <a:srgbClr val="ffffff"/>
+                  <a:srgbClr val="FFFFFF"/>
                 </a:solidFill>
               </a:uFill>
               <a:latin typeface="Arial"/>
             </a:endParaRPr>
           </a:p>
           <a:p>
-            <a:pPr lvl="5" marL="2592000" indent="-216000">
+            <a:pPr marL="2592070" lvl="5" indent="-215900">
               <a:buClr>
                 <a:srgbClr val="000000"/>
               </a:buClr>
@@ -1749,33 +1887,33 @@
               <a:buChar char=""/>
             </a:pPr>
             <a:r>
-              <a:rPr b="0" lang="en-US" sz="2000" spc="-1" strike="noStrike">
+              <a:rPr lang="en-US" sz="2000" b="0" strike="noStrike" spc="-1">
                 <a:solidFill>
                   <a:srgbClr val="000000"/>
                 </a:solidFill>
                 <a:uFill>
                   <a:solidFill>
-                    <a:srgbClr val="ffffff"/>
+                    <a:srgbClr val="FFFFFF"/>
                   </a:solidFill>
                 </a:uFill>
                 <a:latin typeface="Arial"/>
               </a:rPr>
               <a:t>Sixth Outline Level</a:t>
             </a:r>
-            <a:endParaRPr b="0" lang="en-US" sz="2000" spc="-1" strike="noStrike">
+            <a:endParaRPr lang="en-US" sz="2000" b="0" strike="noStrike" spc="-1">
               <a:solidFill>
                 <a:srgbClr val="000000"/>
               </a:solidFill>
               <a:uFill>
                 <a:solidFill>
-                  <a:srgbClr val="ffffff"/>
+                  <a:srgbClr val="FFFFFF"/>
                 </a:solidFill>
               </a:uFill>
               <a:latin typeface="Arial"/>
             </a:endParaRPr>
           </a:p>
           <a:p>
-            <a:pPr lvl="6" marL="3024000" indent="-216000">
+            <a:pPr marL="3023870" lvl="6" indent="-215900">
               <a:buClr>
                 <a:srgbClr val="000000"/>
               </a:buClr>
@@ -1784,26 +1922,26 @@
               <a:buChar char=""/>
             </a:pPr>
             <a:r>
-              <a:rPr b="0" lang="en-US" sz="2000" spc="-1" strike="noStrike">
+              <a:rPr lang="en-US" sz="2000" b="0" strike="noStrike" spc="-1">
                 <a:solidFill>
                   <a:srgbClr val="000000"/>
                 </a:solidFill>
                 <a:uFill>
                   <a:solidFill>
-                    <a:srgbClr val="ffffff"/>
+                    <a:srgbClr val="FFFFFF"/>
                   </a:solidFill>
                 </a:uFill>
                 <a:latin typeface="Arial"/>
               </a:rPr>
               <a:t>Seventh Outline Level</a:t>
             </a:r>
-            <a:endParaRPr b="0" lang="en-US" sz="2000" spc="-1" strike="noStrike">
+            <a:endParaRPr lang="en-US" sz="2000" b="0" strike="noStrike" spc="-1">
               <a:solidFill>
                 <a:srgbClr val="000000"/>
               </a:solidFill>
               <a:uFill>
                 <a:solidFill>
-                  <a:srgbClr val="ffffff"/>
+                  <a:srgbClr val="FFFFFF"/>
                 </a:solidFill>
               </a:uFill>
               <a:latin typeface="Arial"/>
@@ -1813,26 +1951,31 @@
       </p:sp>
     </p:spTree>
   </p:cSld>
-  <p:clrMap bg1="lt1" bg2="lt2" tx1="dk1" tx2="dk2" accent1="accent1" accent2="accent2" accent3="accent3" accent4="accent4" accent5="accent5" accent6="accent6" hlink="hlink" folHlink="folHlink"/>
+  <p:clrMap bg1="lt1" tx1="dk1" bg2="lt2" tx2="dk2" accent1="accent1" accent2="accent2" accent3="accent3" accent4="accent4" accent5="accent5" accent6="accent6" hlink="hlink" folHlink="folHlink"/>
   <p:sldLayoutIdLst>
-    <p:sldLayoutId id="2147483649" r:id="rId2"/>
-    <p:sldLayoutId id="2147483650" r:id="rId3"/>
-    <p:sldLayoutId id="2147483651" r:id="rId4"/>
-    <p:sldLayoutId id="2147483652" r:id="rId5"/>
-    <p:sldLayoutId id="2147483653" r:id="rId6"/>
-    <p:sldLayoutId id="2147483654" r:id="rId7"/>
-    <p:sldLayoutId id="2147483655" r:id="rId8"/>
-    <p:sldLayoutId id="2147483656" r:id="rId9"/>
-    <p:sldLayoutId id="2147483657" r:id="rId10"/>
-    <p:sldLayoutId id="2147483658" r:id="rId11"/>
-    <p:sldLayoutId id="2147483659" r:id="rId12"/>
-    <p:sldLayoutId id="2147483660" r:id="rId13"/>
+    <p:sldLayoutId id="2147483649" r:id="rId1"/>
+    <p:sldLayoutId id="2147483650" r:id="rId2"/>
+    <p:sldLayoutId id="2147483651" r:id="rId3"/>
+    <p:sldLayoutId id="2147483652" r:id="rId4"/>
+    <p:sldLayoutId id="2147483653" r:id="rId5"/>
+    <p:sldLayoutId id="2147483654" r:id="rId6"/>
+    <p:sldLayoutId id="2147483655" r:id="rId7"/>
+    <p:sldLayoutId id="2147483656" r:id="rId8"/>
+    <p:sldLayoutId id="2147483657" r:id="rId9"/>
+    <p:sldLayoutId id="2147483658" r:id="rId10"/>
+    <p:sldLayoutId id="2147483659" r:id="rId11"/>
+    <p:sldLayoutId id="2147483660" r:id="rId12"/>
   </p:sldLayoutIdLst>
+  <p:txStyles>
+    <p:titleStyle/>
+    <p:bodyStyle/>
+    <p:otherStyle/>
+  </p:txStyles>
 </p:sldMaster>
 </file>
 
 <file path=ppt/slides/slide1.xml><?xml version="1.0" encoding="utf-8"?>
-<p:sld xmlns:a="http://schemas.openxmlformats.org/drawingml/2006/main" xmlns:p="http://schemas.openxmlformats.org/presentationml/2006/main" xmlns:r="http://schemas.openxmlformats.org/officeDocument/2006/relationships" xmlns:p14="http://schemas.microsoft.com/office/powerpoint/2010/main" xmlns:p15="http://schemas.microsoft.com/office/powerpoint/2012/main" xmlns:mc="http://schemas.openxmlformats.org/markup-compatibility/2006">
+<p:sld xmlns:a="http://schemas.openxmlformats.org/drawingml/2006/main" xmlns:r="http://schemas.openxmlformats.org/officeDocument/2006/relationships" xmlns:p="http://schemas.openxmlformats.org/presentationml/2006/main">
   <p:cSld>
     <p:spTree>
       <p:nvGrpSpPr>
@@ -1868,13 +2011,19 @@
           </a:ln>
         </p:spPr>
         <p:style>
-          <a:lnRef idx="0"/>
-          <a:fillRef idx="0"/>
-          <a:effectRef idx="0"/>
+          <a:lnRef idx="0">
+            <a:srgbClr val="FFFFFF"/>
+          </a:lnRef>
+          <a:fillRef idx="0">
+            <a:srgbClr val="FFFFFF"/>
+          </a:fillRef>
+          <a:effectRef idx="0">
+            <a:srgbClr val="FFFFFF"/>
+          </a:effectRef>
           <a:fontRef idx="minor"/>
         </p:style>
         <p:txBody>
-          <a:bodyPr lIns="0" rIns="0" tIns="0" bIns="0" anchor="ctr"/>
+          <a:bodyPr lIns="0" tIns="0" rIns="0" bIns="0" anchor="ctr"/>
           <a:p>
             <a:pPr algn="ctr">
               <a:lnSpc>
@@ -1882,26 +2031,26 @@
               </a:lnSpc>
             </a:pPr>
             <a:r>
-              <a:rPr b="0" lang="en-US" sz="4400" spc="-1" strike="noStrike">
+              <a:rPr lang="en-US" sz="4400" b="0" strike="noStrike" spc="-1">
                 <a:solidFill>
                   <a:srgbClr val="000000"/>
                 </a:solidFill>
                 <a:uFill>
                   <a:solidFill>
-                    <a:srgbClr val="ffffff"/>
+                    <a:srgbClr val="FFFFFF"/>
                   </a:solidFill>
                 </a:uFill>
                 <a:latin typeface="Arial"/>
               </a:rPr>
               <a:t>ZOJ  2734  Exchange Cards</a:t>
             </a:r>
-            <a:endParaRPr b="0" lang="en-US" sz="1800" spc="-1" strike="noStrike">
+            <a:endParaRPr lang="en-US" sz="1800" b="0" strike="noStrike" spc="-1">
               <a:solidFill>
                 <a:srgbClr val="000000"/>
               </a:solidFill>
               <a:uFill>
                 <a:solidFill>
-                  <a:srgbClr val="ffffff"/>
+                  <a:srgbClr val="FFFFFF"/>
                 </a:solidFill>
               </a:uFill>
               <a:latin typeface="Arial"/>
@@ -1929,13 +2078,19 @@
           </a:ln>
         </p:spPr>
         <p:style>
-          <a:lnRef idx="0"/>
-          <a:fillRef idx="0"/>
-          <a:effectRef idx="0"/>
+          <a:lnRef idx="0">
+            <a:srgbClr val="FFFFFF"/>
+          </a:lnRef>
+          <a:fillRef idx="0">
+            <a:srgbClr val="FFFFFF"/>
+          </a:fillRef>
+          <a:effectRef idx="0">
+            <a:srgbClr val="FFFFFF"/>
+          </a:effectRef>
           <a:fontRef idx="minor"/>
         </p:style>
         <p:txBody>
-          <a:bodyPr lIns="0" rIns="0" tIns="0" bIns="0" anchor="ctr"/>
+          <a:bodyPr lIns="0" tIns="0" rIns="0" bIns="0" anchor="ctr"/>
           <a:p>
             <a:pPr algn="ctr">
               <a:lnSpc>
@@ -1943,40 +2098,26 @@
               </a:lnSpc>
             </a:pPr>
             <a:r>
-              <a:rPr b="0" lang="en-US" sz="3200" spc="-1" strike="noStrike">
+              <a:rPr lang="en-US" sz="3200" b="0" strike="noStrike" spc="-1">
                 <a:solidFill>
                   <a:srgbClr val="000000"/>
                 </a:solidFill>
                 <a:uFill>
                   <a:solidFill>
-                    <a:srgbClr val="ffffff"/>
+                    <a:srgbClr val="FFFFFF"/>
                   </a:solidFill>
                 </a:uFill>
                 <a:latin typeface="Arial"/>
               </a:rPr>
-              <a:t>20152100121</a:t>
-            </a:r>
-            <a:r>
-              <a:rPr b="0" lang="en-US" sz="3200" spc="-1" strike="noStrike">
-                <a:solidFill>
-                  <a:srgbClr val="000000"/>
-                </a:solidFill>
-                <a:uFill>
-                  <a:solidFill>
-                    <a:srgbClr val="ffffff"/>
-                  </a:solidFill>
-                </a:uFill>
-                <a:latin typeface="Arial"/>
-              </a:rPr>
-              <a:t>林伟业 </a:t>
-            </a:r>
-            <a:endParaRPr b="0" lang="en-US" sz="1800" spc="-1" strike="noStrike">
+              <a:t>20152100121林伟业 </a:t>
+            </a:r>
+            <a:endParaRPr lang="en-US" sz="1800" b="0" strike="noStrike" spc="-1">
               <a:solidFill>
                 <a:srgbClr val="000000"/>
               </a:solidFill>
               <a:uFill>
                 <a:solidFill>
-                  <a:srgbClr val="ffffff"/>
+                  <a:srgbClr val="FFFFFF"/>
                 </a:solidFill>
               </a:uFill>
               <a:latin typeface="Arial"/>
@@ -1986,30 +2127,13 @@
       </p:sp>
     </p:spTree>
   </p:cSld>
+  <p:clrMapOvr>
+    <a:masterClrMapping/>
+  </p:clrMapOvr>
   <p:timing>
     <p:tnLst>
       <p:par>
-        <p:cTn id="1" dur="indefinite" restart="never" nodeType="tmRoot">
-          <p:childTnLst>
-            <p:seq>
-              <p:cTn id="2" nodeType="mainSeq"/>
-              <p:prevCondLst>
-                <p:cond delay="0" evt="onPrev">
-                  <p:tgtEl>
-                    <p:sldTgt/>
-                  </p:tgtEl>
-                </p:cond>
-              </p:prevCondLst>
-              <p:nextCondLst>
-                <p:cond delay="0" evt="onNext">
-                  <p:tgtEl>
-                    <p:sldTgt/>
-                  </p:tgtEl>
-                </p:cond>
-              </p:nextCondLst>
-            </p:seq>
-          </p:childTnLst>
-        </p:cTn>
+        <p:cTn id="1" dur="indefinite" restart="never" nodeType="tmRoot"/>
       </p:par>
     </p:tnLst>
   </p:timing>
@@ -2017,7 +2141,7 @@
 </file>
 
 <file path=ppt/slides/slide2.xml><?xml version="1.0" encoding="utf-8"?>
-<p:sld xmlns:a="http://schemas.openxmlformats.org/drawingml/2006/main" xmlns:p="http://schemas.openxmlformats.org/presentationml/2006/main" xmlns:r="http://schemas.openxmlformats.org/officeDocument/2006/relationships" xmlns:p14="http://schemas.microsoft.com/office/powerpoint/2010/main" xmlns:p15="http://schemas.microsoft.com/office/powerpoint/2012/main" xmlns:mc="http://schemas.openxmlformats.org/markup-compatibility/2006">
+<p:sld xmlns:a="http://schemas.openxmlformats.org/drawingml/2006/main" xmlns:r="http://schemas.openxmlformats.org/officeDocument/2006/relationships" xmlns:p="http://schemas.openxmlformats.org/presentationml/2006/main">
   <p:cSld>
     <p:spTree>
       <p:nvGrpSpPr>
@@ -2053,30 +2177,30 @@
           </a:ln>
         </p:spPr>
         <p:txBody>
-          <a:bodyPr lIns="0" rIns="0" tIns="0" bIns="0" anchor="ctr"/>
+          <a:bodyPr lIns="0" tIns="0" rIns="0" bIns="0" anchor="ctr"/>
           <a:p>
             <a:pPr algn="ctr"/>
             <a:r>
-              <a:rPr b="0" lang="en-US" sz="4400" spc="-1" strike="noStrike">
+              <a:rPr lang="en-US" sz="4400" b="0" strike="noStrike" spc="-1">
                 <a:solidFill>
                   <a:srgbClr val="000000"/>
                 </a:solidFill>
                 <a:uFill>
                   <a:solidFill>
-                    <a:srgbClr val="ffffff"/>
+                    <a:srgbClr val="FFFFFF"/>
                   </a:solidFill>
                 </a:uFill>
                 <a:latin typeface="Arial"/>
               </a:rPr>
               <a:t>题目大意</a:t>
             </a:r>
-            <a:endParaRPr b="0" lang="en-US" sz="4400" spc="-1" strike="noStrike">
+            <a:endParaRPr lang="en-US" sz="4400" b="0" strike="noStrike" spc="-1">
               <a:solidFill>
                 <a:srgbClr val="000000"/>
               </a:solidFill>
               <a:uFill>
                 <a:solidFill>
-                  <a:srgbClr val="ffffff"/>
+                  <a:srgbClr val="FFFFFF"/>
                 </a:solidFill>
               </a:uFill>
               <a:latin typeface="Arial"/>
@@ -2104,169 +2228,112 @@
           </a:ln>
         </p:spPr>
         <p:txBody>
-          <a:bodyPr lIns="0" rIns="0" tIns="0" bIns="0" anchor="ctr"/>
-          <a:p>
-            <a:r>
-              <a:rPr b="0" lang="en-US" sz="3200" spc="-1" strike="noStrike">
+          <a:bodyPr lIns="0" tIns="0" rIns="0" bIns="0" anchor="ctr"/>
+          <a:p>
+            <a:r>
+              <a:rPr lang="en-US" sz="3200" b="0" strike="noStrike" spc="-1">
                 <a:solidFill>
                   <a:srgbClr val="000000"/>
                 </a:solidFill>
                 <a:uFill>
                   <a:solidFill>
-                    <a:srgbClr val="ffffff"/>
+                    <a:srgbClr val="FFFFFF"/>
                   </a:solidFill>
                 </a:uFill>
                 <a:latin typeface="Arial"/>
               </a:rPr>
-              <a:t>小明想要一张价值</a:t>
-            </a:r>
-            <a:r>
-              <a:rPr b="0" lang="en-US" sz="3200" spc="-1" strike="noStrike">
+              <a:t>小明想要一张价值v的卡片，现在他有n种卡片每种卡片的数量是m</a:t>
+            </a:r>
+            <a:r>
+              <a:rPr lang="en-US" sz="3200" b="0" strike="noStrike" spc="-1" baseline="-33000">
                 <a:solidFill>
                   <a:srgbClr val="000000"/>
                 </a:solidFill>
                 <a:uFill>
                   <a:solidFill>
-                    <a:srgbClr val="ffffff"/>
+                    <a:srgbClr val="FFFFFF"/>
                   </a:solidFill>
                 </a:uFill>
                 <a:latin typeface="Arial"/>
               </a:rPr>
-              <a:t>v</a:t>
-            </a:r>
-            <a:r>
-              <a:rPr b="0" lang="en-US" sz="3200" spc="-1" strike="noStrike">
+              <a:t>i</a:t>
+            </a:r>
+            <a:r>
+              <a:rPr lang="en-US" sz="3200" b="0" strike="noStrike" spc="-1">
                 <a:solidFill>
                   <a:srgbClr val="000000"/>
                 </a:solidFill>
                 <a:uFill>
                   <a:solidFill>
-                    <a:srgbClr val="ffffff"/>
+                    <a:srgbClr val="FFFFFF"/>
                   </a:solidFill>
                 </a:uFill>
                 <a:latin typeface="Arial"/>
               </a:rPr>
-              <a:t>的卡片，现在他有</a:t>
-            </a:r>
-            <a:r>
-              <a:rPr b="0" lang="en-US" sz="3200" spc="-1" strike="noStrike">
+              <a:t>和价值是v</a:t>
+            </a:r>
+            <a:r>
+              <a:rPr lang="en-US" sz="3200" b="0" strike="noStrike" spc="-1" baseline="-33000">
                 <a:solidFill>
                   <a:srgbClr val="000000"/>
                 </a:solidFill>
                 <a:uFill>
                   <a:solidFill>
-                    <a:srgbClr val="ffffff"/>
+                    <a:srgbClr val="FFFFFF"/>
                   </a:solidFill>
                 </a:uFill>
                 <a:latin typeface="Arial"/>
               </a:rPr>
-              <a:t>n</a:t>
-            </a:r>
-            <a:r>
-              <a:rPr b="0" lang="en-US" sz="3200" spc="-1" strike="noStrike">
+              <a:t>i</a:t>
+            </a:r>
+            <a:endParaRPr lang="en-US" sz="3200" b="0" strike="noStrike" spc="-1">
+              <a:solidFill>
+                <a:srgbClr val="000000"/>
+              </a:solidFill>
+              <a:uFill>
+                <a:solidFill>
+                  <a:srgbClr val="FFFFFF"/>
+                </a:solidFill>
+              </a:uFill>
+              <a:latin typeface="Arial"/>
+            </a:endParaRPr>
+          </a:p>
+          <a:p>
+            <a:r>
+              <a:rPr lang="en-US" sz="3200" b="0" strike="noStrike" spc="-1">
                 <a:solidFill>
                   <a:srgbClr val="000000"/>
                 </a:solidFill>
                 <a:uFill>
                   <a:solidFill>
-                    <a:srgbClr val="ffffff"/>
+                    <a:srgbClr val="FFFFFF"/>
                   </a:solidFill>
                 </a:uFill>
                 <a:latin typeface="Arial"/>
               </a:rPr>
-              <a:t>种卡片每种卡片的数量是</a:t>
-            </a:r>
-            <a:r>
-              <a:rPr b="0" lang="en-US" sz="3200" spc="-1" strike="noStrike">
+              <a:t>用现有的卡片去等价交换价值为v的卡片，输出有多少种交换方式</a:t>
+            </a:r>
+            <a:r>
+              <a:rPr lang="en-US" sz="3200" b="0" strike="noStrike" spc="-1" baseline="-33000">
                 <a:solidFill>
                   <a:srgbClr val="000000"/>
                 </a:solidFill>
                 <a:uFill>
                   <a:solidFill>
-                    <a:srgbClr val="ffffff"/>
+                    <a:srgbClr val="FFFFFF"/>
                   </a:solidFill>
                 </a:uFill>
                 <a:latin typeface="Arial"/>
               </a:rPr>
-              <a:t>m</a:t>
-            </a:r>
-            <a:r>
-              <a:rPr b="0" lang="en-US" sz="3200" spc="-1" strike="noStrike" baseline="-33000">
-                <a:solidFill>
-                  <a:srgbClr val="000000"/>
-                </a:solidFill>
-                <a:uFill>
-                  <a:solidFill>
-                    <a:srgbClr val="ffffff"/>
-                  </a:solidFill>
-                </a:uFill>
-                <a:latin typeface="Arial"/>
-              </a:rPr>
-              <a:t>i</a:t>
-            </a:r>
-            <a:r>
-              <a:rPr b="0" lang="en-US" sz="3200" spc="-1" strike="noStrike">
-                <a:solidFill>
-                  <a:srgbClr val="000000"/>
-                </a:solidFill>
-                <a:uFill>
-                  <a:solidFill>
-                    <a:srgbClr val="ffffff"/>
-                  </a:solidFill>
-                </a:uFill>
-                <a:latin typeface="Arial"/>
-              </a:rPr>
-              <a:t>和</a:t>
-            </a:r>
-            <a:r>
-              <a:rPr b="0" lang="en-US" sz="3200" spc="-1" strike="noStrike">
-                <a:solidFill>
-                  <a:srgbClr val="000000"/>
-                </a:solidFill>
-                <a:uFill>
-                  <a:solidFill>
-                    <a:srgbClr val="ffffff"/>
-                  </a:solidFill>
-                </a:uFill>
-                <a:latin typeface="Arial"/>
-              </a:rPr>
-              <a:t>价值是</a:t>
-            </a:r>
-            <a:r>
-              <a:rPr b="0" lang="en-US" sz="3200" spc="-1" strike="noStrike">
-                <a:solidFill>
-                  <a:srgbClr val="000000"/>
-                </a:solidFill>
-                <a:uFill>
-                  <a:solidFill>
-                    <a:srgbClr val="ffffff"/>
-                  </a:solidFill>
-                </a:uFill>
-                <a:latin typeface="Arial"/>
-              </a:rPr>
-              <a:t>v</a:t>
-            </a:r>
-            <a:r>
-              <a:rPr b="0" lang="en-US" sz="3200" spc="-1" strike="noStrike" baseline="-33000">
-                <a:solidFill>
-                  <a:srgbClr val="000000"/>
-                </a:solidFill>
-                <a:uFill>
-                  <a:solidFill>
-                    <a:srgbClr val="ffffff"/>
-                  </a:solidFill>
-                </a:uFill>
-                <a:latin typeface="Arial"/>
-              </a:rPr>
-              <a:t>i</a:t>
-            </a:r>
-            <a:endParaRPr b="0" lang="en-US" sz="3200" spc="-1" strike="noStrike">
+              <a:t>。</a:t>
+            </a:r>
+            <a:endParaRPr lang="en-US" sz="3200" b="0" strike="noStrike" spc="-1">
               <a:solidFill>
                 <a:srgbClr val="000000"/>
               </a:solidFill>
               <a:uFill>
                 <a:solidFill>
-                  <a:srgbClr val="ffffff"/>
+                  <a:srgbClr val="FFFFFF"/>
                 </a:solidFill>
               </a:uFill>
               <a:latin typeface="Arial"/>
@@ -2274,120 +2341,160 @@
           </a:p>
           <a:p>
             <a:r>
-              <a:rPr b="0" lang="en-US" sz="3200" spc="-1" strike="noStrike">
+              <a:rPr lang="en-US" sz="3200" b="0" strike="noStrike" spc="-1">
                 <a:solidFill>
-                  <a:srgbClr val="000000"/>
+                  <a:srgbClr val="3333FF"/>
                 </a:solidFill>
                 <a:uFill>
                   <a:solidFill>
-                    <a:srgbClr val="ffffff"/>
+                    <a:srgbClr val="FFFFFF"/>
                   </a:solidFill>
                 </a:uFill>
                 <a:latin typeface="Arial"/>
               </a:rPr>
-              <a:t>用现有的卡片去等价交换价值为</a:t>
-            </a:r>
-            <a:r>
-              <a:rPr b="0" lang="en-US" sz="3200" spc="-1" strike="noStrike">
-                <a:solidFill>
-                  <a:srgbClr val="000000"/>
-                </a:solidFill>
-                <a:uFill>
-                  <a:solidFill>
-                    <a:srgbClr val="ffffff"/>
-                  </a:solidFill>
-                </a:uFill>
-                <a:latin typeface="Arial"/>
-              </a:rPr>
-              <a:t>v</a:t>
-            </a:r>
-            <a:r>
-              <a:rPr b="0" lang="en-US" sz="3200" spc="-1" strike="noStrike">
-                <a:solidFill>
-                  <a:srgbClr val="000000"/>
-                </a:solidFill>
-                <a:uFill>
-                  <a:solidFill>
-                    <a:srgbClr val="ffffff"/>
-                  </a:solidFill>
-                </a:uFill>
-                <a:latin typeface="Arial"/>
-              </a:rPr>
-              <a:t>的卡片，输出有多少种交换方式</a:t>
-            </a:r>
-            <a:r>
-              <a:rPr b="0" lang="en-US" sz="3200" spc="-1" strike="noStrike" baseline="-33000">
-                <a:solidFill>
-                  <a:srgbClr val="000000"/>
-                </a:solidFill>
-                <a:uFill>
-                  <a:solidFill>
-                    <a:srgbClr val="ffffff"/>
-                  </a:solidFill>
-                </a:uFill>
-                <a:latin typeface="Arial"/>
-              </a:rPr>
-              <a:t>。</a:t>
-            </a:r>
-            <a:endParaRPr b="0" lang="en-US" sz="3200" spc="-1" strike="noStrike">
+              <a:t>就是兑换成给定的值有多少种兑换方法</a:t>
+            </a:r>
+            <a:endParaRPr lang="en-US" sz="3200" b="0" strike="noStrike" spc="-1">
               <a:solidFill>
                 <a:srgbClr val="000000"/>
               </a:solidFill>
               <a:uFill>
                 <a:solidFill>
-                  <a:srgbClr val="ffffff"/>
+                  <a:srgbClr val="FFFFFF"/>
                 </a:solidFill>
               </a:uFill>
               <a:latin typeface="Arial"/>
             </a:endParaRPr>
           </a:p>
-          <a:p>
-            <a:r>
-              <a:rPr b="0" lang="en-US" sz="3200" spc="-1" strike="noStrike">
-                <a:solidFill>
-                  <a:srgbClr val="3333ff"/>
-                </a:solidFill>
-                <a:uFill>
-                  <a:solidFill>
-                    <a:srgbClr val="ffffff"/>
-                  </a:solidFill>
-                </a:uFill>
-                <a:latin typeface="Arial"/>
-              </a:rPr>
-              <a:t>就是兑换成给定的值有多少种兑换方法</a:t>
-            </a:r>
-            <a:endParaRPr b="0" lang="en-US" sz="3200" spc="-1" strike="noStrike">
-              <a:solidFill>
-                <a:srgbClr val="000000"/>
-              </a:solidFill>
-              <a:uFill>
-                <a:solidFill>
-                  <a:srgbClr val="ffffff"/>
-                </a:solidFill>
-              </a:uFill>
-              <a:latin typeface="Arial"/>
-            </a:endParaRPr>
-          </a:p>
         </p:txBody>
       </p:sp>
     </p:spTree>
   </p:cSld>
+  <p:clrMapOvr>
+    <a:masterClrMapping/>
+  </p:clrMapOvr>
   <p:timing>
     <p:tnLst>
       <p:par>
-        <p:cTn id="3" dur="indefinite" restart="never" nodeType="tmRoot">
+        <p:cTn id="1" dur="indefinite" restart="never" nodeType="tmRoot">
           <p:childTnLst>
-            <p:seq>
-              <p:cTn id="4" nodeType="mainSeq"/>
+            <p:seq concurrent="1" nextAc="seek">
+              <p:cTn id="2" dur="indefinite" nodeType="mainSeq">
+                <p:childTnLst>
+                  <p:par>
+                    <p:cTn id="3" fill="hold">
+                      <p:stCondLst>
+                        <p:cond delay="indefinite"/>
+                      </p:stCondLst>
+                      <p:childTnLst>
+                        <p:par>
+                          <p:cTn id="4" fill="hold">
+                            <p:stCondLst>
+                              <p:cond delay="0"/>
+                            </p:stCondLst>
+                            <p:childTnLst>
+                              <p:par>
+                                <p:cTn id="5" presetID="2" presetClass="entr" presetSubtype="4" fill="hold" nodeType="clickEffect">
+                                  <p:stCondLst>
+                                    <p:cond delay="0"/>
+                                  </p:stCondLst>
+                                  <p:childTnLst>
+                                    <p:set>
+                                      <p:cBhvr>
+                                        <p:cTn id="6" dur="1" fill="hold">
+                                          <p:stCondLst>
+                                            <p:cond delay="0"/>
+                                          </p:stCondLst>
+                                        </p:cTn>
+                                        <p:tgtEl>
+                                          <p:spTgt spid="39">
+                                            <p:txEl>
+                                              <p:pRg st="2" end="2"/>
+                                            </p:txEl>
+                                          </p:spTgt>
+                                        </p:tgtEl>
+                                        <p:attrNameLst>
+                                          <p:attrName>style.visibility</p:attrName>
+                                        </p:attrNameLst>
+                                      </p:cBhvr>
+                                      <p:to>
+                                        <p:strVal val="visible"/>
+                                      </p:to>
+                                    </p:set>
+                                    <p:anim calcmode="lin" valueType="num">
+                                      <p:cBhvr additive="base">
+                                        <p:cTn id="7" dur="500" fill="hold"/>
+                                        <p:tgtEl>
+                                          <p:spTgt spid="39">
+                                            <p:txEl>
+                                              <p:pRg st="2" end="2"/>
+                                            </p:txEl>
+                                          </p:spTgt>
+                                        </p:tgtEl>
+                                        <p:attrNameLst>
+                                          <p:attrName>ppt_x</p:attrName>
+                                        </p:attrNameLst>
+                                      </p:cBhvr>
+                                      <p:tavLst>
+                                        <p:tav tm="0">
+                                          <p:val>
+                                            <p:strVal val="#ppt_x"/>
+                                          </p:val>
+                                        </p:tav>
+                                        <p:tav tm="100000">
+                                          <p:val>
+                                            <p:strVal val="#ppt_x"/>
+                                          </p:val>
+                                        </p:tav>
+                                      </p:tavLst>
+                                    </p:anim>
+                                    <p:anim calcmode="lin" valueType="num">
+                                      <p:cBhvr additive="base">
+                                        <p:cTn id="8" dur="500" fill="hold"/>
+                                        <p:tgtEl>
+                                          <p:spTgt spid="39">
+                                            <p:txEl>
+                                              <p:pRg st="2" end="2"/>
+                                            </p:txEl>
+                                          </p:spTgt>
+                                        </p:tgtEl>
+                                        <p:attrNameLst>
+                                          <p:attrName>ppt_y</p:attrName>
+                                        </p:attrNameLst>
+                                      </p:cBhvr>
+                                      <p:tavLst>
+                                        <p:tav tm="0">
+                                          <p:val>
+                                            <p:strVal val="1+#ppt_h/2"/>
+                                          </p:val>
+                                        </p:tav>
+                                        <p:tav tm="100000">
+                                          <p:val>
+                                            <p:strVal val="#ppt_y"/>
+                                          </p:val>
+                                        </p:tav>
+                                      </p:tavLst>
+                                    </p:anim>
+                                  </p:childTnLst>
+                                </p:cTn>
+                              </p:par>
+                            </p:childTnLst>
+                          </p:cTn>
+                        </p:par>
+                      </p:childTnLst>
+                    </p:cTn>
+                  </p:par>
+                </p:childTnLst>
+              </p:cTn>
               <p:prevCondLst>
-                <p:cond delay="0" evt="onPrev">
+                <p:cond evt="onPrev" delay="0">
                   <p:tgtEl>
                     <p:sldTgt/>
                   </p:tgtEl>
                 </p:cond>
               </p:prevCondLst>
               <p:nextCondLst>
-                <p:cond delay="0" evt="onNext">
+                <p:cond evt="onNext" delay="0">
                   <p:tgtEl>
                     <p:sldTgt/>
                   </p:tgtEl>
@@ -2403,7 +2510,7 @@
 </file>
 
 <file path=ppt/slides/slide3.xml><?xml version="1.0" encoding="utf-8"?>
-<p:sld xmlns:a="http://schemas.openxmlformats.org/drawingml/2006/main" xmlns:p="http://schemas.openxmlformats.org/presentationml/2006/main" xmlns:r="http://schemas.openxmlformats.org/officeDocument/2006/relationships" xmlns:p14="http://schemas.microsoft.com/office/powerpoint/2010/main" xmlns:p15="http://schemas.microsoft.com/office/powerpoint/2012/main" xmlns:mc="http://schemas.openxmlformats.org/markup-compatibility/2006">
+<p:sld xmlns:a="http://schemas.openxmlformats.org/drawingml/2006/main" xmlns:r="http://schemas.openxmlformats.org/officeDocument/2006/relationships" xmlns:p="http://schemas.openxmlformats.org/presentationml/2006/main">
   <p:cSld>
     <p:spTree>
       <p:nvGrpSpPr>
@@ -2439,407 +2546,95 @@
           </a:ln>
         </p:spPr>
         <p:txBody>
-          <a:bodyPr lIns="0" rIns="0" tIns="0" bIns="0" anchor="ctr"/>
-          <a:p>
-            <a:r>
-              <a:rPr b="0" lang="en-US" sz="4400" spc="-1" strike="noStrike">
+          <a:bodyPr lIns="0" tIns="0" rIns="0" bIns="0" anchor="ctr"/>
+          <a:p>
+            <a:r>
+              <a:rPr lang="en-US" sz="4400" b="0" strike="noStrike" spc="-1">
                 <a:solidFill>
                   <a:srgbClr val="000000"/>
                 </a:solidFill>
                 <a:uFill>
                   <a:solidFill>
-                    <a:srgbClr val="ffffff"/>
+                    <a:srgbClr val="FFFFFF"/>
                   </a:solidFill>
                 </a:uFill>
                 <a:latin typeface="Arial"/>
               </a:rPr>
-              <a:t>Sample Input</a:t>
-            </a:r>
-            <a:r>
-              <a:rPr b="0" lang="en-US" sz="4400" spc="-1" strike="noStrike">
+              <a:t>Sample Input
+</a:t>
+            </a:r>
+            <a:r>
+              <a:rPr lang="en-US" sz="2200" b="0" strike="noStrike" spc="-1">
                 <a:solidFill>
                   <a:srgbClr val="000000"/>
                 </a:solidFill>
                 <a:uFill>
                   <a:solidFill>
-                    <a:srgbClr val="ffffff"/>
+                    <a:srgbClr val="FFFFFF"/>
                   </a:solidFill>
                 </a:uFill>
                 <a:latin typeface="Arial"/>
               </a:rPr>
-              <a:t>
-</a:t>
-            </a:r>
-            <a:r>
-              <a:rPr b="0" lang="en-US" sz="2200" spc="-1" strike="noStrike">
+              <a:t>5 2
+2 1
+3 1
+10 5
+10 2
+7 2
+5 3
+2 2
+1 5</a:t>
+            </a:r>
+            <a:endParaRPr lang="en-US" sz="2200" b="0" strike="noStrike" spc="-1">
+              <a:solidFill>
+                <a:srgbClr val="000000"/>
+              </a:solidFill>
+              <a:uFill>
+                <a:solidFill>
+                  <a:srgbClr val="FFFFFF"/>
+                </a:solidFill>
+              </a:uFill>
+              <a:latin typeface="Arial"/>
+            </a:endParaRPr>
+          </a:p>
+          <a:p>
+            <a:r>
+              <a:rPr lang="en-US" sz="4400" b="0" strike="noStrike" spc="-1">
                 <a:solidFill>
                   <a:srgbClr val="000000"/>
                 </a:solidFill>
                 <a:uFill>
                   <a:solidFill>
-                    <a:srgbClr val="ffffff"/>
+                    <a:srgbClr val="FFFFFF"/>
                   </a:solidFill>
                 </a:uFill>
                 <a:latin typeface="Arial"/>
               </a:rPr>
-              <a:t>5 2</a:t>
-            </a:r>
-            <a:r>
-              <a:rPr b="0" lang="en-US" sz="2200" spc="-1" strike="noStrike">
+              <a:t>Sample Output
+</a:t>
+            </a:r>
+            <a:r>
+              <a:rPr lang="en-US" sz="2200" b="0" strike="noStrike" spc="-1">
                 <a:solidFill>
                   <a:srgbClr val="000000"/>
                 </a:solidFill>
                 <a:uFill>
                   <a:solidFill>
-                    <a:srgbClr val="ffffff"/>
+                    <a:srgbClr val="FFFFFF"/>
                   </a:solidFill>
                 </a:uFill>
                 <a:latin typeface="Arial"/>
               </a:rPr>
-              <a:t>
-</a:t>
-            </a:r>
-            <a:r>
-              <a:rPr b="0" lang="en-US" sz="2200" spc="-1" strike="noStrike">
-                <a:solidFill>
-                  <a:srgbClr val="000000"/>
-                </a:solidFill>
-                <a:uFill>
-                  <a:solidFill>
-                    <a:srgbClr val="ffffff"/>
-                  </a:solidFill>
-                </a:uFill>
-                <a:latin typeface="Arial"/>
-              </a:rPr>
-              <a:t>2 1</a:t>
-            </a:r>
-            <a:r>
-              <a:rPr b="0" lang="en-US" sz="2200" spc="-1" strike="noStrike">
-                <a:solidFill>
-                  <a:srgbClr val="000000"/>
-                </a:solidFill>
-                <a:uFill>
-                  <a:solidFill>
-                    <a:srgbClr val="ffffff"/>
-                  </a:solidFill>
-                </a:uFill>
-                <a:latin typeface="Arial"/>
-              </a:rPr>
-              <a:t>
-</a:t>
-            </a:r>
-            <a:r>
-              <a:rPr b="0" lang="en-US" sz="2200" spc="-1" strike="noStrike">
-                <a:solidFill>
-                  <a:srgbClr val="000000"/>
-                </a:solidFill>
-                <a:uFill>
-                  <a:solidFill>
-                    <a:srgbClr val="ffffff"/>
-                  </a:solidFill>
-                </a:uFill>
-                <a:latin typeface="Arial"/>
-              </a:rPr>
-              <a:t>3 1</a:t>
-            </a:r>
-            <a:r>
-              <a:rPr b="0" lang="en-US" sz="2200" spc="-1" strike="noStrike">
-                <a:solidFill>
-                  <a:srgbClr val="000000"/>
-                </a:solidFill>
-                <a:uFill>
-                  <a:solidFill>
-                    <a:srgbClr val="ffffff"/>
-                  </a:solidFill>
-                </a:uFill>
-                <a:latin typeface="Arial"/>
-              </a:rPr>
-              <a:t>
-</a:t>
-            </a:r>
-            <a:r>
-              <a:rPr b="0" lang="en-US" sz="2200" spc="-1" strike="noStrike">
-                <a:solidFill>
-                  <a:srgbClr val="000000"/>
-                </a:solidFill>
-                <a:uFill>
-                  <a:solidFill>
-                    <a:srgbClr val="ffffff"/>
-                  </a:solidFill>
-                </a:uFill>
-                <a:latin typeface="Arial"/>
-              </a:rPr>
-              <a:t>
-</a:t>
-            </a:r>
-            <a:r>
-              <a:rPr b="0" lang="en-US" sz="2200" spc="-1" strike="noStrike">
-                <a:solidFill>
-                  <a:srgbClr val="000000"/>
-                </a:solidFill>
-                <a:uFill>
-                  <a:solidFill>
-                    <a:srgbClr val="ffffff"/>
-                  </a:solidFill>
-                </a:uFill>
-                <a:latin typeface="Arial"/>
-              </a:rPr>
-              <a:t>10 5</a:t>
-            </a:r>
-            <a:r>
-              <a:rPr b="0" lang="en-US" sz="2200" spc="-1" strike="noStrike">
-                <a:solidFill>
-                  <a:srgbClr val="000000"/>
-                </a:solidFill>
-                <a:uFill>
-                  <a:solidFill>
-                    <a:srgbClr val="ffffff"/>
-                  </a:solidFill>
-                </a:uFill>
-                <a:latin typeface="Arial"/>
-              </a:rPr>
-              <a:t>
-</a:t>
-            </a:r>
-            <a:r>
-              <a:rPr b="0" lang="en-US" sz="2200" spc="-1" strike="noStrike">
-                <a:solidFill>
-                  <a:srgbClr val="000000"/>
-                </a:solidFill>
-                <a:uFill>
-                  <a:solidFill>
-                    <a:srgbClr val="ffffff"/>
-                  </a:solidFill>
-                </a:uFill>
-                <a:latin typeface="Arial"/>
-              </a:rPr>
-              <a:t>10 2</a:t>
-            </a:r>
-            <a:r>
-              <a:rPr b="0" lang="en-US" sz="2200" spc="-1" strike="noStrike">
-                <a:solidFill>
-                  <a:srgbClr val="000000"/>
-                </a:solidFill>
-                <a:uFill>
-                  <a:solidFill>
-                    <a:srgbClr val="ffffff"/>
-                  </a:solidFill>
-                </a:uFill>
-                <a:latin typeface="Arial"/>
-              </a:rPr>
-              <a:t>
-</a:t>
-            </a:r>
-            <a:r>
-              <a:rPr b="0" lang="en-US" sz="2200" spc="-1" strike="noStrike">
-                <a:solidFill>
-                  <a:srgbClr val="000000"/>
-                </a:solidFill>
-                <a:uFill>
-                  <a:solidFill>
-                    <a:srgbClr val="ffffff"/>
-                  </a:solidFill>
-                </a:uFill>
-                <a:latin typeface="Arial"/>
-              </a:rPr>
-              <a:t>7 2</a:t>
-            </a:r>
-            <a:r>
-              <a:rPr b="0" lang="en-US" sz="2200" spc="-1" strike="noStrike">
-                <a:solidFill>
-                  <a:srgbClr val="000000"/>
-                </a:solidFill>
-                <a:uFill>
-                  <a:solidFill>
-                    <a:srgbClr val="ffffff"/>
-                  </a:solidFill>
-                </a:uFill>
-                <a:latin typeface="Arial"/>
-              </a:rPr>
-              <a:t>
-</a:t>
-            </a:r>
-            <a:r>
-              <a:rPr b="0" lang="en-US" sz="2200" spc="-1" strike="noStrike">
-                <a:solidFill>
-                  <a:srgbClr val="000000"/>
-                </a:solidFill>
-                <a:uFill>
-                  <a:solidFill>
-                    <a:srgbClr val="ffffff"/>
-                  </a:solidFill>
-                </a:uFill>
-                <a:latin typeface="Arial"/>
-              </a:rPr>
-              <a:t>5 3</a:t>
-            </a:r>
-            <a:r>
-              <a:rPr b="0" lang="en-US" sz="2200" spc="-1" strike="noStrike">
-                <a:solidFill>
-                  <a:srgbClr val="000000"/>
-                </a:solidFill>
-                <a:uFill>
-                  <a:solidFill>
-                    <a:srgbClr val="ffffff"/>
-                  </a:solidFill>
-                </a:uFill>
-                <a:latin typeface="Arial"/>
-              </a:rPr>
-              <a:t>
-</a:t>
-            </a:r>
-            <a:r>
-              <a:rPr b="0" lang="en-US" sz="2200" spc="-1" strike="noStrike">
-                <a:solidFill>
-                  <a:srgbClr val="000000"/>
-                </a:solidFill>
-                <a:uFill>
-                  <a:solidFill>
-                    <a:srgbClr val="ffffff"/>
-                  </a:solidFill>
-                </a:uFill>
-                <a:latin typeface="Arial"/>
-              </a:rPr>
-              <a:t>2 2</a:t>
-            </a:r>
-            <a:r>
-              <a:rPr b="0" lang="en-US" sz="2200" spc="-1" strike="noStrike">
-                <a:solidFill>
-                  <a:srgbClr val="000000"/>
-                </a:solidFill>
-                <a:uFill>
-                  <a:solidFill>
-                    <a:srgbClr val="ffffff"/>
-                  </a:solidFill>
-                </a:uFill>
-                <a:latin typeface="Arial"/>
-              </a:rPr>
-              <a:t>
-</a:t>
-            </a:r>
-            <a:r>
-              <a:rPr b="0" lang="en-US" sz="2200" spc="-1" strike="noStrike">
-                <a:solidFill>
-                  <a:srgbClr val="000000"/>
-                </a:solidFill>
-                <a:uFill>
-                  <a:solidFill>
-                    <a:srgbClr val="ffffff"/>
-                  </a:solidFill>
-                </a:uFill>
-                <a:latin typeface="Arial"/>
-              </a:rPr>
-              <a:t>1 5</a:t>
-            </a:r>
-            <a:r>
-              <a:rPr b="0" lang="en-US" sz="4400" spc="-1" strike="noStrike">
-                <a:solidFill>
-                  <a:srgbClr val="000000"/>
-                </a:solidFill>
-                <a:uFill>
-                  <a:solidFill>
-                    <a:srgbClr val="ffffff"/>
-                  </a:solidFill>
-                </a:uFill>
-                <a:latin typeface="Arial"/>
-              </a:rPr>
-              <a:t>
-</a:t>
-            </a:r>
-            <a:r>
-              <a:rPr b="0" lang="en-US" sz="4400" spc="-1" strike="noStrike">
-                <a:solidFill>
-                  <a:srgbClr val="000000"/>
-                </a:solidFill>
-                <a:uFill>
-                  <a:solidFill>
-                    <a:srgbClr val="ffffff"/>
-                  </a:solidFill>
-                </a:uFill>
-                <a:latin typeface="Arial"/>
-              </a:rPr>
-              <a:t>Sample Output</a:t>
-            </a:r>
-            <a:r>
-              <a:rPr b="0" lang="en-US" sz="4400" spc="-1" strike="noStrike">
-                <a:solidFill>
-                  <a:srgbClr val="000000"/>
-                </a:solidFill>
-                <a:uFill>
-                  <a:solidFill>
-                    <a:srgbClr val="ffffff"/>
-                  </a:solidFill>
-                </a:uFill>
-                <a:latin typeface="Arial"/>
-              </a:rPr>
-              <a:t>
-</a:t>
-            </a:r>
-            <a:r>
-              <a:rPr b="0" lang="en-US" sz="2200" spc="-1" strike="noStrike">
-                <a:solidFill>
-                  <a:srgbClr val="000000"/>
-                </a:solidFill>
-                <a:uFill>
-                  <a:solidFill>
-                    <a:srgbClr val="ffffff"/>
-                  </a:solidFill>
-                </a:uFill>
-                <a:latin typeface="Arial"/>
-              </a:rPr>
-              <a:t>1</a:t>
-            </a:r>
-            <a:r>
-              <a:rPr b="0" lang="en-US" sz="2200" spc="-1" strike="noStrike">
-                <a:solidFill>
-                  <a:srgbClr val="000000"/>
-                </a:solidFill>
-                <a:uFill>
-                  <a:solidFill>
-                    <a:srgbClr val="ffffff"/>
-                  </a:solidFill>
-                </a:uFill>
-                <a:latin typeface="Arial"/>
-              </a:rPr>
-              <a:t>
-</a:t>
-            </a:r>
-            <a:r>
-              <a:rPr b="0" lang="en-US" sz="2200" spc="-1" strike="noStrike">
-                <a:solidFill>
-                  <a:srgbClr val="000000"/>
-                </a:solidFill>
-                <a:uFill>
-                  <a:solidFill>
-                    <a:srgbClr val="ffffff"/>
-                  </a:solidFill>
-                </a:uFill>
-                <a:latin typeface="Arial"/>
-              </a:rPr>
-              <a:t>
-</a:t>
-            </a:r>
-            <a:r>
-              <a:rPr b="0" lang="en-US" sz="2200" spc="-1" strike="noStrike">
-                <a:solidFill>
-                  <a:srgbClr val="000000"/>
-                </a:solidFill>
-                <a:uFill>
-                  <a:solidFill>
-                    <a:srgbClr val="ffffff"/>
-                  </a:solidFill>
-                </a:uFill>
-                <a:latin typeface="Arial"/>
-              </a:rPr>
-              <a:t>7</a:t>
-            </a:r>
-            <a:endParaRPr b="0" lang="en-US" sz="4400" spc="-1" strike="noStrike">
+              <a:t>1
+7</a:t>
+            </a:r>
+            <a:endParaRPr lang="en-US" sz="4400" b="0" strike="noStrike" spc="-1">
               <a:solidFill>
                 <a:srgbClr val="000000"/>
               </a:solidFill>
               <a:uFill>
                 <a:solidFill>
-                  <a:srgbClr val="ffffff"/>
+                  <a:srgbClr val="FFFFFF"/>
                 </a:solidFill>
               </a:uFill>
               <a:latin typeface="Arial"/>
@@ -2849,22 +2644,234 @@
       </p:sp>
     </p:spTree>
   </p:cSld>
+  <p:clrMapOvr>
+    <a:masterClrMapping/>
+  </p:clrMapOvr>
   <p:timing>
     <p:tnLst>
       <p:par>
-        <p:cTn id="5" dur="indefinite" restart="never" nodeType="tmRoot">
+        <p:cTn id="1" dur="indefinite" restart="never" nodeType="tmRoot">
           <p:childTnLst>
-            <p:seq>
-              <p:cTn id="6" nodeType="mainSeq"/>
+            <p:seq concurrent="1" nextAc="seek">
+              <p:cTn id="2" dur="indefinite" nodeType="mainSeq">
+                <p:childTnLst>
+                  <p:par>
+                    <p:cTn id="3" fill="hold">
+                      <p:stCondLst>
+                        <p:cond delay="indefinite"/>
+                      </p:stCondLst>
+                      <p:childTnLst>
+                        <p:par>
+                          <p:cTn id="4" fill="hold">
+                            <p:stCondLst>
+                              <p:cond delay="0"/>
+                            </p:stCondLst>
+                            <p:childTnLst>
+                              <p:par>
+                                <p:cTn id="5" presetID="2" presetClass="entr" presetSubtype="1" fill="hold" nodeType="clickEffect">
+                                  <p:stCondLst>
+                                    <p:cond delay="0"/>
+                                  </p:stCondLst>
+                                  <p:childTnLst>
+                                    <p:set>
+                                      <p:cBhvr>
+                                        <p:cTn id="6" dur="1" fill="hold">
+                                          <p:stCondLst>
+                                            <p:cond delay="0"/>
+                                          </p:stCondLst>
+                                        </p:cTn>
+                                        <p:tgtEl>
+                                          <p:spTgt spid="40">
+                                            <p:txEl>
+                                              <p:pRg st="0" end="0"/>
+                                            </p:txEl>
+                                          </p:spTgt>
+                                        </p:tgtEl>
+                                        <p:attrNameLst>
+                                          <p:attrName>style.visibility</p:attrName>
+                                        </p:attrNameLst>
+                                      </p:cBhvr>
+                                      <p:to>
+                                        <p:strVal val="visible"/>
+                                      </p:to>
+                                    </p:set>
+                                    <p:anim calcmode="lin" valueType="num">
+                                      <p:cBhvr additive="base">
+                                        <p:cTn id="7" dur="500" fill="hold"/>
+                                        <p:tgtEl>
+                                          <p:spTgt spid="40">
+                                            <p:txEl>
+                                              <p:pRg st="0" end="0"/>
+                                            </p:txEl>
+                                          </p:spTgt>
+                                        </p:tgtEl>
+                                        <p:attrNameLst>
+                                          <p:attrName>ppt_x</p:attrName>
+                                        </p:attrNameLst>
+                                      </p:cBhvr>
+                                      <p:tavLst>
+                                        <p:tav tm="0">
+                                          <p:val>
+                                            <p:strVal val="#ppt_x"/>
+                                          </p:val>
+                                        </p:tav>
+                                        <p:tav tm="100000">
+                                          <p:val>
+                                            <p:strVal val="#ppt_x"/>
+                                          </p:val>
+                                        </p:tav>
+                                      </p:tavLst>
+                                    </p:anim>
+                                    <p:anim calcmode="lin" valueType="num">
+                                      <p:cBhvr additive="base">
+                                        <p:cTn id="8" dur="500" fill="hold"/>
+                                        <p:tgtEl>
+                                          <p:spTgt spid="40">
+                                            <p:txEl>
+                                              <p:pRg st="0" end="0"/>
+                                            </p:txEl>
+                                          </p:spTgt>
+                                        </p:tgtEl>
+                                        <p:attrNameLst>
+                                          <p:attrName>ppt_y</p:attrName>
+                                        </p:attrNameLst>
+                                      </p:cBhvr>
+                                      <p:tavLst>
+                                        <p:tav tm="0">
+                                          <p:val>
+                                            <p:strVal val="0-#ppt_h/2"/>
+                                          </p:val>
+                                        </p:tav>
+                                        <p:tav tm="100000">
+                                          <p:val>
+                                            <p:strVal val="#ppt_y"/>
+                                          </p:val>
+                                        </p:tav>
+                                      </p:tavLst>
+                                    </p:anim>
+                                  </p:childTnLst>
+                                </p:cTn>
+                              </p:par>
+                            </p:childTnLst>
+                          </p:cTn>
+                        </p:par>
+                      </p:childTnLst>
+                    </p:cTn>
+                  </p:par>
+                  <p:par>
+                    <p:cTn id="9" fill="hold">
+                      <p:stCondLst>
+                        <p:cond delay="indefinite"/>
+                      </p:stCondLst>
+                      <p:childTnLst>
+                        <p:par>
+                          <p:cTn id="10" fill="hold">
+                            <p:stCondLst>
+                              <p:cond delay="0"/>
+                            </p:stCondLst>
+                            <p:childTnLst>
+                              <p:par>
+                                <p:cTn id="11" presetID="2" presetClass="entr" presetSubtype="1" fill="hold" nodeType="clickEffect">
+                                  <p:stCondLst>
+                                    <p:cond delay="0"/>
+                                  </p:stCondLst>
+                                  <p:childTnLst>
+                                    <p:set>
+                                      <p:cBhvr>
+                                        <p:cTn id="12" dur="1" fill="hold">
+                                          <p:stCondLst>
+                                            <p:cond delay="0"/>
+                                          </p:stCondLst>
+                                        </p:cTn>
+                                        <p:tgtEl>
+                                          <p:spTgt spid="40">
+                                            <p:txEl>
+                                              <p:pRg st="1" end="1"/>
+                                            </p:txEl>
+                                          </p:spTgt>
+                                        </p:tgtEl>
+                                        <p:attrNameLst>
+                                          <p:attrName>style.visibility</p:attrName>
+                                        </p:attrNameLst>
+                                      </p:cBhvr>
+                                      <p:to>
+                                        <p:strVal val="visible"/>
+                                      </p:to>
+                                    </p:set>
+                                    <p:anim calcmode="lin" valueType="num">
+                                      <p:cBhvr additive="base">
+                                        <p:cTn id="13" dur="500" fill="hold"/>
+                                        <p:tgtEl>
+                                          <p:spTgt spid="40">
+                                            <p:txEl>
+                                              <p:pRg st="1" end="1"/>
+                                            </p:txEl>
+                                          </p:spTgt>
+                                        </p:tgtEl>
+                                        <p:attrNameLst>
+                                          <p:attrName>ppt_x</p:attrName>
+                                        </p:attrNameLst>
+                                      </p:cBhvr>
+                                      <p:tavLst>
+                                        <p:tav tm="0">
+                                          <p:val>
+                                            <p:strVal val="#ppt_x"/>
+                                          </p:val>
+                                        </p:tav>
+                                        <p:tav tm="100000">
+                                          <p:val>
+                                            <p:strVal val="#ppt_x"/>
+                                          </p:val>
+                                        </p:tav>
+                                      </p:tavLst>
+                                    </p:anim>
+                                    <p:anim calcmode="lin" valueType="num">
+                                      <p:cBhvr additive="base">
+                                        <p:cTn id="14" dur="500" fill="hold"/>
+                                        <p:tgtEl>
+                                          <p:spTgt spid="40">
+                                            <p:txEl>
+                                              <p:pRg st="1" end="1"/>
+                                            </p:txEl>
+                                          </p:spTgt>
+                                        </p:tgtEl>
+                                        <p:attrNameLst>
+                                          <p:attrName>ppt_y</p:attrName>
+                                        </p:attrNameLst>
+                                      </p:cBhvr>
+                                      <p:tavLst>
+                                        <p:tav tm="0">
+                                          <p:val>
+                                            <p:strVal val="0-#ppt_h/2"/>
+                                          </p:val>
+                                        </p:tav>
+                                        <p:tav tm="100000">
+                                          <p:val>
+                                            <p:strVal val="#ppt_y"/>
+                                          </p:val>
+                                        </p:tav>
+                                      </p:tavLst>
+                                    </p:anim>
+                                  </p:childTnLst>
+                                </p:cTn>
+                              </p:par>
+                            </p:childTnLst>
+                          </p:cTn>
+                        </p:par>
+                      </p:childTnLst>
+                    </p:cTn>
+                  </p:par>
+                </p:childTnLst>
+              </p:cTn>
               <p:prevCondLst>
-                <p:cond delay="0" evt="onPrev">
+                <p:cond evt="onPrev" delay="0">
                   <p:tgtEl>
                     <p:sldTgt/>
                   </p:tgtEl>
                 </p:cond>
               </p:prevCondLst>
               <p:nextCondLst>
-                <p:cond delay="0" evt="onNext">
+                <p:cond evt="onNext" delay="0">
                   <p:tgtEl>
                     <p:sldTgt/>
                   </p:tgtEl>
@@ -2880,7 +2887,7 @@
 </file>
 
 <file path=ppt/slides/slide4.xml><?xml version="1.0" encoding="utf-8"?>
-<p:sld xmlns:a="http://schemas.openxmlformats.org/drawingml/2006/main" xmlns:p="http://schemas.openxmlformats.org/presentationml/2006/main" xmlns:r="http://schemas.openxmlformats.org/officeDocument/2006/relationships" xmlns:p14="http://schemas.microsoft.com/office/powerpoint/2010/main" xmlns:p15="http://schemas.microsoft.com/office/powerpoint/2012/main" xmlns:mc="http://schemas.openxmlformats.org/markup-compatibility/2006">
+<p:sld xmlns:a="http://schemas.openxmlformats.org/drawingml/2006/main" xmlns:r="http://schemas.openxmlformats.org/officeDocument/2006/relationships" xmlns:p="http://schemas.openxmlformats.org/presentationml/2006/main">
   <p:cSld>
     <p:spTree>
       <p:nvGrpSpPr>
@@ -2898,13 +2905,62 @@
       </p:grpSpPr>
       <p:sp>
         <p:nvSpPr>
+          <p:cNvPr id="42" name="TextShape 2"/>
+          <p:cNvSpPr txBox="1"/>
+          <p:nvPr/>
+        </p:nvSpPr>
+        <p:spPr>
+          <a:xfrm>
+            <a:off x="479235" y="1697560"/>
+            <a:ext cx="9072000" cy="4384080"/>
+          </a:xfrm>
+          <a:prstGeom prst="rect">
+            <a:avLst/>
+          </a:prstGeom>
+          <a:noFill/>
+          <a:ln>
+            <a:noFill/>
+          </a:ln>
+        </p:spPr>
+        <p:txBody>
+          <a:bodyPr lIns="0" tIns="0" rIns="0" bIns="0" anchor="ctr"/>
+          <a:p>
+            <a:endParaRPr lang="en-US" sz="3200" b="0" strike="noStrike" spc="-1">
+              <a:solidFill>
+                <a:srgbClr val="000000"/>
+              </a:solidFill>
+              <a:uFill>
+                <a:solidFill>
+                  <a:srgbClr val="FFFFFF"/>
+                </a:solidFill>
+              </a:uFill>
+              <a:latin typeface="Arial"/>
+            </a:endParaRPr>
+          </a:p>
+          <a:p>
+            <a:endParaRPr lang="en-US" sz="3200" b="0" strike="noStrike" spc="-1">
+              <a:solidFill>
+                <a:srgbClr val="000000"/>
+              </a:solidFill>
+              <a:uFill>
+                <a:solidFill>
+                  <a:srgbClr val="FFFFFF"/>
+                </a:solidFill>
+              </a:uFill>
+              <a:latin typeface="Arial"/>
+            </a:endParaRPr>
+          </a:p>
+        </p:txBody>
+      </p:sp>
+      <p:sp>
+        <p:nvSpPr>
           <p:cNvPr id="41" name="TextShape 1"/>
           <p:cNvSpPr txBox="1"/>
           <p:nvPr/>
         </p:nvSpPr>
         <p:spPr>
           <a:xfrm>
-            <a:off x="504000" y="301320"/>
+            <a:off x="479235" y="276555"/>
             <a:ext cx="9071280" cy="1261800"/>
           </a:xfrm>
           <a:prstGeom prst="rect">
@@ -2916,30 +2972,30 @@
           </a:ln>
         </p:spPr>
         <p:txBody>
-          <a:bodyPr lIns="0" rIns="0" tIns="0" bIns="0" anchor="ctr"/>
+          <a:bodyPr lIns="0" tIns="0" rIns="0" bIns="0" anchor="ctr"/>
           <a:p>
             <a:pPr algn="ctr"/>
             <a:r>
-              <a:rPr b="0" lang="en-US" sz="4400" spc="-1" strike="noStrike">
+              <a:rPr lang="en-US" sz="4400" b="0" strike="noStrike" spc="-1">
                 <a:solidFill>
                   <a:srgbClr val="000000"/>
                 </a:solidFill>
                 <a:uFill>
                   <a:solidFill>
-                    <a:srgbClr val="ffffff"/>
+                    <a:srgbClr val="FFFFFF"/>
                   </a:solidFill>
                 </a:uFill>
                 <a:latin typeface="Arial"/>
               </a:rPr>
               <a:t>解题思路</a:t>
             </a:r>
-            <a:endParaRPr b="0" lang="en-US" sz="4400" spc="-1" strike="noStrike">
+            <a:endParaRPr lang="en-US" sz="4400" b="0" strike="noStrike" spc="-1">
               <a:solidFill>
                 <a:srgbClr val="000000"/>
               </a:solidFill>
               <a:uFill>
                 <a:solidFill>
-                  <a:srgbClr val="ffffff"/>
+                  <a:srgbClr val="FFFFFF"/>
                 </a:solidFill>
               </a:uFill>
               <a:latin typeface="Arial"/>
@@ -2949,99 +3005,5172 @@
       </p:sp>
       <p:sp>
         <p:nvSpPr>
-          <p:cNvPr id="42" name="TextShape 2"/>
+          <p:cNvPr id="2" name="流程图: 可选过程 1"/>
+          <p:cNvSpPr/>
+          <p:nvPr/>
+        </p:nvSpPr>
+        <p:spPr>
+          <a:xfrm>
+            <a:off x="5001260" y="1882775"/>
+            <a:ext cx="662305" cy="421005"/>
+          </a:xfrm>
+          <a:prstGeom prst="flowChartAlternateProcess">
+            <a:avLst/>
+          </a:prstGeom>
+          <a:ln>
+            <a:solidFill>
+              <a:srgbClr val="FF0000"/>
+            </a:solidFill>
+          </a:ln>
+        </p:spPr>
+        <p:style>
+          <a:lnRef idx="2">
+            <a:schemeClr val="dk1"/>
+          </a:lnRef>
+          <a:fillRef idx="1">
+            <a:schemeClr val="lt1"/>
+          </a:fillRef>
+          <a:effectRef idx="0">
+            <a:schemeClr val="dk1"/>
+          </a:effectRef>
+          <a:fontRef idx="minor">
+            <a:schemeClr val="dk1"/>
+          </a:fontRef>
+        </p:style>
+        <p:txBody>
+          <a:bodyPr rtlCol="0" anchor="ctr"/>
+          <a:p>
+            <a:pPr algn="ctr"/>
+            <a:r>
+              <a:rPr lang="en-US" altLang="zh-CN"/>
+              <a:t>10</a:t>
+            </a:r>
+            <a:endParaRPr lang="en-US" altLang="zh-CN"/>
+          </a:p>
+        </p:txBody>
+      </p:sp>
+      <p:sp>
+        <p:nvSpPr>
+          <p:cNvPr id="3" name="流程图: 可选过程 2"/>
+          <p:cNvSpPr/>
+          <p:nvPr/>
+        </p:nvSpPr>
+        <p:spPr>
+          <a:xfrm>
+            <a:off x="8155305" y="2825115"/>
+            <a:ext cx="662305" cy="421005"/>
+          </a:xfrm>
+          <a:prstGeom prst="flowChartAlternateProcess">
+            <a:avLst/>
+          </a:prstGeom>
+        </p:spPr>
+        <p:style>
+          <a:lnRef idx="2">
+            <a:schemeClr val="dk1"/>
+          </a:lnRef>
+          <a:fillRef idx="1">
+            <a:schemeClr val="lt1"/>
+          </a:fillRef>
+          <a:effectRef idx="0">
+            <a:schemeClr val="dk1"/>
+          </a:effectRef>
+          <a:fontRef idx="minor">
+            <a:schemeClr val="dk1"/>
+          </a:fontRef>
+        </p:style>
+        <p:txBody>
+          <a:bodyPr rtlCol="0" anchor="ctr"/>
+          <a:p>
+            <a:pPr algn="ctr"/>
+            <a:r>
+              <a:rPr lang="en-US" altLang="zh-CN"/>
+              <a:t>1</a:t>
+            </a:r>
+            <a:endParaRPr lang="en-US" altLang="zh-CN"/>
+          </a:p>
+        </p:txBody>
+      </p:sp>
+      <p:sp>
+        <p:nvSpPr>
+          <p:cNvPr id="4" name="流程图: 可选过程 3"/>
+          <p:cNvSpPr/>
+          <p:nvPr/>
+        </p:nvSpPr>
+        <p:spPr>
+          <a:xfrm>
+            <a:off x="6579870" y="2825115"/>
+            <a:ext cx="662305" cy="421005"/>
+          </a:xfrm>
+          <a:prstGeom prst="flowChartAlternateProcess">
+            <a:avLst/>
+          </a:prstGeom>
+        </p:spPr>
+        <p:style>
+          <a:lnRef idx="2">
+            <a:schemeClr val="dk1"/>
+          </a:lnRef>
+          <a:fillRef idx="1">
+            <a:schemeClr val="lt1"/>
+          </a:fillRef>
+          <a:effectRef idx="0">
+            <a:schemeClr val="dk1"/>
+          </a:effectRef>
+          <a:fontRef idx="minor">
+            <a:schemeClr val="dk1"/>
+          </a:fontRef>
+        </p:style>
+        <p:txBody>
+          <a:bodyPr rtlCol="0" anchor="ctr"/>
+          <a:p>
+            <a:pPr algn="ctr"/>
+            <a:r>
+              <a:rPr lang="en-US" altLang="zh-CN"/>
+              <a:t>2</a:t>
+            </a:r>
+            <a:endParaRPr lang="en-US" altLang="zh-CN"/>
+          </a:p>
+        </p:txBody>
+      </p:sp>
+      <p:sp>
+        <p:nvSpPr>
+          <p:cNvPr id="5" name="流程图: 可选过程 4"/>
+          <p:cNvSpPr/>
+          <p:nvPr/>
+        </p:nvSpPr>
+        <p:spPr>
+          <a:xfrm>
+            <a:off x="3420032" y="2824847"/>
+            <a:ext cx="662305" cy="421005"/>
+          </a:xfrm>
+          <a:prstGeom prst="flowChartAlternateProcess">
+            <a:avLst/>
+          </a:prstGeom>
+        </p:spPr>
+        <p:style>
+          <a:lnRef idx="2">
+            <a:schemeClr val="dk1"/>
+          </a:lnRef>
+          <a:fillRef idx="1">
+            <a:schemeClr val="lt1"/>
+          </a:fillRef>
+          <a:effectRef idx="0">
+            <a:schemeClr val="dk1"/>
+          </a:effectRef>
+          <a:fontRef idx="minor">
+            <a:schemeClr val="dk1"/>
+          </a:fontRef>
+        </p:style>
+        <p:txBody>
+          <a:bodyPr rtlCol="0" anchor="ctr"/>
+          <a:p>
+            <a:pPr algn="ctr"/>
+            <a:r>
+              <a:rPr lang="en-US" altLang="zh-CN"/>
+              <a:t>7</a:t>
+            </a:r>
+            <a:endParaRPr lang="en-US" altLang="zh-CN"/>
+          </a:p>
+        </p:txBody>
+      </p:sp>
+      <p:sp>
+        <p:nvSpPr>
+          <p:cNvPr id="6" name="流程图: 可选过程 5"/>
+          <p:cNvSpPr/>
+          <p:nvPr/>
+        </p:nvSpPr>
+        <p:spPr>
+          <a:xfrm>
+            <a:off x="5001260" y="2825115"/>
+            <a:ext cx="662305" cy="421005"/>
+          </a:xfrm>
+          <a:prstGeom prst="flowChartAlternateProcess">
+            <a:avLst/>
+          </a:prstGeom>
+        </p:spPr>
+        <p:style>
+          <a:lnRef idx="2">
+            <a:schemeClr val="dk1"/>
+          </a:lnRef>
+          <a:fillRef idx="1">
+            <a:schemeClr val="lt1"/>
+          </a:fillRef>
+          <a:effectRef idx="0">
+            <a:schemeClr val="dk1"/>
+          </a:effectRef>
+          <a:fontRef idx="minor">
+            <a:schemeClr val="dk1"/>
+          </a:fontRef>
+        </p:style>
+        <p:txBody>
+          <a:bodyPr rtlCol="0" anchor="ctr"/>
+          <a:p>
+            <a:pPr algn="ctr"/>
+            <a:r>
+              <a:rPr lang="en-US" altLang="zh-CN"/>
+              <a:t>5</a:t>
+            </a:r>
+            <a:endParaRPr lang="en-US" altLang="zh-CN"/>
+          </a:p>
+        </p:txBody>
+      </p:sp>
+      <p:sp>
+        <p:nvSpPr>
+          <p:cNvPr id="8" name="流程图: 可选过程 7"/>
+          <p:cNvSpPr/>
+          <p:nvPr/>
+        </p:nvSpPr>
+        <p:spPr>
+          <a:xfrm>
+            <a:off x="3843020" y="4532630"/>
+            <a:ext cx="662305" cy="421005"/>
+          </a:xfrm>
+          <a:prstGeom prst="flowChartAlternateProcess">
+            <a:avLst/>
+          </a:prstGeom>
+        </p:spPr>
+        <p:style>
+          <a:lnRef idx="2">
+            <a:schemeClr val="dk1"/>
+          </a:lnRef>
+          <a:fillRef idx="1">
+            <a:schemeClr val="lt1"/>
+          </a:fillRef>
+          <a:effectRef idx="0">
+            <a:schemeClr val="dk1"/>
+          </a:effectRef>
+          <a:fontRef idx="minor">
+            <a:schemeClr val="dk1"/>
+          </a:fontRef>
+        </p:style>
+        <p:txBody>
+          <a:bodyPr rtlCol="0" anchor="ctr"/>
+          <a:p>
+            <a:pPr algn="ctr"/>
+            <a:r>
+              <a:rPr lang="en-US" altLang="zh-CN"/>
+              <a:t>1</a:t>
+            </a:r>
+            <a:endParaRPr lang="en-US" altLang="zh-CN"/>
+          </a:p>
+        </p:txBody>
+      </p:sp>
+      <p:sp>
+        <p:nvSpPr>
+          <p:cNvPr id="9" name="流程图: 可选过程 8"/>
+          <p:cNvSpPr/>
+          <p:nvPr/>
+        </p:nvSpPr>
+        <p:spPr>
+          <a:xfrm>
+            <a:off x="4641215" y="4111625"/>
+            <a:ext cx="662305" cy="421005"/>
+          </a:xfrm>
+          <a:prstGeom prst="flowChartAlternateProcess">
+            <a:avLst/>
+          </a:prstGeom>
+        </p:spPr>
+        <p:style>
+          <a:lnRef idx="2">
+            <a:schemeClr val="dk1"/>
+          </a:lnRef>
+          <a:fillRef idx="1">
+            <a:schemeClr val="lt1"/>
+          </a:fillRef>
+          <a:effectRef idx="0">
+            <a:schemeClr val="dk1"/>
+          </a:effectRef>
+          <a:fontRef idx="minor">
+            <a:schemeClr val="dk1"/>
+          </a:fontRef>
+        </p:style>
+        <p:txBody>
+          <a:bodyPr rtlCol="0" anchor="ctr"/>
+          <a:p>
+            <a:pPr algn="ctr"/>
+            <a:r>
+              <a:rPr lang="en-US" altLang="zh-CN"/>
+              <a:t>2</a:t>
+            </a:r>
+            <a:endParaRPr lang="en-US" altLang="zh-CN"/>
+          </a:p>
+        </p:txBody>
+      </p:sp>
+      <p:sp>
+        <p:nvSpPr>
+          <p:cNvPr id="10" name="流程图: 可选过程 9"/>
+          <p:cNvSpPr/>
+          <p:nvPr/>
+        </p:nvSpPr>
+        <p:spPr>
+          <a:xfrm>
+            <a:off x="3002280" y="4532630"/>
+            <a:ext cx="662305" cy="421005"/>
+          </a:xfrm>
+          <a:prstGeom prst="flowChartAlternateProcess">
+            <a:avLst/>
+          </a:prstGeom>
+        </p:spPr>
+        <p:style>
+          <a:lnRef idx="2">
+            <a:schemeClr val="dk1"/>
+          </a:lnRef>
+          <a:fillRef idx="1">
+            <a:schemeClr val="lt1"/>
+          </a:fillRef>
+          <a:effectRef idx="0">
+            <a:schemeClr val="dk1"/>
+          </a:effectRef>
+          <a:fontRef idx="minor">
+            <a:schemeClr val="dk1"/>
+          </a:fontRef>
+        </p:style>
+        <p:txBody>
+          <a:bodyPr rtlCol="0" anchor="ctr"/>
+          <a:p>
+            <a:pPr algn="ctr"/>
+            <a:r>
+              <a:rPr lang="en-US" altLang="zh-CN"/>
+              <a:t>2</a:t>
+            </a:r>
+            <a:endParaRPr lang="en-US" altLang="zh-CN"/>
+          </a:p>
+        </p:txBody>
+      </p:sp>
+      <p:sp>
+        <p:nvSpPr>
+          <p:cNvPr id="12" name="流程图: 可选过程 11"/>
+          <p:cNvSpPr/>
+          <p:nvPr/>
+        </p:nvSpPr>
+        <p:spPr>
+          <a:xfrm>
+            <a:off x="5346700" y="4111625"/>
+            <a:ext cx="662305" cy="421005"/>
+          </a:xfrm>
+          <a:prstGeom prst="flowChartAlternateProcess">
+            <a:avLst/>
+          </a:prstGeom>
+        </p:spPr>
+        <p:style>
+          <a:lnRef idx="2">
+            <a:schemeClr val="dk1"/>
+          </a:lnRef>
+          <a:fillRef idx="1">
+            <a:schemeClr val="lt1"/>
+          </a:fillRef>
+          <a:effectRef idx="0">
+            <a:schemeClr val="dk1"/>
+          </a:effectRef>
+          <a:fontRef idx="minor">
+            <a:schemeClr val="dk1"/>
+          </a:fontRef>
+        </p:style>
+        <p:txBody>
+          <a:bodyPr rtlCol="0" anchor="ctr"/>
+          <a:p>
+            <a:pPr algn="ctr"/>
+            <a:r>
+              <a:rPr lang="en-US" altLang="zh-CN"/>
+              <a:t>1</a:t>
+            </a:r>
+            <a:endParaRPr lang="en-US" altLang="zh-CN"/>
+          </a:p>
+        </p:txBody>
+      </p:sp>
+      <p:sp>
+        <p:nvSpPr>
+          <p:cNvPr id="13" name="流程图: 可选过程 12"/>
+          <p:cNvSpPr/>
+          <p:nvPr/>
+        </p:nvSpPr>
+        <p:spPr>
+          <a:xfrm>
+            <a:off x="1841500" y="2825115"/>
+            <a:ext cx="662305" cy="421005"/>
+          </a:xfrm>
+          <a:prstGeom prst="flowChartAlternateProcess">
+            <a:avLst/>
+          </a:prstGeom>
+        </p:spPr>
+        <p:style>
+          <a:lnRef idx="2">
+            <a:schemeClr val="dk1"/>
+          </a:lnRef>
+          <a:fillRef idx="1">
+            <a:schemeClr val="lt1"/>
+          </a:fillRef>
+          <a:effectRef idx="0">
+            <a:schemeClr val="dk1"/>
+          </a:effectRef>
+          <a:fontRef idx="minor">
+            <a:schemeClr val="dk1"/>
+          </a:fontRef>
+        </p:style>
+        <p:txBody>
+          <a:bodyPr rtlCol="0" anchor="ctr"/>
+          <a:p>
+            <a:pPr algn="ctr"/>
+            <a:r>
+              <a:rPr lang="en-US" altLang="zh-CN"/>
+              <a:t>10</a:t>
+            </a:r>
+            <a:endParaRPr lang="en-US" altLang="zh-CN"/>
+          </a:p>
+        </p:txBody>
+      </p:sp>
+      <p:cxnSp>
+        <p:nvCxnSpPr>
+          <p:cNvPr id="15" name="直接箭头连接符 14"/>
+          <p:cNvCxnSpPr>
+            <a:stCxn id="2" idx="2"/>
+            <a:endCxn id="13" idx="0"/>
+          </p:cNvCxnSpPr>
+          <p:nvPr/>
+        </p:nvCxnSpPr>
+        <p:spPr>
+          <a:xfrm flipH="1">
+            <a:off x="2172970" y="2303780"/>
+            <a:ext cx="3159760" cy="521335"/>
+          </a:xfrm>
+          <a:prstGeom prst="straightConnector1">
+            <a:avLst/>
+          </a:prstGeom>
+          <a:ln>
+            <a:tailEnd type="arrow"/>
+          </a:ln>
+        </p:spPr>
+        <p:style>
+          <a:lnRef idx="1">
+            <a:schemeClr val="accent1"/>
+          </a:lnRef>
+          <a:fillRef idx="0">
+            <a:schemeClr val="accent1"/>
+          </a:fillRef>
+          <a:effectRef idx="0">
+            <a:schemeClr val="accent1"/>
+          </a:effectRef>
+          <a:fontRef idx="minor">
+            <a:schemeClr val="tx1"/>
+          </a:fontRef>
+        </p:style>
+      </p:cxnSp>
+      <p:cxnSp>
+        <p:nvCxnSpPr>
+          <p:cNvPr id="16" name="直接箭头连接符 15"/>
+          <p:cNvCxnSpPr>
+            <a:stCxn id="2" idx="2"/>
+            <a:endCxn id="5" idx="0"/>
+          </p:cNvCxnSpPr>
+          <p:nvPr/>
+        </p:nvCxnSpPr>
+        <p:spPr>
+          <a:xfrm flipH="1">
+            <a:off x="3751580" y="2303780"/>
+            <a:ext cx="1581150" cy="521335"/>
+          </a:xfrm>
+          <a:prstGeom prst="straightConnector1">
+            <a:avLst/>
+          </a:prstGeom>
+          <a:ln>
+            <a:tailEnd type="arrow"/>
+          </a:ln>
+        </p:spPr>
+        <p:style>
+          <a:lnRef idx="1">
+            <a:schemeClr val="accent1"/>
+          </a:lnRef>
+          <a:fillRef idx="0">
+            <a:schemeClr val="accent1"/>
+          </a:fillRef>
+          <a:effectRef idx="0">
+            <a:schemeClr val="accent1"/>
+          </a:effectRef>
+          <a:fontRef idx="minor">
+            <a:schemeClr val="tx1"/>
+          </a:fontRef>
+        </p:style>
+      </p:cxnSp>
+      <p:cxnSp>
+        <p:nvCxnSpPr>
+          <p:cNvPr id="17" name="直接箭头连接符 16"/>
+          <p:cNvCxnSpPr>
+            <a:stCxn id="2" idx="2"/>
+            <a:endCxn id="6" idx="0"/>
+          </p:cNvCxnSpPr>
+          <p:nvPr/>
+        </p:nvCxnSpPr>
+        <p:spPr>
+          <a:xfrm>
+            <a:off x="5332730" y="2303780"/>
+            <a:ext cx="0" cy="521335"/>
+          </a:xfrm>
+          <a:prstGeom prst="straightConnector1">
+            <a:avLst/>
+          </a:prstGeom>
+          <a:ln>
+            <a:tailEnd type="arrow"/>
+          </a:ln>
+        </p:spPr>
+        <p:style>
+          <a:lnRef idx="1">
+            <a:schemeClr val="accent1"/>
+          </a:lnRef>
+          <a:fillRef idx="0">
+            <a:schemeClr val="accent1"/>
+          </a:fillRef>
+          <a:effectRef idx="0">
+            <a:schemeClr val="accent1"/>
+          </a:effectRef>
+          <a:fontRef idx="minor">
+            <a:schemeClr val="tx1"/>
+          </a:fontRef>
+        </p:style>
+      </p:cxnSp>
+      <p:cxnSp>
+        <p:nvCxnSpPr>
+          <p:cNvPr id="18" name="直接箭头连接符 17"/>
+          <p:cNvCxnSpPr>
+            <a:endCxn id="4" idx="0"/>
+          </p:cNvCxnSpPr>
+          <p:nvPr/>
+        </p:nvCxnSpPr>
+        <p:spPr>
+          <a:xfrm>
+            <a:off x="5303520" y="2315210"/>
+            <a:ext cx="1607820" cy="509905"/>
+          </a:xfrm>
+          <a:prstGeom prst="straightConnector1">
+            <a:avLst/>
+          </a:prstGeom>
+          <a:ln>
+            <a:tailEnd type="arrow"/>
+          </a:ln>
+        </p:spPr>
+        <p:style>
+          <a:lnRef idx="1">
+            <a:schemeClr val="accent1"/>
+          </a:lnRef>
+          <a:fillRef idx="0">
+            <a:schemeClr val="accent1"/>
+          </a:fillRef>
+          <a:effectRef idx="0">
+            <a:schemeClr val="accent1"/>
+          </a:effectRef>
+          <a:fontRef idx="minor">
+            <a:schemeClr val="tx1"/>
+          </a:fontRef>
+        </p:style>
+      </p:cxnSp>
+      <p:cxnSp>
+        <p:nvCxnSpPr>
+          <p:cNvPr id="19" name="直接箭头连接符 18"/>
+          <p:cNvCxnSpPr>
+            <a:endCxn id="3" idx="0"/>
+          </p:cNvCxnSpPr>
+          <p:nvPr/>
+        </p:nvCxnSpPr>
+        <p:spPr>
+          <a:xfrm>
+            <a:off x="5303520" y="2315210"/>
+            <a:ext cx="3183255" cy="509905"/>
+          </a:xfrm>
+          <a:prstGeom prst="straightConnector1">
+            <a:avLst/>
+          </a:prstGeom>
+          <a:ln>
+            <a:tailEnd type="arrow"/>
+          </a:ln>
+        </p:spPr>
+        <p:style>
+          <a:lnRef idx="1">
+            <a:schemeClr val="accent1"/>
+          </a:lnRef>
+          <a:fillRef idx="0">
+            <a:schemeClr val="accent1"/>
+          </a:fillRef>
+          <a:effectRef idx="0">
+            <a:schemeClr val="accent1"/>
+          </a:effectRef>
+          <a:fontRef idx="minor">
+            <a:schemeClr val="tx1"/>
+          </a:fontRef>
+        </p:style>
+      </p:cxnSp>
+      <p:cxnSp>
+        <p:nvCxnSpPr>
+          <p:cNvPr id="21" name="直接箭头连接符 20"/>
+          <p:cNvCxnSpPr>
+            <a:stCxn id="5" idx="2"/>
+            <a:endCxn id="10" idx="0"/>
+          </p:cNvCxnSpPr>
+          <p:nvPr/>
+        </p:nvCxnSpPr>
+        <p:spPr>
+          <a:xfrm flipH="1">
+            <a:off x="3333750" y="3246120"/>
+            <a:ext cx="417830" cy="1286510"/>
+          </a:xfrm>
+          <a:prstGeom prst="straightConnector1">
+            <a:avLst/>
+          </a:prstGeom>
+          <a:ln>
+            <a:tailEnd type="arrow"/>
+          </a:ln>
+        </p:spPr>
+        <p:style>
+          <a:lnRef idx="1">
+            <a:schemeClr val="accent1"/>
+          </a:lnRef>
+          <a:fillRef idx="0">
+            <a:schemeClr val="accent1"/>
+          </a:fillRef>
+          <a:effectRef idx="0">
+            <a:schemeClr val="accent1"/>
+          </a:effectRef>
+          <a:fontRef idx="minor">
+            <a:schemeClr val="tx1"/>
+          </a:fontRef>
+        </p:style>
+      </p:cxnSp>
+      <p:cxnSp>
+        <p:nvCxnSpPr>
+          <p:cNvPr id="22" name="直接箭头连接符 21"/>
+          <p:cNvCxnSpPr>
+            <a:stCxn id="5" idx="2"/>
+            <a:endCxn id="8" idx="0"/>
+          </p:cNvCxnSpPr>
+          <p:nvPr/>
+        </p:nvCxnSpPr>
+        <p:spPr>
+          <a:xfrm>
+            <a:off x="3751580" y="3246120"/>
+            <a:ext cx="422910" cy="1286510"/>
+          </a:xfrm>
+          <a:prstGeom prst="straightConnector1">
+            <a:avLst/>
+          </a:prstGeom>
+          <a:ln>
+            <a:tailEnd type="arrow"/>
+          </a:ln>
+        </p:spPr>
+        <p:style>
+          <a:lnRef idx="1">
+            <a:schemeClr val="accent1"/>
+          </a:lnRef>
+          <a:fillRef idx="0">
+            <a:schemeClr val="accent1"/>
+          </a:fillRef>
+          <a:effectRef idx="0">
+            <a:schemeClr val="accent1"/>
+          </a:effectRef>
+          <a:fontRef idx="minor">
+            <a:schemeClr val="tx1"/>
+          </a:fontRef>
+        </p:style>
+      </p:cxnSp>
+      <p:cxnSp>
+        <p:nvCxnSpPr>
+          <p:cNvPr id="23" name="直接箭头连接符 22"/>
+          <p:cNvCxnSpPr>
+            <a:stCxn id="6" idx="2"/>
+            <a:endCxn id="9" idx="0"/>
+          </p:cNvCxnSpPr>
+          <p:nvPr/>
+        </p:nvCxnSpPr>
+        <p:spPr>
+          <a:xfrm flipH="1">
+            <a:off x="4972685" y="3246120"/>
+            <a:ext cx="360045" cy="865505"/>
+          </a:xfrm>
+          <a:prstGeom prst="straightConnector1">
+            <a:avLst/>
+          </a:prstGeom>
+          <a:ln>
+            <a:tailEnd type="arrow"/>
+          </a:ln>
+        </p:spPr>
+        <p:style>
+          <a:lnRef idx="1">
+            <a:schemeClr val="accent1"/>
+          </a:lnRef>
+          <a:fillRef idx="0">
+            <a:schemeClr val="accent1"/>
+          </a:fillRef>
+          <a:effectRef idx="0">
+            <a:schemeClr val="accent1"/>
+          </a:effectRef>
+          <a:fontRef idx="minor">
+            <a:schemeClr val="tx1"/>
+          </a:fontRef>
+        </p:style>
+      </p:cxnSp>
+      <p:cxnSp>
+        <p:nvCxnSpPr>
+          <p:cNvPr id="24" name="直接箭头连接符 23"/>
+          <p:cNvCxnSpPr>
+            <a:stCxn id="6" idx="2"/>
+            <a:endCxn id="12" idx="0"/>
+          </p:cNvCxnSpPr>
+          <p:nvPr/>
+        </p:nvCxnSpPr>
+        <p:spPr>
+          <a:xfrm>
+            <a:off x="5332730" y="3246120"/>
+            <a:ext cx="345440" cy="865505"/>
+          </a:xfrm>
+          <a:prstGeom prst="straightConnector1">
+            <a:avLst/>
+          </a:prstGeom>
+          <a:ln>
+            <a:tailEnd type="arrow"/>
+          </a:ln>
+        </p:spPr>
+        <p:style>
+          <a:lnRef idx="1">
+            <a:schemeClr val="accent1"/>
+          </a:lnRef>
+          <a:fillRef idx="0">
+            <a:schemeClr val="accent1"/>
+          </a:fillRef>
+          <a:effectRef idx="0">
+            <a:schemeClr val="accent1"/>
+          </a:effectRef>
+          <a:fontRef idx="minor">
+            <a:schemeClr val="tx1"/>
+          </a:fontRef>
+        </p:style>
+      </p:cxnSp>
+      <p:sp>
+        <p:nvSpPr>
+          <p:cNvPr id="27" name="流程图: 可选过程 26"/>
+          <p:cNvSpPr/>
+          <p:nvPr/>
+        </p:nvSpPr>
+        <p:spPr>
+          <a:xfrm>
+            <a:off x="3002915" y="5349240"/>
+            <a:ext cx="662305" cy="421005"/>
+          </a:xfrm>
+          <a:prstGeom prst="flowChartAlternateProcess">
+            <a:avLst/>
+          </a:prstGeom>
+        </p:spPr>
+        <p:style>
+          <a:lnRef idx="2">
+            <a:schemeClr val="dk1"/>
+          </a:lnRef>
+          <a:fillRef idx="1">
+            <a:schemeClr val="lt1"/>
+          </a:fillRef>
+          <a:effectRef idx="0">
+            <a:schemeClr val="dk1"/>
+          </a:effectRef>
+          <a:fontRef idx="minor">
+            <a:schemeClr val="dk1"/>
+          </a:fontRef>
+        </p:style>
+        <p:txBody>
+          <a:bodyPr rtlCol="0" anchor="ctr"/>
+          <a:p>
+            <a:pPr algn="ctr"/>
+            <a:r>
+              <a:rPr lang="en-US" altLang="zh-CN"/>
+              <a:t>1</a:t>
+            </a:r>
+            <a:endParaRPr lang="en-US" altLang="zh-CN"/>
+          </a:p>
+        </p:txBody>
+      </p:sp>
+      <p:cxnSp>
+        <p:nvCxnSpPr>
+          <p:cNvPr id="28" name="直接箭头连接符 27"/>
+          <p:cNvCxnSpPr/>
+          <p:nvPr/>
+        </p:nvCxnSpPr>
+        <p:spPr>
+          <a:xfrm>
+            <a:off x="3333750" y="4953635"/>
+            <a:ext cx="0" cy="395605"/>
+          </a:xfrm>
+          <a:prstGeom prst="straightConnector1">
+            <a:avLst/>
+          </a:prstGeom>
+          <a:ln>
+            <a:tailEnd type="arrow"/>
+          </a:ln>
+        </p:spPr>
+        <p:style>
+          <a:lnRef idx="1">
+            <a:schemeClr val="accent1"/>
+          </a:lnRef>
+          <a:fillRef idx="0">
+            <a:schemeClr val="accent1"/>
+          </a:fillRef>
+          <a:effectRef idx="0">
+            <a:schemeClr val="accent1"/>
+          </a:effectRef>
+          <a:fontRef idx="minor">
+            <a:schemeClr val="tx1"/>
+          </a:fontRef>
+        </p:style>
+      </p:cxnSp>
+      <p:sp>
+        <p:nvSpPr>
+          <p:cNvPr id="30" name="流程图: 可选过程 29"/>
+          <p:cNvSpPr/>
+          <p:nvPr/>
+        </p:nvSpPr>
+        <p:spPr>
+          <a:xfrm>
+            <a:off x="4641215" y="4843780"/>
+            <a:ext cx="662305" cy="421005"/>
+          </a:xfrm>
+          <a:prstGeom prst="flowChartAlternateProcess">
+            <a:avLst/>
+          </a:prstGeom>
+        </p:spPr>
+        <p:style>
+          <a:lnRef idx="2">
+            <a:schemeClr val="dk1"/>
+          </a:lnRef>
+          <a:fillRef idx="1">
+            <a:schemeClr val="lt1"/>
+          </a:fillRef>
+          <a:effectRef idx="0">
+            <a:schemeClr val="dk1"/>
+          </a:effectRef>
+          <a:fontRef idx="minor">
+            <a:schemeClr val="dk1"/>
+          </a:fontRef>
+        </p:style>
+        <p:txBody>
+          <a:bodyPr rtlCol="0" anchor="ctr"/>
+          <a:p>
+            <a:pPr algn="ctr"/>
+            <a:r>
+              <a:rPr lang="en-US" altLang="zh-CN"/>
+              <a:t>2</a:t>
+            </a:r>
+            <a:endParaRPr lang="en-US" altLang="zh-CN"/>
+          </a:p>
+        </p:txBody>
+      </p:sp>
+      <p:sp>
+        <p:nvSpPr>
+          <p:cNvPr id="32" name="流程图: 可选过程 31"/>
+          <p:cNvSpPr/>
+          <p:nvPr/>
+        </p:nvSpPr>
+        <p:spPr>
+          <a:xfrm>
+            <a:off x="4641850" y="5660390"/>
+            <a:ext cx="662305" cy="421005"/>
+          </a:xfrm>
+          <a:prstGeom prst="flowChartAlternateProcess">
+            <a:avLst/>
+          </a:prstGeom>
+        </p:spPr>
+        <p:style>
+          <a:lnRef idx="2">
+            <a:schemeClr val="dk1"/>
+          </a:lnRef>
+          <a:fillRef idx="1">
+            <a:schemeClr val="lt1"/>
+          </a:fillRef>
+          <a:effectRef idx="0">
+            <a:schemeClr val="dk1"/>
+          </a:effectRef>
+          <a:fontRef idx="minor">
+            <a:schemeClr val="dk1"/>
+          </a:fontRef>
+        </p:style>
+        <p:txBody>
+          <a:bodyPr rtlCol="0" anchor="ctr"/>
+          <a:p>
+            <a:pPr algn="ctr"/>
+            <a:r>
+              <a:rPr lang="en-US" altLang="zh-CN"/>
+              <a:t>1</a:t>
+            </a:r>
+            <a:endParaRPr lang="en-US" altLang="zh-CN"/>
+          </a:p>
+        </p:txBody>
+      </p:sp>
+      <p:cxnSp>
+        <p:nvCxnSpPr>
+          <p:cNvPr id="33" name="直接箭头连接符 32"/>
+          <p:cNvCxnSpPr>
+            <a:stCxn id="30" idx="2"/>
+            <a:endCxn id="31" idx="0"/>
+          </p:cNvCxnSpPr>
+          <p:nvPr/>
+        </p:nvCxnSpPr>
+        <p:spPr>
+          <a:xfrm>
+            <a:off x="4972685" y="5264785"/>
+            <a:ext cx="0" cy="395605"/>
+          </a:xfrm>
+          <a:prstGeom prst="straightConnector1">
+            <a:avLst/>
+          </a:prstGeom>
+          <a:ln>
+            <a:tailEnd type="arrow"/>
+          </a:ln>
+        </p:spPr>
+        <p:style>
+          <a:lnRef idx="1">
+            <a:schemeClr val="accent1"/>
+          </a:lnRef>
+          <a:fillRef idx="0">
+            <a:schemeClr val="accent1"/>
+          </a:fillRef>
+          <a:effectRef idx="0">
+            <a:schemeClr val="accent1"/>
+          </a:effectRef>
+          <a:fontRef idx="minor">
+            <a:schemeClr val="tx1"/>
+          </a:fontRef>
+        </p:style>
+      </p:cxnSp>
+      <p:cxnSp>
+        <p:nvCxnSpPr>
+          <p:cNvPr id="35" name="直接箭头连接符 34"/>
+          <p:cNvCxnSpPr>
+            <a:stCxn id="9" idx="2"/>
+            <a:endCxn id="30" idx="0"/>
+          </p:cNvCxnSpPr>
+          <p:nvPr/>
+        </p:nvCxnSpPr>
+        <p:spPr>
+          <a:xfrm>
+            <a:off x="4972685" y="4532630"/>
+            <a:ext cx="0" cy="311150"/>
+          </a:xfrm>
+          <a:prstGeom prst="straightConnector1">
+            <a:avLst/>
+          </a:prstGeom>
+          <a:ln>
+            <a:tailEnd type="arrow"/>
+          </a:ln>
+        </p:spPr>
+        <p:style>
+          <a:lnRef idx="1">
+            <a:schemeClr val="accent1"/>
+          </a:lnRef>
+          <a:fillRef idx="0">
+            <a:schemeClr val="accent1"/>
+          </a:fillRef>
+          <a:effectRef idx="0">
+            <a:schemeClr val="accent1"/>
+          </a:effectRef>
+          <a:fontRef idx="minor">
+            <a:schemeClr val="tx1"/>
+          </a:fontRef>
+        </p:style>
+      </p:cxnSp>
+      <p:sp>
+        <p:nvSpPr>
+          <p:cNvPr id="36" name="文本框 35"/>
           <p:cNvSpPr txBox="1"/>
           <p:nvPr/>
         </p:nvSpPr>
         <p:spPr>
           <a:xfrm>
-            <a:off x="504000" y="1768680"/>
-            <a:ext cx="9072000" cy="4384080"/>
+            <a:off x="2753360" y="2303780"/>
+            <a:ext cx="911225" cy="365760"/>
           </a:xfrm>
           <a:prstGeom prst="rect">
             <a:avLst/>
           </a:prstGeom>
           <a:noFill/>
+        </p:spPr>
+        <p:txBody>
+          <a:bodyPr wrap="square" rtlCol="0">
+            <a:spAutoFit/>
+          </a:bodyPr>
+          <a:p>
+            <a:r>
+              <a:rPr lang="en-US" altLang="zh-CN"/>
+              <a:t>m</a:t>
+            </a:r>
+            <a:r>
+              <a:rPr lang="en-US" altLang="zh-CN" baseline="-25000">
+                <a:solidFill>
+                  <a:schemeClr val="tx1"/>
+                </a:solidFill>
+                <a:uFillTx/>
+              </a:rPr>
+              <a:t>10</a:t>
+            </a:r>
+            <a:r>
+              <a:rPr lang="en-US" altLang="zh-CN"/>
+              <a:t>-1</a:t>
+            </a:r>
+            <a:endParaRPr lang="en-US" altLang="zh-CN"/>
+          </a:p>
+        </p:txBody>
+      </p:sp>
+      <p:sp>
+        <p:nvSpPr>
+          <p:cNvPr id="37" name="文本框 36"/>
+          <p:cNvSpPr txBox="1"/>
+          <p:nvPr/>
+        </p:nvSpPr>
+        <p:spPr>
+          <a:xfrm>
+            <a:off x="3718560" y="2303780"/>
+            <a:ext cx="911225" cy="365760"/>
+          </a:xfrm>
+          <a:prstGeom prst="rect">
+            <a:avLst/>
+          </a:prstGeom>
+          <a:noFill/>
+        </p:spPr>
+        <p:txBody>
+          <a:bodyPr wrap="square" rtlCol="0">
+            <a:spAutoFit/>
+          </a:bodyPr>
+          <a:p>
+            <a:r>
+              <a:rPr lang="en-US" altLang="zh-CN"/>
+              <a:t>m</a:t>
+            </a:r>
+            <a:r>
+              <a:rPr lang="en-US" altLang="zh-CN" baseline="-25000">
+                <a:solidFill>
+                  <a:schemeClr val="tx1"/>
+                </a:solidFill>
+                <a:uFillTx/>
+              </a:rPr>
+              <a:t>7</a:t>
+            </a:r>
+            <a:r>
+              <a:rPr lang="en-US" altLang="zh-CN"/>
+              <a:t>-1</a:t>
+            </a:r>
+            <a:endParaRPr lang="en-US" altLang="zh-CN"/>
+          </a:p>
+        </p:txBody>
+      </p:sp>
+      <p:sp>
+        <p:nvSpPr>
+          <p:cNvPr id="38" name="文本框 37"/>
+          <p:cNvSpPr txBox="1"/>
+          <p:nvPr/>
+        </p:nvSpPr>
+        <p:spPr>
+          <a:xfrm>
+            <a:off x="4876800" y="2303780"/>
+            <a:ext cx="911225" cy="365760"/>
+          </a:xfrm>
+          <a:prstGeom prst="rect">
+            <a:avLst/>
+          </a:prstGeom>
+          <a:noFill/>
+        </p:spPr>
+        <p:txBody>
+          <a:bodyPr wrap="square" rtlCol="0">
+            <a:spAutoFit/>
+          </a:bodyPr>
+          <a:p>
+            <a:r>
+              <a:rPr lang="en-US" altLang="zh-CN"/>
+              <a:t>m</a:t>
+            </a:r>
+            <a:r>
+              <a:rPr lang="en-US" altLang="zh-CN" baseline="-25000"/>
+              <a:t>5</a:t>
+            </a:r>
+            <a:r>
+              <a:rPr lang="en-US" altLang="zh-CN"/>
+              <a:t>-1</a:t>
+            </a:r>
+            <a:endParaRPr lang="en-US" altLang="zh-CN"/>
+          </a:p>
+        </p:txBody>
+      </p:sp>
+      <p:sp>
+        <p:nvSpPr>
+          <p:cNvPr id="39" name="文本框 38"/>
+          <p:cNvSpPr txBox="1"/>
+          <p:nvPr/>
+        </p:nvSpPr>
+        <p:spPr>
+          <a:xfrm>
+            <a:off x="5915025" y="2315210"/>
+            <a:ext cx="911225" cy="365760"/>
+          </a:xfrm>
+          <a:prstGeom prst="rect">
+            <a:avLst/>
+          </a:prstGeom>
+          <a:noFill/>
+        </p:spPr>
+        <p:txBody>
+          <a:bodyPr wrap="square" rtlCol="0">
+            <a:spAutoFit/>
+          </a:bodyPr>
+          <a:p>
+            <a:r>
+              <a:rPr lang="en-US" altLang="zh-CN"/>
+              <a:t>m</a:t>
+            </a:r>
+            <a:r>
+              <a:rPr lang="en-US" altLang="zh-CN" baseline="-25000"/>
+              <a:t>2</a:t>
+            </a:r>
+            <a:r>
+              <a:rPr lang="en-US" altLang="zh-CN"/>
+              <a:t>-1</a:t>
+            </a:r>
+            <a:endParaRPr lang="en-US" altLang="zh-CN"/>
+          </a:p>
+        </p:txBody>
+      </p:sp>
+      <p:sp>
+        <p:nvSpPr>
+          <p:cNvPr id="40" name="文本框 39"/>
+          <p:cNvSpPr txBox="1"/>
+          <p:nvPr/>
+        </p:nvSpPr>
+        <p:spPr>
+          <a:xfrm>
+            <a:off x="7014210" y="2303780"/>
+            <a:ext cx="911225" cy="365760"/>
+          </a:xfrm>
+          <a:prstGeom prst="rect">
+            <a:avLst/>
+          </a:prstGeom>
+          <a:noFill/>
+        </p:spPr>
+        <p:txBody>
+          <a:bodyPr wrap="square" rtlCol="0">
+            <a:spAutoFit/>
+          </a:bodyPr>
+          <a:p>
+            <a:r>
+              <a:rPr lang="en-US" altLang="zh-CN"/>
+              <a:t>m</a:t>
+            </a:r>
+            <a:r>
+              <a:rPr lang="en-US" altLang="zh-CN" baseline="-25000"/>
+              <a:t>1</a:t>
+            </a:r>
+            <a:r>
+              <a:rPr lang="en-US" altLang="zh-CN"/>
+              <a:t>-1</a:t>
+            </a:r>
+            <a:endParaRPr lang="en-US" altLang="zh-CN"/>
+          </a:p>
+        </p:txBody>
+      </p:sp>
+      <p:sp>
+        <p:nvSpPr>
+          <p:cNvPr id="43" name="文本框 42"/>
+          <p:cNvSpPr txBox="1"/>
+          <p:nvPr/>
+        </p:nvSpPr>
+        <p:spPr>
+          <a:xfrm>
+            <a:off x="2840355" y="3745865"/>
+            <a:ext cx="911225" cy="365760"/>
+          </a:xfrm>
+          <a:prstGeom prst="rect">
+            <a:avLst/>
+          </a:prstGeom>
+          <a:noFill/>
+        </p:spPr>
+        <p:txBody>
+          <a:bodyPr wrap="square" rtlCol="0">
+            <a:spAutoFit/>
+          </a:bodyPr>
+          <a:p>
+            <a:r>
+              <a:rPr lang="en-US" altLang="zh-CN"/>
+              <a:t>m</a:t>
+            </a:r>
+            <a:r>
+              <a:rPr lang="en-US" altLang="zh-CN" baseline="-25000"/>
+              <a:t>2</a:t>
+            </a:r>
+            <a:r>
+              <a:rPr lang="en-US" altLang="zh-CN"/>
+              <a:t>-1</a:t>
+            </a:r>
+            <a:endParaRPr lang="en-US" altLang="zh-CN"/>
+          </a:p>
+        </p:txBody>
+      </p:sp>
+      <p:sp>
+        <p:nvSpPr>
+          <p:cNvPr id="45" name="文本框 44"/>
+          <p:cNvSpPr txBox="1"/>
+          <p:nvPr/>
+        </p:nvSpPr>
+        <p:spPr>
+          <a:xfrm>
+            <a:off x="5436870" y="3496310"/>
+            <a:ext cx="911225" cy="365760"/>
+          </a:xfrm>
+          <a:prstGeom prst="rect">
+            <a:avLst/>
+          </a:prstGeom>
+          <a:noFill/>
+        </p:spPr>
+        <p:txBody>
+          <a:bodyPr wrap="square" rtlCol="0">
+            <a:spAutoFit/>
+          </a:bodyPr>
+          <a:p>
+            <a:r>
+              <a:rPr lang="en-US" altLang="zh-CN"/>
+              <a:t>m</a:t>
+            </a:r>
+            <a:r>
+              <a:rPr lang="en-US" altLang="zh-CN" baseline="-25000"/>
+              <a:t>1</a:t>
+            </a:r>
+            <a:r>
+              <a:rPr lang="en-US" altLang="zh-CN"/>
+              <a:t>-1</a:t>
+            </a:r>
+            <a:endParaRPr lang="en-US" altLang="zh-CN"/>
+          </a:p>
+        </p:txBody>
+      </p:sp>
+      <p:sp>
+        <p:nvSpPr>
+          <p:cNvPr id="46" name="文本框 45"/>
+          <p:cNvSpPr txBox="1"/>
+          <p:nvPr/>
+        </p:nvSpPr>
+        <p:spPr>
+          <a:xfrm>
+            <a:off x="3333750" y="4983480"/>
+            <a:ext cx="911225" cy="365760"/>
+          </a:xfrm>
+          <a:prstGeom prst="rect">
+            <a:avLst/>
+          </a:prstGeom>
+          <a:noFill/>
+        </p:spPr>
+        <p:txBody>
+          <a:bodyPr wrap="square" rtlCol="0">
+            <a:spAutoFit/>
+          </a:bodyPr>
+          <a:p>
+            <a:r>
+              <a:rPr lang="en-US" altLang="zh-CN"/>
+              <a:t>m</a:t>
+            </a:r>
+            <a:r>
+              <a:rPr lang="en-US" altLang="zh-CN" baseline="-25000"/>
+              <a:t>1</a:t>
+            </a:r>
+            <a:r>
+              <a:rPr lang="en-US" altLang="zh-CN"/>
+              <a:t>-1</a:t>
+            </a:r>
+            <a:endParaRPr lang="en-US" altLang="zh-CN"/>
+          </a:p>
+        </p:txBody>
+      </p:sp>
+      <p:sp>
+        <p:nvSpPr>
+          <p:cNvPr id="47" name="文本框 46"/>
+          <p:cNvSpPr txBox="1"/>
+          <p:nvPr/>
+        </p:nvSpPr>
+        <p:spPr>
+          <a:xfrm>
+            <a:off x="5001260" y="5264785"/>
+            <a:ext cx="911225" cy="365760"/>
+          </a:xfrm>
+          <a:prstGeom prst="rect">
+            <a:avLst/>
+          </a:prstGeom>
+          <a:noFill/>
+        </p:spPr>
+        <p:txBody>
+          <a:bodyPr wrap="square" rtlCol="0">
+            <a:spAutoFit/>
+          </a:bodyPr>
+          <a:p>
+            <a:r>
+              <a:rPr lang="en-US" altLang="zh-CN"/>
+              <a:t>m</a:t>
+            </a:r>
+            <a:r>
+              <a:rPr lang="en-US" altLang="zh-CN" baseline="-25000"/>
+              <a:t>1</a:t>
+            </a:r>
+            <a:r>
+              <a:rPr lang="en-US" altLang="zh-CN"/>
+              <a:t>-1</a:t>
+            </a:r>
+            <a:endParaRPr lang="en-US" altLang="zh-CN"/>
+          </a:p>
+        </p:txBody>
+      </p:sp>
+      <p:sp>
+        <p:nvSpPr>
+          <p:cNvPr id="48" name="文本框 47"/>
+          <p:cNvSpPr txBox="1"/>
+          <p:nvPr/>
+        </p:nvSpPr>
+        <p:spPr>
+          <a:xfrm>
+            <a:off x="3594100" y="3745865"/>
+            <a:ext cx="911225" cy="365760"/>
+          </a:xfrm>
+          <a:prstGeom prst="rect">
+            <a:avLst/>
+          </a:prstGeom>
+          <a:noFill/>
+        </p:spPr>
+        <p:txBody>
+          <a:bodyPr wrap="square" rtlCol="0">
+            <a:spAutoFit/>
+          </a:bodyPr>
+          <a:p>
+            <a:r>
+              <a:rPr lang="en-US" altLang="zh-CN"/>
+              <a:t>m</a:t>
+            </a:r>
+            <a:r>
+              <a:rPr lang="en-US" altLang="zh-CN" baseline="-25000"/>
+              <a:t>1</a:t>
+            </a:r>
+            <a:r>
+              <a:rPr lang="en-US" altLang="zh-CN"/>
+              <a:t>-1</a:t>
+            </a:r>
+            <a:endParaRPr lang="en-US" altLang="zh-CN"/>
+          </a:p>
+        </p:txBody>
+      </p:sp>
+      <p:sp>
+        <p:nvSpPr>
+          <p:cNvPr id="49" name="文本框 48"/>
+          <p:cNvSpPr txBox="1"/>
+          <p:nvPr/>
+        </p:nvSpPr>
+        <p:spPr>
+          <a:xfrm>
+            <a:off x="4972685" y="4505325"/>
+            <a:ext cx="911225" cy="365760"/>
+          </a:xfrm>
+          <a:prstGeom prst="rect">
+            <a:avLst/>
+          </a:prstGeom>
+          <a:noFill/>
+        </p:spPr>
+        <p:txBody>
+          <a:bodyPr wrap="square" rtlCol="0">
+            <a:spAutoFit/>
+          </a:bodyPr>
+          <a:p>
+            <a:r>
+              <a:rPr lang="en-US" altLang="zh-CN"/>
+              <a:t>m</a:t>
+            </a:r>
+            <a:r>
+              <a:rPr lang="en-US" altLang="zh-CN" baseline="-25000"/>
+              <a:t>2</a:t>
+            </a:r>
+            <a:r>
+              <a:rPr lang="en-US" altLang="zh-CN"/>
+              <a:t>-1</a:t>
+            </a:r>
+            <a:endParaRPr lang="en-US" altLang="zh-CN"/>
+          </a:p>
+        </p:txBody>
+      </p:sp>
+      <p:sp>
+        <p:nvSpPr>
+          <p:cNvPr id="50" name="文本框 49"/>
+          <p:cNvSpPr txBox="1"/>
+          <p:nvPr/>
+        </p:nvSpPr>
+        <p:spPr>
+          <a:xfrm>
+            <a:off x="4505325" y="3495675"/>
+            <a:ext cx="911225" cy="365760"/>
+          </a:xfrm>
+          <a:prstGeom prst="rect">
+            <a:avLst/>
+          </a:prstGeom>
+          <a:noFill/>
+        </p:spPr>
+        <p:txBody>
+          <a:bodyPr wrap="square" rtlCol="0">
+            <a:spAutoFit/>
+          </a:bodyPr>
+          <a:p>
+            <a:r>
+              <a:rPr lang="en-US" altLang="zh-CN"/>
+              <a:t>m</a:t>
+            </a:r>
+            <a:r>
+              <a:rPr lang="en-US" altLang="zh-CN" baseline="-25000"/>
+              <a:t>2</a:t>
+            </a:r>
+            <a:r>
+              <a:rPr lang="en-US" altLang="zh-CN"/>
+              <a:t>-1</a:t>
+            </a:r>
+            <a:endParaRPr lang="en-US" altLang="zh-CN"/>
+          </a:p>
+        </p:txBody>
+      </p:sp>
+      <p:sp>
+        <p:nvSpPr>
+          <p:cNvPr id="52" name="流程图: 可选过程 51"/>
+          <p:cNvSpPr/>
+          <p:nvPr/>
+        </p:nvSpPr>
+        <p:spPr>
+          <a:xfrm>
+            <a:off x="1841500" y="3861435"/>
+            <a:ext cx="662305" cy="421005"/>
+          </a:xfrm>
+          <a:prstGeom prst="flowChartAlternateProcess">
+            <a:avLst/>
+          </a:prstGeom>
           <a:ln>
-            <a:noFill/>
+            <a:solidFill>
+              <a:srgbClr val="FF0000"/>
+            </a:solidFill>
           </a:ln>
         </p:spPr>
+        <p:style>
+          <a:lnRef idx="2">
+            <a:schemeClr val="dk1"/>
+          </a:lnRef>
+          <a:fillRef idx="1">
+            <a:schemeClr val="lt1"/>
+          </a:fillRef>
+          <a:effectRef idx="0">
+            <a:schemeClr val="dk1"/>
+          </a:effectRef>
+          <a:fontRef idx="minor">
+            <a:schemeClr val="dk1"/>
+          </a:fontRef>
+        </p:style>
         <p:txBody>
-          <a:bodyPr lIns="0" rIns="0" tIns="0" bIns="0" anchor="ctr"/>
-          <a:p>
-            <a:r>
-              <a:rPr b="0" lang="en-US" sz="3200" spc="-1" strike="noStrike">
-                <a:solidFill>
-                  <a:srgbClr val="000000"/>
-                </a:solidFill>
-                <a:uFill>
-                  <a:solidFill>
-                    <a:srgbClr val="ffffff"/>
-                  </a:solidFill>
-                </a:uFill>
-                <a:latin typeface="Arial"/>
-              </a:rPr>
-              <a:t>10</a:t>
-            </a:r>
-            <a:endParaRPr b="0" lang="en-US" sz="3200" spc="-1" strike="noStrike">
-              <a:solidFill>
-                <a:srgbClr val="000000"/>
-              </a:solidFill>
-              <a:uFill>
-                <a:solidFill>
-                  <a:srgbClr val="ffffff"/>
-                </a:solidFill>
-              </a:uFill>
-              <a:latin typeface="Arial"/>
-            </a:endParaRPr>
-          </a:p>
-          <a:p>
-            <a:r>
-              <a:rPr b="0" lang="en-US" sz="3200" spc="-1" strike="noStrike">
-                <a:solidFill>
-                  <a:srgbClr val="000000"/>
-                </a:solidFill>
-                <a:uFill>
-                  <a:solidFill>
-                    <a:srgbClr val="ffffff"/>
-                  </a:solidFill>
-                </a:uFill>
-                <a:latin typeface="Arial"/>
-              </a:rPr>
-              <a:t>7</a:t>
-            </a:r>
-            <a:endParaRPr b="0" lang="en-US" sz="3200" spc="-1" strike="noStrike">
-              <a:solidFill>
-                <a:srgbClr val="000000"/>
-              </a:solidFill>
-              <a:uFill>
-                <a:solidFill>
-                  <a:srgbClr val="ffffff"/>
-                </a:solidFill>
-              </a:uFill>
-              <a:latin typeface="Arial"/>
-            </a:endParaRPr>
+          <a:bodyPr rtlCol="0" anchor="ctr"/>
+          <a:p>
+            <a:pPr algn="ctr"/>
+            <a:r>
+              <a:rPr lang="en-US" altLang="zh-CN"/>
+              <a:t>sum</a:t>
+            </a:r>
+            <a:endParaRPr lang="en-US" altLang="zh-CN"/>
           </a:p>
         </p:txBody>
       </p:sp>
+      <p:cxnSp>
+        <p:nvCxnSpPr>
+          <p:cNvPr id="53" name="直接箭头连接符 52"/>
+          <p:cNvCxnSpPr>
+            <a:stCxn id="13" idx="2"/>
+            <a:endCxn id="52" idx="0"/>
+          </p:cNvCxnSpPr>
+          <p:nvPr/>
+        </p:nvCxnSpPr>
+        <p:spPr>
+          <a:xfrm>
+            <a:off x="2172970" y="3246120"/>
+            <a:ext cx="0" cy="615315"/>
+          </a:xfrm>
+          <a:prstGeom prst="straightConnector1">
+            <a:avLst/>
+          </a:prstGeom>
+          <a:ln>
+            <a:tailEnd type="arrow"/>
+          </a:ln>
+        </p:spPr>
+        <p:style>
+          <a:lnRef idx="1">
+            <a:schemeClr val="accent1"/>
+          </a:lnRef>
+          <a:fillRef idx="0">
+            <a:schemeClr val="accent1"/>
+          </a:fillRef>
+          <a:effectRef idx="0">
+            <a:schemeClr val="accent1"/>
+          </a:effectRef>
+          <a:fontRef idx="minor">
+            <a:schemeClr val="tx1"/>
+          </a:fontRef>
+        </p:style>
+      </p:cxnSp>
     </p:spTree>
   </p:cSld>
+  <p:clrMapOvr>
+    <a:masterClrMapping/>
+  </p:clrMapOvr>
+  <p:transition>
+    <p:fade/>
+  </p:transition>
   <p:timing>
     <p:tnLst>
       <p:par>
-        <p:cTn id="7" dur="indefinite" restart="never" nodeType="tmRoot">
+        <p:cTn id="1" dur="indefinite" restart="never" nodeType="tmRoot">
           <p:childTnLst>
-            <p:seq>
-              <p:cTn id="8" nodeType="mainSeq"/>
+            <p:seq concurrent="1" nextAc="seek">
+              <p:cTn id="2" dur="indefinite" nodeType="mainSeq">
+                <p:childTnLst>
+                  <p:par>
+                    <p:cTn id="3" fill="hold">
+                      <p:stCondLst>
+                        <p:cond delay="indefinite"/>
+                      </p:stCondLst>
+                      <p:childTnLst>
+                        <p:par>
+                          <p:cTn id="4" fill="hold">
+                            <p:stCondLst>
+                              <p:cond delay="0"/>
+                            </p:stCondLst>
+                            <p:childTnLst>
+                              <p:par>
+                                <p:cTn id="5" presetID="2" presetClass="entr" presetSubtype="1" fill="hold" grpId="0" nodeType="clickEffect">
+                                  <p:stCondLst>
+                                    <p:cond delay="0"/>
+                                  </p:stCondLst>
+                                  <p:childTnLst>
+                                    <p:set>
+                                      <p:cBhvr>
+                                        <p:cTn id="6" dur="1" fill="hold">
+                                          <p:stCondLst>
+                                            <p:cond delay="0"/>
+                                          </p:stCondLst>
+                                        </p:cTn>
+                                        <p:tgtEl>
+                                          <p:spTgt spid="41"/>
+                                        </p:tgtEl>
+                                        <p:attrNameLst>
+                                          <p:attrName>style.visibility</p:attrName>
+                                        </p:attrNameLst>
+                                      </p:cBhvr>
+                                      <p:to>
+                                        <p:strVal val="visible"/>
+                                      </p:to>
+                                    </p:set>
+                                    <p:anim calcmode="lin" valueType="num">
+                                      <p:cBhvr additive="base">
+                                        <p:cTn id="7" dur="500" fill="hold"/>
+                                        <p:tgtEl>
+                                          <p:spTgt spid="41"/>
+                                        </p:tgtEl>
+                                        <p:attrNameLst>
+                                          <p:attrName>ppt_x</p:attrName>
+                                        </p:attrNameLst>
+                                      </p:cBhvr>
+                                      <p:tavLst>
+                                        <p:tav tm="0">
+                                          <p:val>
+                                            <p:strVal val="#ppt_x"/>
+                                          </p:val>
+                                        </p:tav>
+                                        <p:tav tm="100000">
+                                          <p:val>
+                                            <p:strVal val="#ppt_x"/>
+                                          </p:val>
+                                        </p:tav>
+                                      </p:tavLst>
+                                    </p:anim>
+                                    <p:anim calcmode="lin" valueType="num">
+                                      <p:cBhvr additive="base">
+                                        <p:cTn id="8" dur="500" fill="hold"/>
+                                        <p:tgtEl>
+                                          <p:spTgt spid="41"/>
+                                        </p:tgtEl>
+                                        <p:attrNameLst>
+                                          <p:attrName>ppt_y</p:attrName>
+                                        </p:attrNameLst>
+                                      </p:cBhvr>
+                                      <p:tavLst>
+                                        <p:tav tm="0">
+                                          <p:val>
+                                            <p:strVal val="0-#ppt_h/2"/>
+                                          </p:val>
+                                        </p:tav>
+                                        <p:tav tm="100000">
+                                          <p:val>
+                                            <p:strVal val="#ppt_y"/>
+                                          </p:val>
+                                        </p:tav>
+                                      </p:tavLst>
+                                    </p:anim>
+                                  </p:childTnLst>
+                                </p:cTn>
+                              </p:par>
+                            </p:childTnLst>
+                          </p:cTn>
+                        </p:par>
+                      </p:childTnLst>
+                    </p:cTn>
+                  </p:par>
+                  <p:par>
+                    <p:cTn id="9" fill="hold">
+                      <p:stCondLst>
+                        <p:cond delay="indefinite"/>
+                      </p:stCondLst>
+                      <p:childTnLst>
+                        <p:par>
+                          <p:cTn id="10" fill="hold">
+                            <p:stCondLst>
+                              <p:cond delay="0"/>
+                            </p:stCondLst>
+                            <p:childTnLst>
+                              <p:par>
+                                <p:cTn id="11" presetID="2" presetClass="entr" presetSubtype="1" fill="hold" grpId="0" nodeType="clickEffect">
+                                  <p:stCondLst>
+                                    <p:cond delay="0"/>
+                                  </p:stCondLst>
+                                  <p:childTnLst>
+                                    <p:set>
+                                      <p:cBhvr>
+                                        <p:cTn id="12" dur="1" fill="hold">
+                                          <p:stCondLst>
+                                            <p:cond delay="0"/>
+                                          </p:stCondLst>
+                                        </p:cTn>
+                                        <p:tgtEl>
+                                          <p:spTgt spid="2"/>
+                                        </p:tgtEl>
+                                        <p:attrNameLst>
+                                          <p:attrName>style.visibility</p:attrName>
+                                        </p:attrNameLst>
+                                      </p:cBhvr>
+                                      <p:to>
+                                        <p:strVal val="visible"/>
+                                      </p:to>
+                                    </p:set>
+                                    <p:anim calcmode="lin" valueType="num">
+                                      <p:cBhvr additive="base">
+                                        <p:cTn id="13" dur="500" fill="hold"/>
+                                        <p:tgtEl>
+                                          <p:spTgt spid="2"/>
+                                        </p:tgtEl>
+                                        <p:attrNameLst>
+                                          <p:attrName>ppt_x</p:attrName>
+                                        </p:attrNameLst>
+                                      </p:cBhvr>
+                                      <p:tavLst>
+                                        <p:tav tm="0">
+                                          <p:val>
+                                            <p:strVal val="#ppt_x"/>
+                                          </p:val>
+                                        </p:tav>
+                                        <p:tav tm="100000">
+                                          <p:val>
+                                            <p:strVal val="#ppt_x"/>
+                                          </p:val>
+                                        </p:tav>
+                                      </p:tavLst>
+                                    </p:anim>
+                                    <p:anim calcmode="lin" valueType="num">
+                                      <p:cBhvr additive="base">
+                                        <p:cTn id="14" dur="500" fill="hold"/>
+                                        <p:tgtEl>
+                                          <p:spTgt spid="2"/>
+                                        </p:tgtEl>
+                                        <p:attrNameLst>
+                                          <p:attrName>ppt_y</p:attrName>
+                                        </p:attrNameLst>
+                                      </p:cBhvr>
+                                      <p:tavLst>
+                                        <p:tav tm="0">
+                                          <p:val>
+                                            <p:strVal val="0-#ppt_h/2"/>
+                                          </p:val>
+                                        </p:tav>
+                                        <p:tav tm="100000">
+                                          <p:val>
+                                            <p:strVal val="#ppt_y"/>
+                                          </p:val>
+                                        </p:tav>
+                                      </p:tavLst>
+                                    </p:anim>
+                                  </p:childTnLst>
+                                </p:cTn>
+                              </p:par>
+                            </p:childTnLst>
+                          </p:cTn>
+                        </p:par>
+                      </p:childTnLst>
+                    </p:cTn>
+                  </p:par>
+                  <p:par>
+                    <p:cTn id="15" fill="hold">
+                      <p:stCondLst>
+                        <p:cond delay="indefinite"/>
+                      </p:stCondLst>
+                      <p:childTnLst>
+                        <p:par>
+                          <p:cTn id="16" fill="hold">
+                            <p:stCondLst>
+                              <p:cond delay="0"/>
+                            </p:stCondLst>
+                            <p:childTnLst>
+                              <p:par>
+                                <p:cTn id="17" presetID="2" presetClass="entr" presetSubtype="1" fill="hold" grpId="0" nodeType="clickEffect">
+                                  <p:stCondLst>
+                                    <p:cond delay="0"/>
+                                  </p:stCondLst>
+                                  <p:childTnLst>
+                                    <p:set>
+                                      <p:cBhvr>
+                                        <p:cTn id="18" dur="1" fill="hold">
+                                          <p:stCondLst>
+                                            <p:cond delay="0"/>
+                                          </p:stCondLst>
+                                        </p:cTn>
+                                        <p:tgtEl>
+                                          <p:spTgt spid="3"/>
+                                        </p:tgtEl>
+                                        <p:attrNameLst>
+                                          <p:attrName>style.visibility</p:attrName>
+                                        </p:attrNameLst>
+                                      </p:cBhvr>
+                                      <p:to>
+                                        <p:strVal val="visible"/>
+                                      </p:to>
+                                    </p:set>
+                                    <p:anim calcmode="lin" valueType="num">
+                                      <p:cBhvr additive="base">
+                                        <p:cTn id="19" dur="500" fill="hold"/>
+                                        <p:tgtEl>
+                                          <p:spTgt spid="3"/>
+                                        </p:tgtEl>
+                                        <p:attrNameLst>
+                                          <p:attrName>ppt_x</p:attrName>
+                                        </p:attrNameLst>
+                                      </p:cBhvr>
+                                      <p:tavLst>
+                                        <p:tav tm="0">
+                                          <p:val>
+                                            <p:strVal val="#ppt_x"/>
+                                          </p:val>
+                                        </p:tav>
+                                        <p:tav tm="100000">
+                                          <p:val>
+                                            <p:strVal val="#ppt_x"/>
+                                          </p:val>
+                                        </p:tav>
+                                      </p:tavLst>
+                                    </p:anim>
+                                    <p:anim calcmode="lin" valueType="num">
+                                      <p:cBhvr additive="base">
+                                        <p:cTn id="20" dur="500" fill="hold"/>
+                                        <p:tgtEl>
+                                          <p:spTgt spid="3"/>
+                                        </p:tgtEl>
+                                        <p:attrNameLst>
+                                          <p:attrName>ppt_y</p:attrName>
+                                        </p:attrNameLst>
+                                      </p:cBhvr>
+                                      <p:tavLst>
+                                        <p:tav tm="0">
+                                          <p:val>
+                                            <p:strVal val="0-#ppt_h/2"/>
+                                          </p:val>
+                                        </p:tav>
+                                        <p:tav tm="100000">
+                                          <p:val>
+                                            <p:strVal val="#ppt_y"/>
+                                          </p:val>
+                                        </p:tav>
+                                      </p:tavLst>
+                                    </p:anim>
+                                  </p:childTnLst>
+                                </p:cTn>
+                              </p:par>
+                            </p:childTnLst>
+                          </p:cTn>
+                        </p:par>
+                      </p:childTnLst>
+                    </p:cTn>
+                  </p:par>
+                  <p:par>
+                    <p:cTn id="21" fill="hold">
+                      <p:stCondLst>
+                        <p:cond delay="indefinite"/>
+                      </p:stCondLst>
+                      <p:childTnLst>
+                        <p:par>
+                          <p:cTn id="22" fill="hold">
+                            <p:stCondLst>
+                              <p:cond delay="0"/>
+                            </p:stCondLst>
+                            <p:childTnLst>
+                              <p:par>
+                                <p:cTn id="23" presetID="2" presetClass="entr" presetSubtype="1" fill="hold" grpId="0" nodeType="clickEffect">
+                                  <p:stCondLst>
+                                    <p:cond delay="0"/>
+                                  </p:stCondLst>
+                                  <p:childTnLst>
+                                    <p:set>
+                                      <p:cBhvr>
+                                        <p:cTn id="24" dur="1" fill="hold">
+                                          <p:stCondLst>
+                                            <p:cond delay="0"/>
+                                          </p:stCondLst>
+                                        </p:cTn>
+                                        <p:tgtEl>
+                                          <p:spTgt spid="4"/>
+                                        </p:tgtEl>
+                                        <p:attrNameLst>
+                                          <p:attrName>style.visibility</p:attrName>
+                                        </p:attrNameLst>
+                                      </p:cBhvr>
+                                      <p:to>
+                                        <p:strVal val="visible"/>
+                                      </p:to>
+                                    </p:set>
+                                    <p:anim calcmode="lin" valueType="num">
+                                      <p:cBhvr additive="base">
+                                        <p:cTn id="25" dur="500" fill="hold"/>
+                                        <p:tgtEl>
+                                          <p:spTgt spid="4"/>
+                                        </p:tgtEl>
+                                        <p:attrNameLst>
+                                          <p:attrName>ppt_x</p:attrName>
+                                        </p:attrNameLst>
+                                      </p:cBhvr>
+                                      <p:tavLst>
+                                        <p:tav tm="0">
+                                          <p:val>
+                                            <p:strVal val="#ppt_x"/>
+                                          </p:val>
+                                        </p:tav>
+                                        <p:tav tm="100000">
+                                          <p:val>
+                                            <p:strVal val="#ppt_x"/>
+                                          </p:val>
+                                        </p:tav>
+                                      </p:tavLst>
+                                    </p:anim>
+                                    <p:anim calcmode="lin" valueType="num">
+                                      <p:cBhvr additive="base">
+                                        <p:cTn id="26" dur="500" fill="hold"/>
+                                        <p:tgtEl>
+                                          <p:spTgt spid="4"/>
+                                        </p:tgtEl>
+                                        <p:attrNameLst>
+                                          <p:attrName>ppt_y</p:attrName>
+                                        </p:attrNameLst>
+                                      </p:cBhvr>
+                                      <p:tavLst>
+                                        <p:tav tm="0">
+                                          <p:val>
+                                            <p:strVal val="0-#ppt_h/2"/>
+                                          </p:val>
+                                        </p:tav>
+                                        <p:tav tm="100000">
+                                          <p:val>
+                                            <p:strVal val="#ppt_y"/>
+                                          </p:val>
+                                        </p:tav>
+                                      </p:tavLst>
+                                    </p:anim>
+                                  </p:childTnLst>
+                                </p:cTn>
+                              </p:par>
+                            </p:childTnLst>
+                          </p:cTn>
+                        </p:par>
+                      </p:childTnLst>
+                    </p:cTn>
+                  </p:par>
+                  <p:par>
+                    <p:cTn id="27" fill="hold">
+                      <p:stCondLst>
+                        <p:cond delay="indefinite"/>
+                      </p:stCondLst>
+                      <p:childTnLst>
+                        <p:par>
+                          <p:cTn id="28" fill="hold">
+                            <p:stCondLst>
+                              <p:cond delay="0"/>
+                            </p:stCondLst>
+                            <p:childTnLst>
+                              <p:par>
+                                <p:cTn id="29" presetID="2" presetClass="entr" presetSubtype="1" fill="hold" grpId="0" nodeType="clickEffect">
+                                  <p:stCondLst>
+                                    <p:cond delay="0"/>
+                                  </p:stCondLst>
+                                  <p:childTnLst>
+                                    <p:set>
+                                      <p:cBhvr>
+                                        <p:cTn id="30" dur="1" fill="hold">
+                                          <p:stCondLst>
+                                            <p:cond delay="0"/>
+                                          </p:stCondLst>
+                                        </p:cTn>
+                                        <p:tgtEl>
+                                          <p:spTgt spid="5"/>
+                                        </p:tgtEl>
+                                        <p:attrNameLst>
+                                          <p:attrName>style.visibility</p:attrName>
+                                        </p:attrNameLst>
+                                      </p:cBhvr>
+                                      <p:to>
+                                        <p:strVal val="visible"/>
+                                      </p:to>
+                                    </p:set>
+                                    <p:anim calcmode="lin" valueType="num">
+                                      <p:cBhvr additive="base">
+                                        <p:cTn id="31" dur="500" fill="hold"/>
+                                        <p:tgtEl>
+                                          <p:spTgt spid="5"/>
+                                        </p:tgtEl>
+                                        <p:attrNameLst>
+                                          <p:attrName>ppt_x</p:attrName>
+                                        </p:attrNameLst>
+                                      </p:cBhvr>
+                                      <p:tavLst>
+                                        <p:tav tm="0">
+                                          <p:val>
+                                            <p:strVal val="#ppt_x"/>
+                                          </p:val>
+                                        </p:tav>
+                                        <p:tav tm="100000">
+                                          <p:val>
+                                            <p:strVal val="#ppt_x"/>
+                                          </p:val>
+                                        </p:tav>
+                                      </p:tavLst>
+                                    </p:anim>
+                                    <p:anim calcmode="lin" valueType="num">
+                                      <p:cBhvr additive="base">
+                                        <p:cTn id="32" dur="500" fill="hold"/>
+                                        <p:tgtEl>
+                                          <p:spTgt spid="5"/>
+                                        </p:tgtEl>
+                                        <p:attrNameLst>
+                                          <p:attrName>ppt_y</p:attrName>
+                                        </p:attrNameLst>
+                                      </p:cBhvr>
+                                      <p:tavLst>
+                                        <p:tav tm="0">
+                                          <p:val>
+                                            <p:strVal val="0-#ppt_h/2"/>
+                                          </p:val>
+                                        </p:tav>
+                                        <p:tav tm="100000">
+                                          <p:val>
+                                            <p:strVal val="#ppt_y"/>
+                                          </p:val>
+                                        </p:tav>
+                                      </p:tavLst>
+                                    </p:anim>
+                                  </p:childTnLst>
+                                </p:cTn>
+                              </p:par>
+                            </p:childTnLst>
+                          </p:cTn>
+                        </p:par>
+                      </p:childTnLst>
+                    </p:cTn>
+                  </p:par>
+                  <p:par>
+                    <p:cTn id="33" fill="hold">
+                      <p:stCondLst>
+                        <p:cond delay="indefinite"/>
+                      </p:stCondLst>
+                      <p:childTnLst>
+                        <p:par>
+                          <p:cTn id="34" fill="hold">
+                            <p:stCondLst>
+                              <p:cond delay="0"/>
+                            </p:stCondLst>
+                            <p:childTnLst>
+                              <p:par>
+                                <p:cTn id="35" presetID="2" presetClass="entr" presetSubtype="1" fill="hold" grpId="0" nodeType="clickEffect">
+                                  <p:stCondLst>
+                                    <p:cond delay="0"/>
+                                  </p:stCondLst>
+                                  <p:childTnLst>
+                                    <p:set>
+                                      <p:cBhvr>
+                                        <p:cTn id="36" dur="1" fill="hold">
+                                          <p:stCondLst>
+                                            <p:cond delay="0"/>
+                                          </p:stCondLst>
+                                        </p:cTn>
+                                        <p:tgtEl>
+                                          <p:spTgt spid="6"/>
+                                        </p:tgtEl>
+                                        <p:attrNameLst>
+                                          <p:attrName>style.visibility</p:attrName>
+                                        </p:attrNameLst>
+                                      </p:cBhvr>
+                                      <p:to>
+                                        <p:strVal val="visible"/>
+                                      </p:to>
+                                    </p:set>
+                                    <p:anim calcmode="lin" valueType="num">
+                                      <p:cBhvr additive="base">
+                                        <p:cTn id="37" dur="500" fill="hold"/>
+                                        <p:tgtEl>
+                                          <p:spTgt spid="6"/>
+                                        </p:tgtEl>
+                                        <p:attrNameLst>
+                                          <p:attrName>ppt_x</p:attrName>
+                                        </p:attrNameLst>
+                                      </p:cBhvr>
+                                      <p:tavLst>
+                                        <p:tav tm="0">
+                                          <p:val>
+                                            <p:strVal val="#ppt_x"/>
+                                          </p:val>
+                                        </p:tav>
+                                        <p:tav tm="100000">
+                                          <p:val>
+                                            <p:strVal val="#ppt_x"/>
+                                          </p:val>
+                                        </p:tav>
+                                      </p:tavLst>
+                                    </p:anim>
+                                    <p:anim calcmode="lin" valueType="num">
+                                      <p:cBhvr additive="base">
+                                        <p:cTn id="38" dur="500" fill="hold"/>
+                                        <p:tgtEl>
+                                          <p:spTgt spid="6"/>
+                                        </p:tgtEl>
+                                        <p:attrNameLst>
+                                          <p:attrName>ppt_y</p:attrName>
+                                        </p:attrNameLst>
+                                      </p:cBhvr>
+                                      <p:tavLst>
+                                        <p:tav tm="0">
+                                          <p:val>
+                                            <p:strVal val="0-#ppt_h/2"/>
+                                          </p:val>
+                                        </p:tav>
+                                        <p:tav tm="100000">
+                                          <p:val>
+                                            <p:strVal val="#ppt_y"/>
+                                          </p:val>
+                                        </p:tav>
+                                      </p:tavLst>
+                                    </p:anim>
+                                  </p:childTnLst>
+                                </p:cTn>
+                              </p:par>
+                            </p:childTnLst>
+                          </p:cTn>
+                        </p:par>
+                      </p:childTnLst>
+                    </p:cTn>
+                  </p:par>
+                  <p:par>
+                    <p:cTn id="39" fill="hold">
+                      <p:stCondLst>
+                        <p:cond delay="indefinite"/>
+                      </p:stCondLst>
+                      <p:childTnLst>
+                        <p:par>
+                          <p:cTn id="40" fill="hold">
+                            <p:stCondLst>
+                              <p:cond delay="0"/>
+                            </p:stCondLst>
+                            <p:childTnLst>
+                              <p:par>
+                                <p:cTn id="41" presetID="2" presetClass="entr" presetSubtype="1" fill="hold" grpId="0" nodeType="clickEffect">
+                                  <p:stCondLst>
+                                    <p:cond delay="0"/>
+                                  </p:stCondLst>
+                                  <p:childTnLst>
+                                    <p:set>
+                                      <p:cBhvr>
+                                        <p:cTn id="42" dur="1" fill="hold">
+                                          <p:stCondLst>
+                                            <p:cond delay="0"/>
+                                          </p:stCondLst>
+                                        </p:cTn>
+                                        <p:tgtEl>
+                                          <p:spTgt spid="13"/>
+                                        </p:tgtEl>
+                                        <p:attrNameLst>
+                                          <p:attrName>style.visibility</p:attrName>
+                                        </p:attrNameLst>
+                                      </p:cBhvr>
+                                      <p:to>
+                                        <p:strVal val="visible"/>
+                                      </p:to>
+                                    </p:set>
+                                    <p:anim calcmode="lin" valueType="num">
+                                      <p:cBhvr additive="base">
+                                        <p:cTn id="43" dur="500" fill="hold"/>
+                                        <p:tgtEl>
+                                          <p:spTgt spid="13"/>
+                                        </p:tgtEl>
+                                        <p:attrNameLst>
+                                          <p:attrName>ppt_x</p:attrName>
+                                        </p:attrNameLst>
+                                      </p:cBhvr>
+                                      <p:tavLst>
+                                        <p:tav tm="0">
+                                          <p:val>
+                                            <p:strVal val="#ppt_x"/>
+                                          </p:val>
+                                        </p:tav>
+                                        <p:tav tm="100000">
+                                          <p:val>
+                                            <p:strVal val="#ppt_x"/>
+                                          </p:val>
+                                        </p:tav>
+                                      </p:tavLst>
+                                    </p:anim>
+                                    <p:anim calcmode="lin" valueType="num">
+                                      <p:cBhvr additive="base">
+                                        <p:cTn id="44" dur="500" fill="hold"/>
+                                        <p:tgtEl>
+                                          <p:spTgt spid="13"/>
+                                        </p:tgtEl>
+                                        <p:attrNameLst>
+                                          <p:attrName>ppt_y</p:attrName>
+                                        </p:attrNameLst>
+                                      </p:cBhvr>
+                                      <p:tavLst>
+                                        <p:tav tm="0">
+                                          <p:val>
+                                            <p:strVal val="0-#ppt_h/2"/>
+                                          </p:val>
+                                        </p:tav>
+                                        <p:tav tm="100000">
+                                          <p:val>
+                                            <p:strVal val="#ppt_y"/>
+                                          </p:val>
+                                        </p:tav>
+                                      </p:tavLst>
+                                    </p:anim>
+                                  </p:childTnLst>
+                                </p:cTn>
+                              </p:par>
+                            </p:childTnLst>
+                          </p:cTn>
+                        </p:par>
+                      </p:childTnLst>
+                    </p:cTn>
+                  </p:par>
+                  <p:par>
+                    <p:cTn id="45" fill="hold">
+                      <p:stCondLst>
+                        <p:cond delay="indefinite"/>
+                      </p:stCondLst>
+                      <p:childTnLst>
+                        <p:par>
+                          <p:cTn id="46" fill="hold">
+                            <p:stCondLst>
+                              <p:cond delay="0"/>
+                            </p:stCondLst>
+                            <p:childTnLst>
+                              <p:par>
+                                <p:cTn id="47" presetID="2" presetClass="entr" presetSubtype="1" fill="hold" nodeType="clickEffect">
+                                  <p:stCondLst>
+                                    <p:cond delay="0"/>
+                                  </p:stCondLst>
+                                  <p:childTnLst>
+                                    <p:set>
+                                      <p:cBhvr>
+                                        <p:cTn id="48" dur="1" fill="hold">
+                                          <p:stCondLst>
+                                            <p:cond delay="0"/>
+                                          </p:stCondLst>
+                                        </p:cTn>
+                                        <p:tgtEl>
+                                          <p:spTgt spid="15"/>
+                                        </p:tgtEl>
+                                        <p:attrNameLst>
+                                          <p:attrName>style.visibility</p:attrName>
+                                        </p:attrNameLst>
+                                      </p:cBhvr>
+                                      <p:to>
+                                        <p:strVal val="visible"/>
+                                      </p:to>
+                                    </p:set>
+                                    <p:anim calcmode="lin" valueType="num">
+                                      <p:cBhvr additive="base">
+                                        <p:cTn id="49" dur="500" fill="hold"/>
+                                        <p:tgtEl>
+                                          <p:spTgt spid="15"/>
+                                        </p:tgtEl>
+                                        <p:attrNameLst>
+                                          <p:attrName>ppt_x</p:attrName>
+                                        </p:attrNameLst>
+                                      </p:cBhvr>
+                                      <p:tavLst>
+                                        <p:tav tm="0">
+                                          <p:val>
+                                            <p:strVal val="#ppt_x"/>
+                                          </p:val>
+                                        </p:tav>
+                                        <p:tav tm="100000">
+                                          <p:val>
+                                            <p:strVal val="#ppt_x"/>
+                                          </p:val>
+                                        </p:tav>
+                                      </p:tavLst>
+                                    </p:anim>
+                                    <p:anim calcmode="lin" valueType="num">
+                                      <p:cBhvr additive="base">
+                                        <p:cTn id="50" dur="500" fill="hold"/>
+                                        <p:tgtEl>
+                                          <p:spTgt spid="15"/>
+                                        </p:tgtEl>
+                                        <p:attrNameLst>
+                                          <p:attrName>ppt_y</p:attrName>
+                                        </p:attrNameLst>
+                                      </p:cBhvr>
+                                      <p:tavLst>
+                                        <p:tav tm="0">
+                                          <p:val>
+                                            <p:strVal val="0-#ppt_h/2"/>
+                                          </p:val>
+                                        </p:tav>
+                                        <p:tav tm="100000">
+                                          <p:val>
+                                            <p:strVal val="#ppt_y"/>
+                                          </p:val>
+                                        </p:tav>
+                                      </p:tavLst>
+                                    </p:anim>
+                                  </p:childTnLst>
+                                </p:cTn>
+                              </p:par>
+                            </p:childTnLst>
+                          </p:cTn>
+                        </p:par>
+                      </p:childTnLst>
+                    </p:cTn>
+                  </p:par>
+                  <p:par>
+                    <p:cTn id="51" fill="hold">
+                      <p:stCondLst>
+                        <p:cond delay="indefinite"/>
+                      </p:stCondLst>
+                      <p:childTnLst>
+                        <p:par>
+                          <p:cTn id="52" fill="hold">
+                            <p:stCondLst>
+                              <p:cond delay="0"/>
+                            </p:stCondLst>
+                            <p:childTnLst>
+                              <p:par>
+                                <p:cTn id="53" presetID="2" presetClass="entr" presetSubtype="1" fill="hold" nodeType="clickEffect">
+                                  <p:stCondLst>
+                                    <p:cond delay="0"/>
+                                  </p:stCondLst>
+                                  <p:childTnLst>
+                                    <p:set>
+                                      <p:cBhvr>
+                                        <p:cTn id="54" dur="1" fill="hold">
+                                          <p:stCondLst>
+                                            <p:cond delay="0"/>
+                                          </p:stCondLst>
+                                        </p:cTn>
+                                        <p:tgtEl>
+                                          <p:spTgt spid="16"/>
+                                        </p:tgtEl>
+                                        <p:attrNameLst>
+                                          <p:attrName>style.visibility</p:attrName>
+                                        </p:attrNameLst>
+                                      </p:cBhvr>
+                                      <p:to>
+                                        <p:strVal val="visible"/>
+                                      </p:to>
+                                    </p:set>
+                                    <p:anim calcmode="lin" valueType="num">
+                                      <p:cBhvr additive="base">
+                                        <p:cTn id="55" dur="500" fill="hold"/>
+                                        <p:tgtEl>
+                                          <p:spTgt spid="16"/>
+                                        </p:tgtEl>
+                                        <p:attrNameLst>
+                                          <p:attrName>ppt_x</p:attrName>
+                                        </p:attrNameLst>
+                                      </p:cBhvr>
+                                      <p:tavLst>
+                                        <p:tav tm="0">
+                                          <p:val>
+                                            <p:strVal val="#ppt_x"/>
+                                          </p:val>
+                                        </p:tav>
+                                        <p:tav tm="100000">
+                                          <p:val>
+                                            <p:strVal val="#ppt_x"/>
+                                          </p:val>
+                                        </p:tav>
+                                      </p:tavLst>
+                                    </p:anim>
+                                    <p:anim calcmode="lin" valueType="num">
+                                      <p:cBhvr additive="base">
+                                        <p:cTn id="56" dur="500" fill="hold"/>
+                                        <p:tgtEl>
+                                          <p:spTgt spid="16"/>
+                                        </p:tgtEl>
+                                        <p:attrNameLst>
+                                          <p:attrName>ppt_y</p:attrName>
+                                        </p:attrNameLst>
+                                      </p:cBhvr>
+                                      <p:tavLst>
+                                        <p:tav tm="0">
+                                          <p:val>
+                                            <p:strVal val="0-#ppt_h/2"/>
+                                          </p:val>
+                                        </p:tav>
+                                        <p:tav tm="100000">
+                                          <p:val>
+                                            <p:strVal val="#ppt_y"/>
+                                          </p:val>
+                                        </p:tav>
+                                      </p:tavLst>
+                                    </p:anim>
+                                  </p:childTnLst>
+                                </p:cTn>
+                              </p:par>
+                            </p:childTnLst>
+                          </p:cTn>
+                        </p:par>
+                      </p:childTnLst>
+                    </p:cTn>
+                  </p:par>
+                  <p:par>
+                    <p:cTn id="57" fill="hold">
+                      <p:stCondLst>
+                        <p:cond delay="indefinite"/>
+                      </p:stCondLst>
+                      <p:childTnLst>
+                        <p:par>
+                          <p:cTn id="58" fill="hold">
+                            <p:stCondLst>
+                              <p:cond delay="0"/>
+                            </p:stCondLst>
+                            <p:childTnLst>
+                              <p:par>
+                                <p:cTn id="59" presetID="2" presetClass="entr" presetSubtype="1" fill="hold" nodeType="clickEffect">
+                                  <p:stCondLst>
+                                    <p:cond delay="0"/>
+                                  </p:stCondLst>
+                                  <p:childTnLst>
+                                    <p:set>
+                                      <p:cBhvr>
+                                        <p:cTn id="60" dur="1" fill="hold">
+                                          <p:stCondLst>
+                                            <p:cond delay="0"/>
+                                          </p:stCondLst>
+                                        </p:cTn>
+                                        <p:tgtEl>
+                                          <p:spTgt spid="17"/>
+                                        </p:tgtEl>
+                                        <p:attrNameLst>
+                                          <p:attrName>style.visibility</p:attrName>
+                                        </p:attrNameLst>
+                                      </p:cBhvr>
+                                      <p:to>
+                                        <p:strVal val="visible"/>
+                                      </p:to>
+                                    </p:set>
+                                    <p:anim calcmode="lin" valueType="num">
+                                      <p:cBhvr additive="base">
+                                        <p:cTn id="61" dur="500" fill="hold"/>
+                                        <p:tgtEl>
+                                          <p:spTgt spid="17"/>
+                                        </p:tgtEl>
+                                        <p:attrNameLst>
+                                          <p:attrName>ppt_x</p:attrName>
+                                        </p:attrNameLst>
+                                      </p:cBhvr>
+                                      <p:tavLst>
+                                        <p:tav tm="0">
+                                          <p:val>
+                                            <p:strVal val="#ppt_x"/>
+                                          </p:val>
+                                        </p:tav>
+                                        <p:tav tm="100000">
+                                          <p:val>
+                                            <p:strVal val="#ppt_x"/>
+                                          </p:val>
+                                        </p:tav>
+                                      </p:tavLst>
+                                    </p:anim>
+                                    <p:anim calcmode="lin" valueType="num">
+                                      <p:cBhvr additive="base">
+                                        <p:cTn id="62" dur="500" fill="hold"/>
+                                        <p:tgtEl>
+                                          <p:spTgt spid="17"/>
+                                        </p:tgtEl>
+                                        <p:attrNameLst>
+                                          <p:attrName>ppt_y</p:attrName>
+                                        </p:attrNameLst>
+                                      </p:cBhvr>
+                                      <p:tavLst>
+                                        <p:tav tm="0">
+                                          <p:val>
+                                            <p:strVal val="0-#ppt_h/2"/>
+                                          </p:val>
+                                        </p:tav>
+                                        <p:tav tm="100000">
+                                          <p:val>
+                                            <p:strVal val="#ppt_y"/>
+                                          </p:val>
+                                        </p:tav>
+                                      </p:tavLst>
+                                    </p:anim>
+                                  </p:childTnLst>
+                                </p:cTn>
+                              </p:par>
+                            </p:childTnLst>
+                          </p:cTn>
+                        </p:par>
+                      </p:childTnLst>
+                    </p:cTn>
+                  </p:par>
+                  <p:par>
+                    <p:cTn id="63" fill="hold">
+                      <p:stCondLst>
+                        <p:cond delay="indefinite"/>
+                      </p:stCondLst>
+                      <p:childTnLst>
+                        <p:par>
+                          <p:cTn id="64" fill="hold">
+                            <p:stCondLst>
+                              <p:cond delay="0"/>
+                            </p:stCondLst>
+                            <p:childTnLst>
+                              <p:par>
+                                <p:cTn id="65" presetID="2" presetClass="entr" presetSubtype="1" fill="hold" nodeType="clickEffect">
+                                  <p:stCondLst>
+                                    <p:cond delay="0"/>
+                                  </p:stCondLst>
+                                  <p:childTnLst>
+                                    <p:set>
+                                      <p:cBhvr>
+                                        <p:cTn id="66" dur="1" fill="hold">
+                                          <p:stCondLst>
+                                            <p:cond delay="0"/>
+                                          </p:stCondLst>
+                                        </p:cTn>
+                                        <p:tgtEl>
+                                          <p:spTgt spid="18"/>
+                                        </p:tgtEl>
+                                        <p:attrNameLst>
+                                          <p:attrName>style.visibility</p:attrName>
+                                        </p:attrNameLst>
+                                      </p:cBhvr>
+                                      <p:to>
+                                        <p:strVal val="visible"/>
+                                      </p:to>
+                                    </p:set>
+                                    <p:anim calcmode="lin" valueType="num">
+                                      <p:cBhvr additive="base">
+                                        <p:cTn id="67" dur="500" fill="hold"/>
+                                        <p:tgtEl>
+                                          <p:spTgt spid="18"/>
+                                        </p:tgtEl>
+                                        <p:attrNameLst>
+                                          <p:attrName>ppt_x</p:attrName>
+                                        </p:attrNameLst>
+                                      </p:cBhvr>
+                                      <p:tavLst>
+                                        <p:tav tm="0">
+                                          <p:val>
+                                            <p:strVal val="#ppt_x"/>
+                                          </p:val>
+                                        </p:tav>
+                                        <p:tav tm="100000">
+                                          <p:val>
+                                            <p:strVal val="#ppt_x"/>
+                                          </p:val>
+                                        </p:tav>
+                                      </p:tavLst>
+                                    </p:anim>
+                                    <p:anim calcmode="lin" valueType="num">
+                                      <p:cBhvr additive="base">
+                                        <p:cTn id="68" dur="500" fill="hold"/>
+                                        <p:tgtEl>
+                                          <p:spTgt spid="18"/>
+                                        </p:tgtEl>
+                                        <p:attrNameLst>
+                                          <p:attrName>ppt_y</p:attrName>
+                                        </p:attrNameLst>
+                                      </p:cBhvr>
+                                      <p:tavLst>
+                                        <p:tav tm="0">
+                                          <p:val>
+                                            <p:strVal val="0-#ppt_h/2"/>
+                                          </p:val>
+                                        </p:tav>
+                                        <p:tav tm="100000">
+                                          <p:val>
+                                            <p:strVal val="#ppt_y"/>
+                                          </p:val>
+                                        </p:tav>
+                                      </p:tavLst>
+                                    </p:anim>
+                                  </p:childTnLst>
+                                </p:cTn>
+                              </p:par>
+                            </p:childTnLst>
+                          </p:cTn>
+                        </p:par>
+                      </p:childTnLst>
+                    </p:cTn>
+                  </p:par>
+                  <p:par>
+                    <p:cTn id="69" fill="hold">
+                      <p:stCondLst>
+                        <p:cond delay="indefinite"/>
+                      </p:stCondLst>
+                      <p:childTnLst>
+                        <p:par>
+                          <p:cTn id="70" fill="hold">
+                            <p:stCondLst>
+                              <p:cond delay="0"/>
+                            </p:stCondLst>
+                            <p:childTnLst>
+                              <p:par>
+                                <p:cTn id="71" presetID="2" presetClass="entr" presetSubtype="1" fill="hold" nodeType="clickEffect">
+                                  <p:stCondLst>
+                                    <p:cond delay="0"/>
+                                  </p:stCondLst>
+                                  <p:childTnLst>
+                                    <p:set>
+                                      <p:cBhvr>
+                                        <p:cTn id="72" dur="1" fill="hold">
+                                          <p:stCondLst>
+                                            <p:cond delay="0"/>
+                                          </p:stCondLst>
+                                        </p:cTn>
+                                        <p:tgtEl>
+                                          <p:spTgt spid="19"/>
+                                        </p:tgtEl>
+                                        <p:attrNameLst>
+                                          <p:attrName>style.visibility</p:attrName>
+                                        </p:attrNameLst>
+                                      </p:cBhvr>
+                                      <p:to>
+                                        <p:strVal val="visible"/>
+                                      </p:to>
+                                    </p:set>
+                                    <p:anim calcmode="lin" valueType="num">
+                                      <p:cBhvr additive="base">
+                                        <p:cTn id="73" dur="500" fill="hold"/>
+                                        <p:tgtEl>
+                                          <p:spTgt spid="19"/>
+                                        </p:tgtEl>
+                                        <p:attrNameLst>
+                                          <p:attrName>ppt_x</p:attrName>
+                                        </p:attrNameLst>
+                                      </p:cBhvr>
+                                      <p:tavLst>
+                                        <p:tav tm="0">
+                                          <p:val>
+                                            <p:strVal val="#ppt_x"/>
+                                          </p:val>
+                                        </p:tav>
+                                        <p:tav tm="100000">
+                                          <p:val>
+                                            <p:strVal val="#ppt_x"/>
+                                          </p:val>
+                                        </p:tav>
+                                      </p:tavLst>
+                                    </p:anim>
+                                    <p:anim calcmode="lin" valueType="num">
+                                      <p:cBhvr additive="base">
+                                        <p:cTn id="74" dur="500" fill="hold"/>
+                                        <p:tgtEl>
+                                          <p:spTgt spid="19"/>
+                                        </p:tgtEl>
+                                        <p:attrNameLst>
+                                          <p:attrName>ppt_y</p:attrName>
+                                        </p:attrNameLst>
+                                      </p:cBhvr>
+                                      <p:tavLst>
+                                        <p:tav tm="0">
+                                          <p:val>
+                                            <p:strVal val="0-#ppt_h/2"/>
+                                          </p:val>
+                                        </p:tav>
+                                        <p:tav tm="100000">
+                                          <p:val>
+                                            <p:strVal val="#ppt_y"/>
+                                          </p:val>
+                                        </p:tav>
+                                      </p:tavLst>
+                                    </p:anim>
+                                  </p:childTnLst>
+                                </p:cTn>
+                              </p:par>
+                            </p:childTnLst>
+                          </p:cTn>
+                        </p:par>
+                      </p:childTnLst>
+                    </p:cTn>
+                  </p:par>
+                  <p:par>
+                    <p:cTn id="75" fill="hold">
+                      <p:stCondLst>
+                        <p:cond delay="indefinite"/>
+                      </p:stCondLst>
+                      <p:childTnLst>
+                        <p:par>
+                          <p:cTn id="76" fill="hold">
+                            <p:stCondLst>
+                              <p:cond delay="0"/>
+                            </p:stCondLst>
+                            <p:childTnLst>
+                              <p:par>
+                                <p:cTn id="77" presetID="2" presetClass="entr" presetSubtype="1" fill="hold" grpId="0" nodeType="clickEffect">
+                                  <p:stCondLst>
+                                    <p:cond delay="0"/>
+                                  </p:stCondLst>
+                                  <p:childTnLst>
+                                    <p:set>
+                                      <p:cBhvr>
+                                        <p:cTn id="78" dur="1" fill="hold">
+                                          <p:stCondLst>
+                                            <p:cond delay="0"/>
+                                          </p:stCondLst>
+                                        </p:cTn>
+                                        <p:tgtEl>
+                                          <p:spTgt spid="36"/>
+                                        </p:tgtEl>
+                                        <p:attrNameLst>
+                                          <p:attrName>style.visibility</p:attrName>
+                                        </p:attrNameLst>
+                                      </p:cBhvr>
+                                      <p:to>
+                                        <p:strVal val="visible"/>
+                                      </p:to>
+                                    </p:set>
+                                    <p:anim calcmode="lin" valueType="num">
+                                      <p:cBhvr additive="base">
+                                        <p:cTn id="79" dur="500" fill="hold"/>
+                                        <p:tgtEl>
+                                          <p:spTgt spid="36"/>
+                                        </p:tgtEl>
+                                        <p:attrNameLst>
+                                          <p:attrName>ppt_x</p:attrName>
+                                        </p:attrNameLst>
+                                      </p:cBhvr>
+                                      <p:tavLst>
+                                        <p:tav tm="0">
+                                          <p:val>
+                                            <p:strVal val="#ppt_x"/>
+                                          </p:val>
+                                        </p:tav>
+                                        <p:tav tm="100000">
+                                          <p:val>
+                                            <p:strVal val="#ppt_x"/>
+                                          </p:val>
+                                        </p:tav>
+                                      </p:tavLst>
+                                    </p:anim>
+                                    <p:anim calcmode="lin" valueType="num">
+                                      <p:cBhvr additive="base">
+                                        <p:cTn id="80" dur="500" fill="hold"/>
+                                        <p:tgtEl>
+                                          <p:spTgt spid="36"/>
+                                        </p:tgtEl>
+                                        <p:attrNameLst>
+                                          <p:attrName>ppt_y</p:attrName>
+                                        </p:attrNameLst>
+                                      </p:cBhvr>
+                                      <p:tavLst>
+                                        <p:tav tm="0">
+                                          <p:val>
+                                            <p:strVal val="0-#ppt_h/2"/>
+                                          </p:val>
+                                        </p:tav>
+                                        <p:tav tm="100000">
+                                          <p:val>
+                                            <p:strVal val="#ppt_y"/>
+                                          </p:val>
+                                        </p:tav>
+                                      </p:tavLst>
+                                    </p:anim>
+                                  </p:childTnLst>
+                                </p:cTn>
+                              </p:par>
+                            </p:childTnLst>
+                          </p:cTn>
+                        </p:par>
+                      </p:childTnLst>
+                    </p:cTn>
+                  </p:par>
+                  <p:par>
+                    <p:cTn id="81" fill="hold">
+                      <p:stCondLst>
+                        <p:cond delay="indefinite"/>
+                      </p:stCondLst>
+                      <p:childTnLst>
+                        <p:par>
+                          <p:cTn id="82" fill="hold">
+                            <p:stCondLst>
+                              <p:cond delay="0"/>
+                            </p:stCondLst>
+                            <p:childTnLst>
+                              <p:par>
+                                <p:cTn id="83" presetID="2" presetClass="entr" presetSubtype="1" fill="hold" grpId="0" nodeType="clickEffect">
+                                  <p:stCondLst>
+                                    <p:cond delay="0"/>
+                                  </p:stCondLst>
+                                  <p:childTnLst>
+                                    <p:set>
+                                      <p:cBhvr>
+                                        <p:cTn id="84" dur="1" fill="hold">
+                                          <p:stCondLst>
+                                            <p:cond delay="0"/>
+                                          </p:stCondLst>
+                                        </p:cTn>
+                                        <p:tgtEl>
+                                          <p:spTgt spid="37"/>
+                                        </p:tgtEl>
+                                        <p:attrNameLst>
+                                          <p:attrName>style.visibility</p:attrName>
+                                        </p:attrNameLst>
+                                      </p:cBhvr>
+                                      <p:to>
+                                        <p:strVal val="visible"/>
+                                      </p:to>
+                                    </p:set>
+                                    <p:anim calcmode="lin" valueType="num">
+                                      <p:cBhvr additive="base">
+                                        <p:cTn id="85" dur="500" fill="hold"/>
+                                        <p:tgtEl>
+                                          <p:spTgt spid="37"/>
+                                        </p:tgtEl>
+                                        <p:attrNameLst>
+                                          <p:attrName>ppt_x</p:attrName>
+                                        </p:attrNameLst>
+                                      </p:cBhvr>
+                                      <p:tavLst>
+                                        <p:tav tm="0">
+                                          <p:val>
+                                            <p:strVal val="#ppt_x"/>
+                                          </p:val>
+                                        </p:tav>
+                                        <p:tav tm="100000">
+                                          <p:val>
+                                            <p:strVal val="#ppt_x"/>
+                                          </p:val>
+                                        </p:tav>
+                                      </p:tavLst>
+                                    </p:anim>
+                                    <p:anim calcmode="lin" valueType="num">
+                                      <p:cBhvr additive="base">
+                                        <p:cTn id="86" dur="500" fill="hold"/>
+                                        <p:tgtEl>
+                                          <p:spTgt spid="37"/>
+                                        </p:tgtEl>
+                                        <p:attrNameLst>
+                                          <p:attrName>ppt_y</p:attrName>
+                                        </p:attrNameLst>
+                                      </p:cBhvr>
+                                      <p:tavLst>
+                                        <p:tav tm="0">
+                                          <p:val>
+                                            <p:strVal val="0-#ppt_h/2"/>
+                                          </p:val>
+                                        </p:tav>
+                                        <p:tav tm="100000">
+                                          <p:val>
+                                            <p:strVal val="#ppt_y"/>
+                                          </p:val>
+                                        </p:tav>
+                                      </p:tavLst>
+                                    </p:anim>
+                                  </p:childTnLst>
+                                </p:cTn>
+                              </p:par>
+                            </p:childTnLst>
+                          </p:cTn>
+                        </p:par>
+                      </p:childTnLst>
+                    </p:cTn>
+                  </p:par>
+                  <p:par>
+                    <p:cTn id="87" fill="hold">
+                      <p:stCondLst>
+                        <p:cond delay="indefinite"/>
+                      </p:stCondLst>
+                      <p:childTnLst>
+                        <p:par>
+                          <p:cTn id="88" fill="hold">
+                            <p:stCondLst>
+                              <p:cond delay="0"/>
+                            </p:stCondLst>
+                            <p:childTnLst>
+                              <p:par>
+                                <p:cTn id="89" presetID="2" presetClass="entr" presetSubtype="1" fill="hold" grpId="0" nodeType="clickEffect">
+                                  <p:stCondLst>
+                                    <p:cond delay="0"/>
+                                  </p:stCondLst>
+                                  <p:childTnLst>
+                                    <p:set>
+                                      <p:cBhvr>
+                                        <p:cTn id="90" dur="1" fill="hold">
+                                          <p:stCondLst>
+                                            <p:cond delay="0"/>
+                                          </p:stCondLst>
+                                        </p:cTn>
+                                        <p:tgtEl>
+                                          <p:spTgt spid="38"/>
+                                        </p:tgtEl>
+                                        <p:attrNameLst>
+                                          <p:attrName>style.visibility</p:attrName>
+                                        </p:attrNameLst>
+                                      </p:cBhvr>
+                                      <p:to>
+                                        <p:strVal val="visible"/>
+                                      </p:to>
+                                    </p:set>
+                                    <p:anim calcmode="lin" valueType="num">
+                                      <p:cBhvr additive="base">
+                                        <p:cTn id="91" dur="500" fill="hold"/>
+                                        <p:tgtEl>
+                                          <p:spTgt spid="38"/>
+                                        </p:tgtEl>
+                                        <p:attrNameLst>
+                                          <p:attrName>ppt_x</p:attrName>
+                                        </p:attrNameLst>
+                                      </p:cBhvr>
+                                      <p:tavLst>
+                                        <p:tav tm="0">
+                                          <p:val>
+                                            <p:strVal val="#ppt_x"/>
+                                          </p:val>
+                                        </p:tav>
+                                        <p:tav tm="100000">
+                                          <p:val>
+                                            <p:strVal val="#ppt_x"/>
+                                          </p:val>
+                                        </p:tav>
+                                      </p:tavLst>
+                                    </p:anim>
+                                    <p:anim calcmode="lin" valueType="num">
+                                      <p:cBhvr additive="base">
+                                        <p:cTn id="92" dur="500" fill="hold"/>
+                                        <p:tgtEl>
+                                          <p:spTgt spid="38"/>
+                                        </p:tgtEl>
+                                        <p:attrNameLst>
+                                          <p:attrName>ppt_y</p:attrName>
+                                        </p:attrNameLst>
+                                      </p:cBhvr>
+                                      <p:tavLst>
+                                        <p:tav tm="0">
+                                          <p:val>
+                                            <p:strVal val="0-#ppt_h/2"/>
+                                          </p:val>
+                                        </p:tav>
+                                        <p:tav tm="100000">
+                                          <p:val>
+                                            <p:strVal val="#ppt_y"/>
+                                          </p:val>
+                                        </p:tav>
+                                      </p:tavLst>
+                                    </p:anim>
+                                  </p:childTnLst>
+                                </p:cTn>
+                              </p:par>
+                            </p:childTnLst>
+                          </p:cTn>
+                        </p:par>
+                      </p:childTnLst>
+                    </p:cTn>
+                  </p:par>
+                  <p:par>
+                    <p:cTn id="93" fill="hold">
+                      <p:stCondLst>
+                        <p:cond delay="indefinite"/>
+                      </p:stCondLst>
+                      <p:childTnLst>
+                        <p:par>
+                          <p:cTn id="94" fill="hold">
+                            <p:stCondLst>
+                              <p:cond delay="0"/>
+                            </p:stCondLst>
+                            <p:childTnLst>
+                              <p:par>
+                                <p:cTn id="95" presetID="2" presetClass="entr" presetSubtype="1" fill="hold" grpId="0" nodeType="clickEffect">
+                                  <p:stCondLst>
+                                    <p:cond delay="0"/>
+                                  </p:stCondLst>
+                                  <p:childTnLst>
+                                    <p:set>
+                                      <p:cBhvr>
+                                        <p:cTn id="96" dur="1" fill="hold">
+                                          <p:stCondLst>
+                                            <p:cond delay="0"/>
+                                          </p:stCondLst>
+                                        </p:cTn>
+                                        <p:tgtEl>
+                                          <p:spTgt spid="39"/>
+                                        </p:tgtEl>
+                                        <p:attrNameLst>
+                                          <p:attrName>style.visibility</p:attrName>
+                                        </p:attrNameLst>
+                                      </p:cBhvr>
+                                      <p:to>
+                                        <p:strVal val="visible"/>
+                                      </p:to>
+                                    </p:set>
+                                    <p:anim calcmode="lin" valueType="num">
+                                      <p:cBhvr additive="base">
+                                        <p:cTn id="97" dur="500" fill="hold"/>
+                                        <p:tgtEl>
+                                          <p:spTgt spid="39"/>
+                                        </p:tgtEl>
+                                        <p:attrNameLst>
+                                          <p:attrName>ppt_x</p:attrName>
+                                        </p:attrNameLst>
+                                      </p:cBhvr>
+                                      <p:tavLst>
+                                        <p:tav tm="0">
+                                          <p:val>
+                                            <p:strVal val="#ppt_x"/>
+                                          </p:val>
+                                        </p:tav>
+                                        <p:tav tm="100000">
+                                          <p:val>
+                                            <p:strVal val="#ppt_x"/>
+                                          </p:val>
+                                        </p:tav>
+                                      </p:tavLst>
+                                    </p:anim>
+                                    <p:anim calcmode="lin" valueType="num">
+                                      <p:cBhvr additive="base">
+                                        <p:cTn id="98" dur="500" fill="hold"/>
+                                        <p:tgtEl>
+                                          <p:spTgt spid="39"/>
+                                        </p:tgtEl>
+                                        <p:attrNameLst>
+                                          <p:attrName>ppt_y</p:attrName>
+                                        </p:attrNameLst>
+                                      </p:cBhvr>
+                                      <p:tavLst>
+                                        <p:tav tm="0">
+                                          <p:val>
+                                            <p:strVal val="0-#ppt_h/2"/>
+                                          </p:val>
+                                        </p:tav>
+                                        <p:tav tm="100000">
+                                          <p:val>
+                                            <p:strVal val="#ppt_y"/>
+                                          </p:val>
+                                        </p:tav>
+                                      </p:tavLst>
+                                    </p:anim>
+                                  </p:childTnLst>
+                                </p:cTn>
+                              </p:par>
+                            </p:childTnLst>
+                          </p:cTn>
+                        </p:par>
+                      </p:childTnLst>
+                    </p:cTn>
+                  </p:par>
+                  <p:par>
+                    <p:cTn id="99" fill="hold">
+                      <p:stCondLst>
+                        <p:cond delay="indefinite"/>
+                      </p:stCondLst>
+                      <p:childTnLst>
+                        <p:par>
+                          <p:cTn id="100" fill="hold">
+                            <p:stCondLst>
+                              <p:cond delay="0"/>
+                            </p:stCondLst>
+                            <p:childTnLst>
+                              <p:par>
+                                <p:cTn id="101" presetID="2" presetClass="entr" presetSubtype="1" fill="hold" grpId="0" nodeType="clickEffect">
+                                  <p:stCondLst>
+                                    <p:cond delay="0"/>
+                                  </p:stCondLst>
+                                  <p:childTnLst>
+                                    <p:set>
+                                      <p:cBhvr>
+                                        <p:cTn id="102" dur="1" fill="hold">
+                                          <p:stCondLst>
+                                            <p:cond delay="0"/>
+                                          </p:stCondLst>
+                                        </p:cTn>
+                                        <p:tgtEl>
+                                          <p:spTgt spid="40"/>
+                                        </p:tgtEl>
+                                        <p:attrNameLst>
+                                          <p:attrName>style.visibility</p:attrName>
+                                        </p:attrNameLst>
+                                      </p:cBhvr>
+                                      <p:to>
+                                        <p:strVal val="visible"/>
+                                      </p:to>
+                                    </p:set>
+                                    <p:anim calcmode="lin" valueType="num">
+                                      <p:cBhvr additive="base">
+                                        <p:cTn id="103" dur="500" fill="hold"/>
+                                        <p:tgtEl>
+                                          <p:spTgt spid="40"/>
+                                        </p:tgtEl>
+                                        <p:attrNameLst>
+                                          <p:attrName>ppt_x</p:attrName>
+                                        </p:attrNameLst>
+                                      </p:cBhvr>
+                                      <p:tavLst>
+                                        <p:tav tm="0">
+                                          <p:val>
+                                            <p:strVal val="#ppt_x"/>
+                                          </p:val>
+                                        </p:tav>
+                                        <p:tav tm="100000">
+                                          <p:val>
+                                            <p:strVal val="#ppt_x"/>
+                                          </p:val>
+                                        </p:tav>
+                                      </p:tavLst>
+                                    </p:anim>
+                                    <p:anim calcmode="lin" valueType="num">
+                                      <p:cBhvr additive="base">
+                                        <p:cTn id="104" dur="500" fill="hold"/>
+                                        <p:tgtEl>
+                                          <p:spTgt spid="40"/>
+                                        </p:tgtEl>
+                                        <p:attrNameLst>
+                                          <p:attrName>ppt_y</p:attrName>
+                                        </p:attrNameLst>
+                                      </p:cBhvr>
+                                      <p:tavLst>
+                                        <p:tav tm="0">
+                                          <p:val>
+                                            <p:strVal val="0-#ppt_h/2"/>
+                                          </p:val>
+                                        </p:tav>
+                                        <p:tav tm="100000">
+                                          <p:val>
+                                            <p:strVal val="#ppt_y"/>
+                                          </p:val>
+                                        </p:tav>
+                                      </p:tavLst>
+                                    </p:anim>
+                                  </p:childTnLst>
+                                </p:cTn>
+                              </p:par>
+                            </p:childTnLst>
+                          </p:cTn>
+                        </p:par>
+                      </p:childTnLst>
+                    </p:cTn>
+                  </p:par>
+                  <p:par>
+                    <p:cTn id="105" fill="hold">
+                      <p:stCondLst>
+                        <p:cond delay="indefinite"/>
+                      </p:stCondLst>
+                      <p:childTnLst>
+                        <p:par>
+                          <p:cTn id="106" fill="hold">
+                            <p:stCondLst>
+                              <p:cond delay="0"/>
+                            </p:stCondLst>
+                            <p:childTnLst>
+                              <p:par>
+                                <p:cTn id="107" presetID="2" presetClass="entr" presetSubtype="4" fill="hold" grpId="0" nodeType="clickEffect">
+                                  <p:stCondLst>
+                                    <p:cond delay="0"/>
+                                  </p:stCondLst>
+                                  <p:childTnLst>
+                                    <p:set>
+                                      <p:cBhvr>
+                                        <p:cTn id="108" dur="1" fill="hold">
+                                          <p:stCondLst>
+                                            <p:cond delay="0"/>
+                                          </p:stCondLst>
+                                        </p:cTn>
+                                        <p:tgtEl>
+                                          <p:spTgt spid="8"/>
+                                        </p:tgtEl>
+                                        <p:attrNameLst>
+                                          <p:attrName>style.visibility</p:attrName>
+                                        </p:attrNameLst>
+                                      </p:cBhvr>
+                                      <p:to>
+                                        <p:strVal val="visible"/>
+                                      </p:to>
+                                    </p:set>
+                                    <p:anim calcmode="lin" valueType="num">
+                                      <p:cBhvr additive="base">
+                                        <p:cTn id="109" dur="500" fill="hold"/>
+                                        <p:tgtEl>
+                                          <p:spTgt spid="8"/>
+                                        </p:tgtEl>
+                                        <p:attrNameLst>
+                                          <p:attrName>ppt_x</p:attrName>
+                                        </p:attrNameLst>
+                                      </p:cBhvr>
+                                      <p:tavLst>
+                                        <p:tav tm="0">
+                                          <p:val>
+                                            <p:strVal val="#ppt_x"/>
+                                          </p:val>
+                                        </p:tav>
+                                        <p:tav tm="100000">
+                                          <p:val>
+                                            <p:strVal val="#ppt_x"/>
+                                          </p:val>
+                                        </p:tav>
+                                      </p:tavLst>
+                                    </p:anim>
+                                    <p:anim calcmode="lin" valueType="num">
+                                      <p:cBhvr additive="base">
+                                        <p:cTn id="110" dur="500" fill="hold"/>
+                                        <p:tgtEl>
+                                          <p:spTgt spid="8"/>
+                                        </p:tgtEl>
+                                        <p:attrNameLst>
+                                          <p:attrName>ppt_y</p:attrName>
+                                        </p:attrNameLst>
+                                      </p:cBhvr>
+                                      <p:tavLst>
+                                        <p:tav tm="0">
+                                          <p:val>
+                                            <p:strVal val="1+#ppt_h/2"/>
+                                          </p:val>
+                                        </p:tav>
+                                        <p:tav tm="100000">
+                                          <p:val>
+                                            <p:strVal val="#ppt_y"/>
+                                          </p:val>
+                                        </p:tav>
+                                      </p:tavLst>
+                                    </p:anim>
+                                  </p:childTnLst>
+                                </p:cTn>
+                              </p:par>
+                            </p:childTnLst>
+                          </p:cTn>
+                        </p:par>
+                      </p:childTnLst>
+                    </p:cTn>
+                  </p:par>
+                  <p:par>
+                    <p:cTn id="111" fill="hold">
+                      <p:stCondLst>
+                        <p:cond delay="indefinite"/>
+                      </p:stCondLst>
+                      <p:childTnLst>
+                        <p:par>
+                          <p:cTn id="112" fill="hold">
+                            <p:stCondLst>
+                              <p:cond delay="0"/>
+                            </p:stCondLst>
+                            <p:childTnLst>
+                              <p:par>
+                                <p:cTn id="113" presetID="2" presetClass="entr" presetSubtype="4" fill="hold" grpId="0" nodeType="clickEffect">
+                                  <p:stCondLst>
+                                    <p:cond delay="0"/>
+                                  </p:stCondLst>
+                                  <p:childTnLst>
+                                    <p:set>
+                                      <p:cBhvr>
+                                        <p:cTn id="114" dur="1" fill="hold">
+                                          <p:stCondLst>
+                                            <p:cond delay="0"/>
+                                          </p:stCondLst>
+                                        </p:cTn>
+                                        <p:tgtEl>
+                                          <p:spTgt spid="9"/>
+                                        </p:tgtEl>
+                                        <p:attrNameLst>
+                                          <p:attrName>style.visibility</p:attrName>
+                                        </p:attrNameLst>
+                                      </p:cBhvr>
+                                      <p:to>
+                                        <p:strVal val="visible"/>
+                                      </p:to>
+                                    </p:set>
+                                    <p:anim calcmode="lin" valueType="num">
+                                      <p:cBhvr additive="base">
+                                        <p:cTn id="115" dur="500" fill="hold"/>
+                                        <p:tgtEl>
+                                          <p:spTgt spid="9"/>
+                                        </p:tgtEl>
+                                        <p:attrNameLst>
+                                          <p:attrName>ppt_x</p:attrName>
+                                        </p:attrNameLst>
+                                      </p:cBhvr>
+                                      <p:tavLst>
+                                        <p:tav tm="0">
+                                          <p:val>
+                                            <p:strVal val="#ppt_x"/>
+                                          </p:val>
+                                        </p:tav>
+                                        <p:tav tm="100000">
+                                          <p:val>
+                                            <p:strVal val="#ppt_x"/>
+                                          </p:val>
+                                        </p:tav>
+                                      </p:tavLst>
+                                    </p:anim>
+                                    <p:anim calcmode="lin" valueType="num">
+                                      <p:cBhvr additive="base">
+                                        <p:cTn id="116" dur="500" fill="hold"/>
+                                        <p:tgtEl>
+                                          <p:spTgt spid="9"/>
+                                        </p:tgtEl>
+                                        <p:attrNameLst>
+                                          <p:attrName>ppt_y</p:attrName>
+                                        </p:attrNameLst>
+                                      </p:cBhvr>
+                                      <p:tavLst>
+                                        <p:tav tm="0">
+                                          <p:val>
+                                            <p:strVal val="1+#ppt_h/2"/>
+                                          </p:val>
+                                        </p:tav>
+                                        <p:tav tm="100000">
+                                          <p:val>
+                                            <p:strVal val="#ppt_y"/>
+                                          </p:val>
+                                        </p:tav>
+                                      </p:tavLst>
+                                    </p:anim>
+                                  </p:childTnLst>
+                                </p:cTn>
+                              </p:par>
+                            </p:childTnLst>
+                          </p:cTn>
+                        </p:par>
+                      </p:childTnLst>
+                    </p:cTn>
+                  </p:par>
+                  <p:par>
+                    <p:cTn id="117" fill="hold">
+                      <p:stCondLst>
+                        <p:cond delay="indefinite"/>
+                      </p:stCondLst>
+                      <p:childTnLst>
+                        <p:par>
+                          <p:cTn id="118" fill="hold">
+                            <p:stCondLst>
+                              <p:cond delay="0"/>
+                            </p:stCondLst>
+                            <p:childTnLst>
+                              <p:par>
+                                <p:cTn id="119" presetID="2" presetClass="entr" presetSubtype="4" fill="hold" grpId="0" nodeType="clickEffect">
+                                  <p:stCondLst>
+                                    <p:cond delay="0"/>
+                                  </p:stCondLst>
+                                  <p:childTnLst>
+                                    <p:set>
+                                      <p:cBhvr>
+                                        <p:cTn id="120" dur="1" fill="hold">
+                                          <p:stCondLst>
+                                            <p:cond delay="0"/>
+                                          </p:stCondLst>
+                                        </p:cTn>
+                                        <p:tgtEl>
+                                          <p:spTgt spid="10"/>
+                                        </p:tgtEl>
+                                        <p:attrNameLst>
+                                          <p:attrName>style.visibility</p:attrName>
+                                        </p:attrNameLst>
+                                      </p:cBhvr>
+                                      <p:to>
+                                        <p:strVal val="visible"/>
+                                      </p:to>
+                                    </p:set>
+                                    <p:anim calcmode="lin" valueType="num">
+                                      <p:cBhvr additive="base">
+                                        <p:cTn id="121" dur="500" fill="hold"/>
+                                        <p:tgtEl>
+                                          <p:spTgt spid="10"/>
+                                        </p:tgtEl>
+                                        <p:attrNameLst>
+                                          <p:attrName>ppt_x</p:attrName>
+                                        </p:attrNameLst>
+                                      </p:cBhvr>
+                                      <p:tavLst>
+                                        <p:tav tm="0">
+                                          <p:val>
+                                            <p:strVal val="#ppt_x"/>
+                                          </p:val>
+                                        </p:tav>
+                                        <p:tav tm="100000">
+                                          <p:val>
+                                            <p:strVal val="#ppt_x"/>
+                                          </p:val>
+                                        </p:tav>
+                                      </p:tavLst>
+                                    </p:anim>
+                                    <p:anim calcmode="lin" valueType="num">
+                                      <p:cBhvr additive="base">
+                                        <p:cTn id="122" dur="500" fill="hold"/>
+                                        <p:tgtEl>
+                                          <p:spTgt spid="10"/>
+                                        </p:tgtEl>
+                                        <p:attrNameLst>
+                                          <p:attrName>ppt_y</p:attrName>
+                                        </p:attrNameLst>
+                                      </p:cBhvr>
+                                      <p:tavLst>
+                                        <p:tav tm="0">
+                                          <p:val>
+                                            <p:strVal val="1+#ppt_h/2"/>
+                                          </p:val>
+                                        </p:tav>
+                                        <p:tav tm="100000">
+                                          <p:val>
+                                            <p:strVal val="#ppt_y"/>
+                                          </p:val>
+                                        </p:tav>
+                                      </p:tavLst>
+                                    </p:anim>
+                                  </p:childTnLst>
+                                </p:cTn>
+                              </p:par>
+                            </p:childTnLst>
+                          </p:cTn>
+                        </p:par>
+                      </p:childTnLst>
+                    </p:cTn>
+                  </p:par>
+                  <p:par>
+                    <p:cTn id="123" fill="hold">
+                      <p:stCondLst>
+                        <p:cond delay="indefinite"/>
+                      </p:stCondLst>
+                      <p:childTnLst>
+                        <p:par>
+                          <p:cTn id="124" fill="hold">
+                            <p:stCondLst>
+                              <p:cond delay="0"/>
+                            </p:stCondLst>
+                            <p:childTnLst>
+                              <p:par>
+                                <p:cTn id="125" presetID="2" presetClass="entr" presetSubtype="4" fill="hold" grpId="0" nodeType="clickEffect">
+                                  <p:stCondLst>
+                                    <p:cond delay="0"/>
+                                  </p:stCondLst>
+                                  <p:childTnLst>
+                                    <p:set>
+                                      <p:cBhvr>
+                                        <p:cTn id="126" dur="1" fill="hold">
+                                          <p:stCondLst>
+                                            <p:cond delay="0"/>
+                                          </p:stCondLst>
+                                        </p:cTn>
+                                        <p:tgtEl>
+                                          <p:spTgt spid="12"/>
+                                        </p:tgtEl>
+                                        <p:attrNameLst>
+                                          <p:attrName>style.visibility</p:attrName>
+                                        </p:attrNameLst>
+                                      </p:cBhvr>
+                                      <p:to>
+                                        <p:strVal val="visible"/>
+                                      </p:to>
+                                    </p:set>
+                                    <p:anim calcmode="lin" valueType="num">
+                                      <p:cBhvr additive="base">
+                                        <p:cTn id="127" dur="500" fill="hold"/>
+                                        <p:tgtEl>
+                                          <p:spTgt spid="12"/>
+                                        </p:tgtEl>
+                                        <p:attrNameLst>
+                                          <p:attrName>ppt_x</p:attrName>
+                                        </p:attrNameLst>
+                                      </p:cBhvr>
+                                      <p:tavLst>
+                                        <p:tav tm="0">
+                                          <p:val>
+                                            <p:strVal val="#ppt_x"/>
+                                          </p:val>
+                                        </p:tav>
+                                        <p:tav tm="100000">
+                                          <p:val>
+                                            <p:strVal val="#ppt_x"/>
+                                          </p:val>
+                                        </p:tav>
+                                      </p:tavLst>
+                                    </p:anim>
+                                    <p:anim calcmode="lin" valueType="num">
+                                      <p:cBhvr additive="base">
+                                        <p:cTn id="128" dur="500" fill="hold"/>
+                                        <p:tgtEl>
+                                          <p:spTgt spid="12"/>
+                                        </p:tgtEl>
+                                        <p:attrNameLst>
+                                          <p:attrName>ppt_y</p:attrName>
+                                        </p:attrNameLst>
+                                      </p:cBhvr>
+                                      <p:tavLst>
+                                        <p:tav tm="0">
+                                          <p:val>
+                                            <p:strVal val="1+#ppt_h/2"/>
+                                          </p:val>
+                                        </p:tav>
+                                        <p:tav tm="100000">
+                                          <p:val>
+                                            <p:strVal val="#ppt_y"/>
+                                          </p:val>
+                                        </p:tav>
+                                      </p:tavLst>
+                                    </p:anim>
+                                  </p:childTnLst>
+                                </p:cTn>
+                              </p:par>
+                            </p:childTnLst>
+                          </p:cTn>
+                        </p:par>
+                      </p:childTnLst>
+                    </p:cTn>
+                  </p:par>
+                  <p:par>
+                    <p:cTn id="129" fill="hold">
+                      <p:stCondLst>
+                        <p:cond delay="indefinite"/>
+                      </p:stCondLst>
+                      <p:childTnLst>
+                        <p:par>
+                          <p:cTn id="130" fill="hold">
+                            <p:stCondLst>
+                              <p:cond delay="0"/>
+                            </p:stCondLst>
+                            <p:childTnLst>
+                              <p:par>
+                                <p:cTn id="131" presetID="2" presetClass="entr" presetSubtype="4" fill="hold" nodeType="clickEffect">
+                                  <p:stCondLst>
+                                    <p:cond delay="0"/>
+                                  </p:stCondLst>
+                                  <p:childTnLst>
+                                    <p:set>
+                                      <p:cBhvr>
+                                        <p:cTn id="132" dur="1" fill="hold">
+                                          <p:stCondLst>
+                                            <p:cond delay="0"/>
+                                          </p:stCondLst>
+                                        </p:cTn>
+                                        <p:tgtEl>
+                                          <p:spTgt spid="21"/>
+                                        </p:tgtEl>
+                                        <p:attrNameLst>
+                                          <p:attrName>style.visibility</p:attrName>
+                                        </p:attrNameLst>
+                                      </p:cBhvr>
+                                      <p:to>
+                                        <p:strVal val="visible"/>
+                                      </p:to>
+                                    </p:set>
+                                    <p:anim calcmode="lin" valueType="num">
+                                      <p:cBhvr additive="base">
+                                        <p:cTn id="133" dur="500" fill="hold"/>
+                                        <p:tgtEl>
+                                          <p:spTgt spid="21"/>
+                                        </p:tgtEl>
+                                        <p:attrNameLst>
+                                          <p:attrName>ppt_x</p:attrName>
+                                        </p:attrNameLst>
+                                      </p:cBhvr>
+                                      <p:tavLst>
+                                        <p:tav tm="0">
+                                          <p:val>
+                                            <p:strVal val="#ppt_x"/>
+                                          </p:val>
+                                        </p:tav>
+                                        <p:tav tm="100000">
+                                          <p:val>
+                                            <p:strVal val="#ppt_x"/>
+                                          </p:val>
+                                        </p:tav>
+                                      </p:tavLst>
+                                    </p:anim>
+                                    <p:anim calcmode="lin" valueType="num">
+                                      <p:cBhvr additive="base">
+                                        <p:cTn id="134" dur="500" fill="hold"/>
+                                        <p:tgtEl>
+                                          <p:spTgt spid="21"/>
+                                        </p:tgtEl>
+                                        <p:attrNameLst>
+                                          <p:attrName>ppt_y</p:attrName>
+                                        </p:attrNameLst>
+                                      </p:cBhvr>
+                                      <p:tavLst>
+                                        <p:tav tm="0">
+                                          <p:val>
+                                            <p:strVal val="1+#ppt_h/2"/>
+                                          </p:val>
+                                        </p:tav>
+                                        <p:tav tm="100000">
+                                          <p:val>
+                                            <p:strVal val="#ppt_y"/>
+                                          </p:val>
+                                        </p:tav>
+                                      </p:tavLst>
+                                    </p:anim>
+                                  </p:childTnLst>
+                                </p:cTn>
+                              </p:par>
+                            </p:childTnLst>
+                          </p:cTn>
+                        </p:par>
+                      </p:childTnLst>
+                    </p:cTn>
+                  </p:par>
+                  <p:par>
+                    <p:cTn id="135" fill="hold">
+                      <p:stCondLst>
+                        <p:cond delay="indefinite"/>
+                      </p:stCondLst>
+                      <p:childTnLst>
+                        <p:par>
+                          <p:cTn id="136" fill="hold">
+                            <p:stCondLst>
+                              <p:cond delay="0"/>
+                            </p:stCondLst>
+                            <p:childTnLst>
+                              <p:par>
+                                <p:cTn id="137" presetID="2" presetClass="entr" presetSubtype="4" fill="hold" nodeType="clickEffect">
+                                  <p:stCondLst>
+                                    <p:cond delay="0"/>
+                                  </p:stCondLst>
+                                  <p:childTnLst>
+                                    <p:set>
+                                      <p:cBhvr>
+                                        <p:cTn id="138" dur="1" fill="hold">
+                                          <p:stCondLst>
+                                            <p:cond delay="0"/>
+                                          </p:stCondLst>
+                                        </p:cTn>
+                                        <p:tgtEl>
+                                          <p:spTgt spid="22"/>
+                                        </p:tgtEl>
+                                        <p:attrNameLst>
+                                          <p:attrName>style.visibility</p:attrName>
+                                        </p:attrNameLst>
+                                      </p:cBhvr>
+                                      <p:to>
+                                        <p:strVal val="visible"/>
+                                      </p:to>
+                                    </p:set>
+                                    <p:anim calcmode="lin" valueType="num">
+                                      <p:cBhvr additive="base">
+                                        <p:cTn id="139" dur="500" fill="hold"/>
+                                        <p:tgtEl>
+                                          <p:spTgt spid="22"/>
+                                        </p:tgtEl>
+                                        <p:attrNameLst>
+                                          <p:attrName>ppt_x</p:attrName>
+                                        </p:attrNameLst>
+                                      </p:cBhvr>
+                                      <p:tavLst>
+                                        <p:tav tm="0">
+                                          <p:val>
+                                            <p:strVal val="#ppt_x"/>
+                                          </p:val>
+                                        </p:tav>
+                                        <p:tav tm="100000">
+                                          <p:val>
+                                            <p:strVal val="#ppt_x"/>
+                                          </p:val>
+                                        </p:tav>
+                                      </p:tavLst>
+                                    </p:anim>
+                                    <p:anim calcmode="lin" valueType="num">
+                                      <p:cBhvr additive="base">
+                                        <p:cTn id="140" dur="500" fill="hold"/>
+                                        <p:tgtEl>
+                                          <p:spTgt spid="22"/>
+                                        </p:tgtEl>
+                                        <p:attrNameLst>
+                                          <p:attrName>ppt_y</p:attrName>
+                                        </p:attrNameLst>
+                                      </p:cBhvr>
+                                      <p:tavLst>
+                                        <p:tav tm="0">
+                                          <p:val>
+                                            <p:strVal val="1+#ppt_h/2"/>
+                                          </p:val>
+                                        </p:tav>
+                                        <p:tav tm="100000">
+                                          <p:val>
+                                            <p:strVal val="#ppt_y"/>
+                                          </p:val>
+                                        </p:tav>
+                                      </p:tavLst>
+                                    </p:anim>
+                                  </p:childTnLst>
+                                </p:cTn>
+                              </p:par>
+                            </p:childTnLst>
+                          </p:cTn>
+                        </p:par>
+                      </p:childTnLst>
+                    </p:cTn>
+                  </p:par>
+                  <p:par>
+                    <p:cTn id="141" fill="hold">
+                      <p:stCondLst>
+                        <p:cond delay="indefinite"/>
+                      </p:stCondLst>
+                      <p:childTnLst>
+                        <p:par>
+                          <p:cTn id="142" fill="hold">
+                            <p:stCondLst>
+                              <p:cond delay="0"/>
+                            </p:stCondLst>
+                            <p:childTnLst>
+                              <p:par>
+                                <p:cTn id="143" presetID="2" presetClass="entr" presetSubtype="4" fill="hold" nodeType="clickEffect">
+                                  <p:stCondLst>
+                                    <p:cond delay="0"/>
+                                  </p:stCondLst>
+                                  <p:childTnLst>
+                                    <p:set>
+                                      <p:cBhvr>
+                                        <p:cTn id="144" dur="1" fill="hold">
+                                          <p:stCondLst>
+                                            <p:cond delay="0"/>
+                                          </p:stCondLst>
+                                        </p:cTn>
+                                        <p:tgtEl>
+                                          <p:spTgt spid="23"/>
+                                        </p:tgtEl>
+                                        <p:attrNameLst>
+                                          <p:attrName>style.visibility</p:attrName>
+                                        </p:attrNameLst>
+                                      </p:cBhvr>
+                                      <p:to>
+                                        <p:strVal val="visible"/>
+                                      </p:to>
+                                    </p:set>
+                                    <p:anim calcmode="lin" valueType="num">
+                                      <p:cBhvr additive="base">
+                                        <p:cTn id="145" dur="500" fill="hold"/>
+                                        <p:tgtEl>
+                                          <p:spTgt spid="23"/>
+                                        </p:tgtEl>
+                                        <p:attrNameLst>
+                                          <p:attrName>ppt_x</p:attrName>
+                                        </p:attrNameLst>
+                                      </p:cBhvr>
+                                      <p:tavLst>
+                                        <p:tav tm="0">
+                                          <p:val>
+                                            <p:strVal val="#ppt_x"/>
+                                          </p:val>
+                                        </p:tav>
+                                        <p:tav tm="100000">
+                                          <p:val>
+                                            <p:strVal val="#ppt_x"/>
+                                          </p:val>
+                                        </p:tav>
+                                      </p:tavLst>
+                                    </p:anim>
+                                    <p:anim calcmode="lin" valueType="num">
+                                      <p:cBhvr additive="base">
+                                        <p:cTn id="146" dur="500" fill="hold"/>
+                                        <p:tgtEl>
+                                          <p:spTgt spid="23"/>
+                                        </p:tgtEl>
+                                        <p:attrNameLst>
+                                          <p:attrName>ppt_y</p:attrName>
+                                        </p:attrNameLst>
+                                      </p:cBhvr>
+                                      <p:tavLst>
+                                        <p:tav tm="0">
+                                          <p:val>
+                                            <p:strVal val="1+#ppt_h/2"/>
+                                          </p:val>
+                                        </p:tav>
+                                        <p:tav tm="100000">
+                                          <p:val>
+                                            <p:strVal val="#ppt_y"/>
+                                          </p:val>
+                                        </p:tav>
+                                      </p:tavLst>
+                                    </p:anim>
+                                  </p:childTnLst>
+                                </p:cTn>
+                              </p:par>
+                            </p:childTnLst>
+                          </p:cTn>
+                        </p:par>
+                      </p:childTnLst>
+                    </p:cTn>
+                  </p:par>
+                  <p:par>
+                    <p:cTn id="147" fill="hold">
+                      <p:stCondLst>
+                        <p:cond delay="indefinite"/>
+                      </p:stCondLst>
+                      <p:childTnLst>
+                        <p:par>
+                          <p:cTn id="148" fill="hold">
+                            <p:stCondLst>
+                              <p:cond delay="0"/>
+                            </p:stCondLst>
+                            <p:childTnLst>
+                              <p:par>
+                                <p:cTn id="149" presetID="2" presetClass="entr" presetSubtype="4" fill="hold" nodeType="clickEffect">
+                                  <p:stCondLst>
+                                    <p:cond delay="0"/>
+                                  </p:stCondLst>
+                                  <p:childTnLst>
+                                    <p:set>
+                                      <p:cBhvr>
+                                        <p:cTn id="150" dur="1" fill="hold">
+                                          <p:stCondLst>
+                                            <p:cond delay="0"/>
+                                          </p:stCondLst>
+                                        </p:cTn>
+                                        <p:tgtEl>
+                                          <p:spTgt spid="24"/>
+                                        </p:tgtEl>
+                                        <p:attrNameLst>
+                                          <p:attrName>style.visibility</p:attrName>
+                                        </p:attrNameLst>
+                                      </p:cBhvr>
+                                      <p:to>
+                                        <p:strVal val="visible"/>
+                                      </p:to>
+                                    </p:set>
+                                    <p:anim calcmode="lin" valueType="num">
+                                      <p:cBhvr additive="base">
+                                        <p:cTn id="151" dur="500" fill="hold"/>
+                                        <p:tgtEl>
+                                          <p:spTgt spid="24"/>
+                                        </p:tgtEl>
+                                        <p:attrNameLst>
+                                          <p:attrName>ppt_x</p:attrName>
+                                        </p:attrNameLst>
+                                      </p:cBhvr>
+                                      <p:tavLst>
+                                        <p:tav tm="0">
+                                          <p:val>
+                                            <p:strVal val="#ppt_x"/>
+                                          </p:val>
+                                        </p:tav>
+                                        <p:tav tm="100000">
+                                          <p:val>
+                                            <p:strVal val="#ppt_x"/>
+                                          </p:val>
+                                        </p:tav>
+                                      </p:tavLst>
+                                    </p:anim>
+                                    <p:anim calcmode="lin" valueType="num">
+                                      <p:cBhvr additive="base">
+                                        <p:cTn id="152" dur="500" fill="hold"/>
+                                        <p:tgtEl>
+                                          <p:spTgt spid="24"/>
+                                        </p:tgtEl>
+                                        <p:attrNameLst>
+                                          <p:attrName>ppt_y</p:attrName>
+                                        </p:attrNameLst>
+                                      </p:cBhvr>
+                                      <p:tavLst>
+                                        <p:tav tm="0">
+                                          <p:val>
+                                            <p:strVal val="1+#ppt_h/2"/>
+                                          </p:val>
+                                        </p:tav>
+                                        <p:tav tm="100000">
+                                          <p:val>
+                                            <p:strVal val="#ppt_y"/>
+                                          </p:val>
+                                        </p:tav>
+                                      </p:tavLst>
+                                    </p:anim>
+                                  </p:childTnLst>
+                                </p:cTn>
+                              </p:par>
+                            </p:childTnLst>
+                          </p:cTn>
+                        </p:par>
+                      </p:childTnLst>
+                    </p:cTn>
+                  </p:par>
+                  <p:par>
+                    <p:cTn id="153" fill="hold">
+                      <p:stCondLst>
+                        <p:cond delay="indefinite"/>
+                      </p:stCondLst>
+                      <p:childTnLst>
+                        <p:par>
+                          <p:cTn id="154" fill="hold">
+                            <p:stCondLst>
+                              <p:cond delay="0"/>
+                            </p:stCondLst>
+                            <p:childTnLst>
+                              <p:par>
+                                <p:cTn id="155" presetID="2" presetClass="entr" presetSubtype="4" fill="hold" grpId="0" nodeType="clickEffect">
+                                  <p:stCondLst>
+                                    <p:cond delay="0"/>
+                                  </p:stCondLst>
+                                  <p:childTnLst>
+                                    <p:set>
+                                      <p:cBhvr>
+                                        <p:cTn id="156" dur="1" fill="hold">
+                                          <p:stCondLst>
+                                            <p:cond delay="0"/>
+                                          </p:stCondLst>
+                                        </p:cTn>
+                                        <p:tgtEl>
+                                          <p:spTgt spid="27"/>
+                                        </p:tgtEl>
+                                        <p:attrNameLst>
+                                          <p:attrName>style.visibility</p:attrName>
+                                        </p:attrNameLst>
+                                      </p:cBhvr>
+                                      <p:to>
+                                        <p:strVal val="visible"/>
+                                      </p:to>
+                                    </p:set>
+                                    <p:anim calcmode="lin" valueType="num">
+                                      <p:cBhvr additive="base">
+                                        <p:cTn id="157" dur="500" fill="hold"/>
+                                        <p:tgtEl>
+                                          <p:spTgt spid="27"/>
+                                        </p:tgtEl>
+                                        <p:attrNameLst>
+                                          <p:attrName>ppt_x</p:attrName>
+                                        </p:attrNameLst>
+                                      </p:cBhvr>
+                                      <p:tavLst>
+                                        <p:tav tm="0">
+                                          <p:val>
+                                            <p:strVal val="#ppt_x"/>
+                                          </p:val>
+                                        </p:tav>
+                                        <p:tav tm="100000">
+                                          <p:val>
+                                            <p:strVal val="#ppt_x"/>
+                                          </p:val>
+                                        </p:tav>
+                                      </p:tavLst>
+                                    </p:anim>
+                                    <p:anim calcmode="lin" valueType="num">
+                                      <p:cBhvr additive="base">
+                                        <p:cTn id="158" dur="500" fill="hold"/>
+                                        <p:tgtEl>
+                                          <p:spTgt spid="27"/>
+                                        </p:tgtEl>
+                                        <p:attrNameLst>
+                                          <p:attrName>ppt_y</p:attrName>
+                                        </p:attrNameLst>
+                                      </p:cBhvr>
+                                      <p:tavLst>
+                                        <p:tav tm="0">
+                                          <p:val>
+                                            <p:strVal val="1+#ppt_h/2"/>
+                                          </p:val>
+                                        </p:tav>
+                                        <p:tav tm="100000">
+                                          <p:val>
+                                            <p:strVal val="#ppt_y"/>
+                                          </p:val>
+                                        </p:tav>
+                                      </p:tavLst>
+                                    </p:anim>
+                                  </p:childTnLst>
+                                </p:cTn>
+                              </p:par>
+                            </p:childTnLst>
+                          </p:cTn>
+                        </p:par>
+                      </p:childTnLst>
+                    </p:cTn>
+                  </p:par>
+                  <p:par>
+                    <p:cTn id="159" fill="hold">
+                      <p:stCondLst>
+                        <p:cond delay="indefinite"/>
+                      </p:stCondLst>
+                      <p:childTnLst>
+                        <p:par>
+                          <p:cTn id="160" fill="hold">
+                            <p:stCondLst>
+                              <p:cond delay="0"/>
+                            </p:stCondLst>
+                            <p:childTnLst>
+                              <p:par>
+                                <p:cTn id="161" presetID="2" presetClass="entr" presetSubtype="4" fill="hold" nodeType="clickEffect">
+                                  <p:stCondLst>
+                                    <p:cond delay="0"/>
+                                  </p:stCondLst>
+                                  <p:childTnLst>
+                                    <p:set>
+                                      <p:cBhvr>
+                                        <p:cTn id="162" dur="1" fill="hold">
+                                          <p:stCondLst>
+                                            <p:cond delay="0"/>
+                                          </p:stCondLst>
+                                        </p:cTn>
+                                        <p:tgtEl>
+                                          <p:spTgt spid="28"/>
+                                        </p:tgtEl>
+                                        <p:attrNameLst>
+                                          <p:attrName>style.visibility</p:attrName>
+                                        </p:attrNameLst>
+                                      </p:cBhvr>
+                                      <p:to>
+                                        <p:strVal val="visible"/>
+                                      </p:to>
+                                    </p:set>
+                                    <p:anim calcmode="lin" valueType="num">
+                                      <p:cBhvr additive="base">
+                                        <p:cTn id="163" dur="500" fill="hold"/>
+                                        <p:tgtEl>
+                                          <p:spTgt spid="28"/>
+                                        </p:tgtEl>
+                                        <p:attrNameLst>
+                                          <p:attrName>ppt_x</p:attrName>
+                                        </p:attrNameLst>
+                                      </p:cBhvr>
+                                      <p:tavLst>
+                                        <p:tav tm="0">
+                                          <p:val>
+                                            <p:strVal val="#ppt_x"/>
+                                          </p:val>
+                                        </p:tav>
+                                        <p:tav tm="100000">
+                                          <p:val>
+                                            <p:strVal val="#ppt_x"/>
+                                          </p:val>
+                                        </p:tav>
+                                      </p:tavLst>
+                                    </p:anim>
+                                    <p:anim calcmode="lin" valueType="num">
+                                      <p:cBhvr additive="base">
+                                        <p:cTn id="164" dur="500" fill="hold"/>
+                                        <p:tgtEl>
+                                          <p:spTgt spid="28"/>
+                                        </p:tgtEl>
+                                        <p:attrNameLst>
+                                          <p:attrName>ppt_y</p:attrName>
+                                        </p:attrNameLst>
+                                      </p:cBhvr>
+                                      <p:tavLst>
+                                        <p:tav tm="0">
+                                          <p:val>
+                                            <p:strVal val="1+#ppt_h/2"/>
+                                          </p:val>
+                                        </p:tav>
+                                        <p:tav tm="100000">
+                                          <p:val>
+                                            <p:strVal val="#ppt_y"/>
+                                          </p:val>
+                                        </p:tav>
+                                      </p:tavLst>
+                                    </p:anim>
+                                  </p:childTnLst>
+                                </p:cTn>
+                              </p:par>
+                            </p:childTnLst>
+                          </p:cTn>
+                        </p:par>
+                      </p:childTnLst>
+                    </p:cTn>
+                  </p:par>
+                  <p:par>
+                    <p:cTn id="165" fill="hold">
+                      <p:stCondLst>
+                        <p:cond delay="indefinite"/>
+                      </p:stCondLst>
+                      <p:childTnLst>
+                        <p:par>
+                          <p:cTn id="166" fill="hold">
+                            <p:stCondLst>
+                              <p:cond delay="0"/>
+                            </p:stCondLst>
+                            <p:childTnLst>
+                              <p:par>
+                                <p:cTn id="167" presetID="2" presetClass="entr" presetSubtype="4" fill="hold" grpId="0" nodeType="clickEffect">
+                                  <p:stCondLst>
+                                    <p:cond delay="0"/>
+                                  </p:stCondLst>
+                                  <p:childTnLst>
+                                    <p:set>
+                                      <p:cBhvr>
+                                        <p:cTn id="168" dur="1" fill="hold">
+                                          <p:stCondLst>
+                                            <p:cond delay="0"/>
+                                          </p:stCondLst>
+                                        </p:cTn>
+                                        <p:tgtEl>
+                                          <p:spTgt spid="30"/>
+                                        </p:tgtEl>
+                                        <p:attrNameLst>
+                                          <p:attrName>style.visibility</p:attrName>
+                                        </p:attrNameLst>
+                                      </p:cBhvr>
+                                      <p:to>
+                                        <p:strVal val="visible"/>
+                                      </p:to>
+                                    </p:set>
+                                    <p:anim calcmode="lin" valueType="num">
+                                      <p:cBhvr additive="base">
+                                        <p:cTn id="169" dur="500" fill="hold"/>
+                                        <p:tgtEl>
+                                          <p:spTgt spid="30"/>
+                                        </p:tgtEl>
+                                        <p:attrNameLst>
+                                          <p:attrName>ppt_x</p:attrName>
+                                        </p:attrNameLst>
+                                      </p:cBhvr>
+                                      <p:tavLst>
+                                        <p:tav tm="0">
+                                          <p:val>
+                                            <p:strVal val="#ppt_x"/>
+                                          </p:val>
+                                        </p:tav>
+                                        <p:tav tm="100000">
+                                          <p:val>
+                                            <p:strVal val="#ppt_x"/>
+                                          </p:val>
+                                        </p:tav>
+                                      </p:tavLst>
+                                    </p:anim>
+                                    <p:anim calcmode="lin" valueType="num">
+                                      <p:cBhvr additive="base">
+                                        <p:cTn id="170" dur="500" fill="hold"/>
+                                        <p:tgtEl>
+                                          <p:spTgt spid="30"/>
+                                        </p:tgtEl>
+                                        <p:attrNameLst>
+                                          <p:attrName>ppt_y</p:attrName>
+                                        </p:attrNameLst>
+                                      </p:cBhvr>
+                                      <p:tavLst>
+                                        <p:tav tm="0">
+                                          <p:val>
+                                            <p:strVal val="1+#ppt_h/2"/>
+                                          </p:val>
+                                        </p:tav>
+                                        <p:tav tm="100000">
+                                          <p:val>
+                                            <p:strVal val="#ppt_y"/>
+                                          </p:val>
+                                        </p:tav>
+                                      </p:tavLst>
+                                    </p:anim>
+                                  </p:childTnLst>
+                                </p:cTn>
+                              </p:par>
+                            </p:childTnLst>
+                          </p:cTn>
+                        </p:par>
+                      </p:childTnLst>
+                    </p:cTn>
+                  </p:par>
+                  <p:par>
+                    <p:cTn id="171" fill="hold">
+                      <p:stCondLst>
+                        <p:cond delay="indefinite"/>
+                      </p:stCondLst>
+                      <p:childTnLst>
+                        <p:par>
+                          <p:cTn id="172" fill="hold">
+                            <p:stCondLst>
+                              <p:cond delay="0"/>
+                            </p:stCondLst>
+                            <p:childTnLst>
+                              <p:par>
+                                <p:cTn id="173" presetID="2" presetClass="entr" presetSubtype="4" fill="hold" grpId="0" nodeType="clickEffect">
+                                  <p:stCondLst>
+                                    <p:cond delay="0"/>
+                                  </p:stCondLst>
+                                  <p:childTnLst>
+                                    <p:set>
+                                      <p:cBhvr>
+                                        <p:cTn id="174" dur="1" fill="hold">
+                                          <p:stCondLst>
+                                            <p:cond delay="0"/>
+                                          </p:stCondLst>
+                                        </p:cTn>
+                                        <p:tgtEl>
+                                          <p:spTgt spid="32"/>
+                                        </p:tgtEl>
+                                        <p:attrNameLst>
+                                          <p:attrName>style.visibility</p:attrName>
+                                        </p:attrNameLst>
+                                      </p:cBhvr>
+                                      <p:to>
+                                        <p:strVal val="visible"/>
+                                      </p:to>
+                                    </p:set>
+                                    <p:anim calcmode="lin" valueType="num">
+                                      <p:cBhvr additive="base">
+                                        <p:cTn id="175" dur="500" fill="hold"/>
+                                        <p:tgtEl>
+                                          <p:spTgt spid="32"/>
+                                        </p:tgtEl>
+                                        <p:attrNameLst>
+                                          <p:attrName>ppt_x</p:attrName>
+                                        </p:attrNameLst>
+                                      </p:cBhvr>
+                                      <p:tavLst>
+                                        <p:tav tm="0">
+                                          <p:val>
+                                            <p:strVal val="#ppt_x"/>
+                                          </p:val>
+                                        </p:tav>
+                                        <p:tav tm="100000">
+                                          <p:val>
+                                            <p:strVal val="#ppt_x"/>
+                                          </p:val>
+                                        </p:tav>
+                                      </p:tavLst>
+                                    </p:anim>
+                                    <p:anim calcmode="lin" valueType="num">
+                                      <p:cBhvr additive="base">
+                                        <p:cTn id="176" dur="500" fill="hold"/>
+                                        <p:tgtEl>
+                                          <p:spTgt spid="32"/>
+                                        </p:tgtEl>
+                                        <p:attrNameLst>
+                                          <p:attrName>ppt_y</p:attrName>
+                                        </p:attrNameLst>
+                                      </p:cBhvr>
+                                      <p:tavLst>
+                                        <p:tav tm="0">
+                                          <p:val>
+                                            <p:strVal val="1+#ppt_h/2"/>
+                                          </p:val>
+                                        </p:tav>
+                                        <p:tav tm="100000">
+                                          <p:val>
+                                            <p:strVal val="#ppt_y"/>
+                                          </p:val>
+                                        </p:tav>
+                                      </p:tavLst>
+                                    </p:anim>
+                                  </p:childTnLst>
+                                </p:cTn>
+                              </p:par>
+                            </p:childTnLst>
+                          </p:cTn>
+                        </p:par>
+                      </p:childTnLst>
+                    </p:cTn>
+                  </p:par>
+                  <p:par>
+                    <p:cTn id="177" fill="hold">
+                      <p:stCondLst>
+                        <p:cond delay="indefinite"/>
+                      </p:stCondLst>
+                      <p:childTnLst>
+                        <p:par>
+                          <p:cTn id="178" fill="hold">
+                            <p:stCondLst>
+                              <p:cond delay="0"/>
+                            </p:stCondLst>
+                            <p:childTnLst>
+                              <p:par>
+                                <p:cTn id="179" presetID="2" presetClass="entr" presetSubtype="4" fill="hold" nodeType="clickEffect">
+                                  <p:stCondLst>
+                                    <p:cond delay="0"/>
+                                  </p:stCondLst>
+                                  <p:childTnLst>
+                                    <p:set>
+                                      <p:cBhvr>
+                                        <p:cTn id="180" dur="1" fill="hold">
+                                          <p:stCondLst>
+                                            <p:cond delay="0"/>
+                                          </p:stCondLst>
+                                        </p:cTn>
+                                        <p:tgtEl>
+                                          <p:spTgt spid="33"/>
+                                        </p:tgtEl>
+                                        <p:attrNameLst>
+                                          <p:attrName>style.visibility</p:attrName>
+                                        </p:attrNameLst>
+                                      </p:cBhvr>
+                                      <p:to>
+                                        <p:strVal val="visible"/>
+                                      </p:to>
+                                    </p:set>
+                                    <p:anim calcmode="lin" valueType="num">
+                                      <p:cBhvr additive="base">
+                                        <p:cTn id="181" dur="500" fill="hold"/>
+                                        <p:tgtEl>
+                                          <p:spTgt spid="33"/>
+                                        </p:tgtEl>
+                                        <p:attrNameLst>
+                                          <p:attrName>ppt_x</p:attrName>
+                                        </p:attrNameLst>
+                                      </p:cBhvr>
+                                      <p:tavLst>
+                                        <p:tav tm="0">
+                                          <p:val>
+                                            <p:strVal val="#ppt_x"/>
+                                          </p:val>
+                                        </p:tav>
+                                        <p:tav tm="100000">
+                                          <p:val>
+                                            <p:strVal val="#ppt_x"/>
+                                          </p:val>
+                                        </p:tav>
+                                      </p:tavLst>
+                                    </p:anim>
+                                    <p:anim calcmode="lin" valueType="num">
+                                      <p:cBhvr additive="base">
+                                        <p:cTn id="182" dur="500" fill="hold"/>
+                                        <p:tgtEl>
+                                          <p:spTgt spid="33"/>
+                                        </p:tgtEl>
+                                        <p:attrNameLst>
+                                          <p:attrName>ppt_y</p:attrName>
+                                        </p:attrNameLst>
+                                      </p:cBhvr>
+                                      <p:tavLst>
+                                        <p:tav tm="0">
+                                          <p:val>
+                                            <p:strVal val="1+#ppt_h/2"/>
+                                          </p:val>
+                                        </p:tav>
+                                        <p:tav tm="100000">
+                                          <p:val>
+                                            <p:strVal val="#ppt_y"/>
+                                          </p:val>
+                                        </p:tav>
+                                      </p:tavLst>
+                                    </p:anim>
+                                  </p:childTnLst>
+                                </p:cTn>
+                              </p:par>
+                            </p:childTnLst>
+                          </p:cTn>
+                        </p:par>
+                      </p:childTnLst>
+                    </p:cTn>
+                  </p:par>
+                  <p:par>
+                    <p:cTn id="183" fill="hold">
+                      <p:stCondLst>
+                        <p:cond delay="indefinite"/>
+                      </p:stCondLst>
+                      <p:childTnLst>
+                        <p:par>
+                          <p:cTn id="184" fill="hold">
+                            <p:stCondLst>
+                              <p:cond delay="0"/>
+                            </p:stCondLst>
+                            <p:childTnLst>
+                              <p:par>
+                                <p:cTn id="185" presetID="2" presetClass="entr" presetSubtype="4" fill="hold" nodeType="clickEffect">
+                                  <p:stCondLst>
+                                    <p:cond delay="0"/>
+                                  </p:stCondLst>
+                                  <p:childTnLst>
+                                    <p:set>
+                                      <p:cBhvr>
+                                        <p:cTn id="186" dur="1" fill="hold">
+                                          <p:stCondLst>
+                                            <p:cond delay="0"/>
+                                          </p:stCondLst>
+                                        </p:cTn>
+                                        <p:tgtEl>
+                                          <p:spTgt spid="35"/>
+                                        </p:tgtEl>
+                                        <p:attrNameLst>
+                                          <p:attrName>style.visibility</p:attrName>
+                                        </p:attrNameLst>
+                                      </p:cBhvr>
+                                      <p:to>
+                                        <p:strVal val="visible"/>
+                                      </p:to>
+                                    </p:set>
+                                    <p:anim calcmode="lin" valueType="num">
+                                      <p:cBhvr additive="base">
+                                        <p:cTn id="187" dur="500" fill="hold"/>
+                                        <p:tgtEl>
+                                          <p:spTgt spid="35"/>
+                                        </p:tgtEl>
+                                        <p:attrNameLst>
+                                          <p:attrName>ppt_x</p:attrName>
+                                        </p:attrNameLst>
+                                      </p:cBhvr>
+                                      <p:tavLst>
+                                        <p:tav tm="0">
+                                          <p:val>
+                                            <p:strVal val="#ppt_x"/>
+                                          </p:val>
+                                        </p:tav>
+                                        <p:tav tm="100000">
+                                          <p:val>
+                                            <p:strVal val="#ppt_x"/>
+                                          </p:val>
+                                        </p:tav>
+                                      </p:tavLst>
+                                    </p:anim>
+                                    <p:anim calcmode="lin" valueType="num">
+                                      <p:cBhvr additive="base">
+                                        <p:cTn id="188" dur="500" fill="hold"/>
+                                        <p:tgtEl>
+                                          <p:spTgt spid="35"/>
+                                        </p:tgtEl>
+                                        <p:attrNameLst>
+                                          <p:attrName>ppt_y</p:attrName>
+                                        </p:attrNameLst>
+                                      </p:cBhvr>
+                                      <p:tavLst>
+                                        <p:tav tm="0">
+                                          <p:val>
+                                            <p:strVal val="1+#ppt_h/2"/>
+                                          </p:val>
+                                        </p:tav>
+                                        <p:tav tm="100000">
+                                          <p:val>
+                                            <p:strVal val="#ppt_y"/>
+                                          </p:val>
+                                        </p:tav>
+                                      </p:tavLst>
+                                    </p:anim>
+                                  </p:childTnLst>
+                                </p:cTn>
+                              </p:par>
+                            </p:childTnLst>
+                          </p:cTn>
+                        </p:par>
+                      </p:childTnLst>
+                    </p:cTn>
+                  </p:par>
+                  <p:par>
+                    <p:cTn id="189" fill="hold">
+                      <p:stCondLst>
+                        <p:cond delay="indefinite"/>
+                      </p:stCondLst>
+                      <p:childTnLst>
+                        <p:par>
+                          <p:cTn id="190" fill="hold">
+                            <p:stCondLst>
+                              <p:cond delay="0"/>
+                            </p:stCondLst>
+                            <p:childTnLst>
+                              <p:par>
+                                <p:cTn id="191" presetID="2" presetClass="entr" presetSubtype="4" fill="hold" grpId="0" nodeType="clickEffect">
+                                  <p:stCondLst>
+                                    <p:cond delay="0"/>
+                                  </p:stCondLst>
+                                  <p:childTnLst>
+                                    <p:set>
+                                      <p:cBhvr>
+                                        <p:cTn id="192" dur="1" fill="hold">
+                                          <p:stCondLst>
+                                            <p:cond delay="0"/>
+                                          </p:stCondLst>
+                                        </p:cTn>
+                                        <p:tgtEl>
+                                          <p:spTgt spid="43"/>
+                                        </p:tgtEl>
+                                        <p:attrNameLst>
+                                          <p:attrName>style.visibility</p:attrName>
+                                        </p:attrNameLst>
+                                      </p:cBhvr>
+                                      <p:to>
+                                        <p:strVal val="visible"/>
+                                      </p:to>
+                                    </p:set>
+                                    <p:anim calcmode="lin" valueType="num">
+                                      <p:cBhvr additive="base">
+                                        <p:cTn id="193" dur="500" fill="hold"/>
+                                        <p:tgtEl>
+                                          <p:spTgt spid="43"/>
+                                        </p:tgtEl>
+                                        <p:attrNameLst>
+                                          <p:attrName>ppt_x</p:attrName>
+                                        </p:attrNameLst>
+                                      </p:cBhvr>
+                                      <p:tavLst>
+                                        <p:tav tm="0">
+                                          <p:val>
+                                            <p:strVal val="#ppt_x"/>
+                                          </p:val>
+                                        </p:tav>
+                                        <p:tav tm="100000">
+                                          <p:val>
+                                            <p:strVal val="#ppt_x"/>
+                                          </p:val>
+                                        </p:tav>
+                                      </p:tavLst>
+                                    </p:anim>
+                                    <p:anim calcmode="lin" valueType="num">
+                                      <p:cBhvr additive="base">
+                                        <p:cTn id="194" dur="500" fill="hold"/>
+                                        <p:tgtEl>
+                                          <p:spTgt spid="43"/>
+                                        </p:tgtEl>
+                                        <p:attrNameLst>
+                                          <p:attrName>ppt_y</p:attrName>
+                                        </p:attrNameLst>
+                                      </p:cBhvr>
+                                      <p:tavLst>
+                                        <p:tav tm="0">
+                                          <p:val>
+                                            <p:strVal val="1+#ppt_h/2"/>
+                                          </p:val>
+                                        </p:tav>
+                                        <p:tav tm="100000">
+                                          <p:val>
+                                            <p:strVal val="#ppt_y"/>
+                                          </p:val>
+                                        </p:tav>
+                                      </p:tavLst>
+                                    </p:anim>
+                                  </p:childTnLst>
+                                </p:cTn>
+                              </p:par>
+                            </p:childTnLst>
+                          </p:cTn>
+                        </p:par>
+                      </p:childTnLst>
+                    </p:cTn>
+                  </p:par>
+                  <p:par>
+                    <p:cTn id="195" fill="hold">
+                      <p:stCondLst>
+                        <p:cond delay="indefinite"/>
+                      </p:stCondLst>
+                      <p:childTnLst>
+                        <p:par>
+                          <p:cTn id="196" fill="hold">
+                            <p:stCondLst>
+                              <p:cond delay="0"/>
+                            </p:stCondLst>
+                            <p:childTnLst>
+                              <p:par>
+                                <p:cTn id="197" presetID="2" presetClass="entr" presetSubtype="4" fill="hold" grpId="0" nodeType="clickEffect">
+                                  <p:stCondLst>
+                                    <p:cond delay="0"/>
+                                  </p:stCondLst>
+                                  <p:childTnLst>
+                                    <p:set>
+                                      <p:cBhvr>
+                                        <p:cTn id="198" dur="1" fill="hold">
+                                          <p:stCondLst>
+                                            <p:cond delay="0"/>
+                                          </p:stCondLst>
+                                        </p:cTn>
+                                        <p:tgtEl>
+                                          <p:spTgt spid="45"/>
+                                        </p:tgtEl>
+                                        <p:attrNameLst>
+                                          <p:attrName>style.visibility</p:attrName>
+                                        </p:attrNameLst>
+                                      </p:cBhvr>
+                                      <p:to>
+                                        <p:strVal val="visible"/>
+                                      </p:to>
+                                    </p:set>
+                                    <p:anim calcmode="lin" valueType="num">
+                                      <p:cBhvr additive="base">
+                                        <p:cTn id="199" dur="500" fill="hold"/>
+                                        <p:tgtEl>
+                                          <p:spTgt spid="45"/>
+                                        </p:tgtEl>
+                                        <p:attrNameLst>
+                                          <p:attrName>ppt_x</p:attrName>
+                                        </p:attrNameLst>
+                                      </p:cBhvr>
+                                      <p:tavLst>
+                                        <p:tav tm="0">
+                                          <p:val>
+                                            <p:strVal val="#ppt_x"/>
+                                          </p:val>
+                                        </p:tav>
+                                        <p:tav tm="100000">
+                                          <p:val>
+                                            <p:strVal val="#ppt_x"/>
+                                          </p:val>
+                                        </p:tav>
+                                      </p:tavLst>
+                                    </p:anim>
+                                    <p:anim calcmode="lin" valueType="num">
+                                      <p:cBhvr additive="base">
+                                        <p:cTn id="200" dur="500" fill="hold"/>
+                                        <p:tgtEl>
+                                          <p:spTgt spid="45"/>
+                                        </p:tgtEl>
+                                        <p:attrNameLst>
+                                          <p:attrName>ppt_y</p:attrName>
+                                        </p:attrNameLst>
+                                      </p:cBhvr>
+                                      <p:tavLst>
+                                        <p:tav tm="0">
+                                          <p:val>
+                                            <p:strVal val="1+#ppt_h/2"/>
+                                          </p:val>
+                                        </p:tav>
+                                        <p:tav tm="100000">
+                                          <p:val>
+                                            <p:strVal val="#ppt_y"/>
+                                          </p:val>
+                                        </p:tav>
+                                      </p:tavLst>
+                                    </p:anim>
+                                  </p:childTnLst>
+                                </p:cTn>
+                              </p:par>
+                            </p:childTnLst>
+                          </p:cTn>
+                        </p:par>
+                      </p:childTnLst>
+                    </p:cTn>
+                  </p:par>
+                  <p:par>
+                    <p:cTn id="201" fill="hold">
+                      <p:stCondLst>
+                        <p:cond delay="indefinite"/>
+                      </p:stCondLst>
+                      <p:childTnLst>
+                        <p:par>
+                          <p:cTn id="202" fill="hold">
+                            <p:stCondLst>
+                              <p:cond delay="0"/>
+                            </p:stCondLst>
+                            <p:childTnLst>
+                              <p:par>
+                                <p:cTn id="203" presetID="2" presetClass="entr" presetSubtype="4" fill="hold" grpId="0" nodeType="clickEffect">
+                                  <p:stCondLst>
+                                    <p:cond delay="0"/>
+                                  </p:stCondLst>
+                                  <p:childTnLst>
+                                    <p:set>
+                                      <p:cBhvr>
+                                        <p:cTn id="204" dur="1" fill="hold">
+                                          <p:stCondLst>
+                                            <p:cond delay="0"/>
+                                          </p:stCondLst>
+                                        </p:cTn>
+                                        <p:tgtEl>
+                                          <p:spTgt spid="46"/>
+                                        </p:tgtEl>
+                                        <p:attrNameLst>
+                                          <p:attrName>style.visibility</p:attrName>
+                                        </p:attrNameLst>
+                                      </p:cBhvr>
+                                      <p:to>
+                                        <p:strVal val="visible"/>
+                                      </p:to>
+                                    </p:set>
+                                    <p:anim calcmode="lin" valueType="num">
+                                      <p:cBhvr additive="base">
+                                        <p:cTn id="205" dur="500" fill="hold"/>
+                                        <p:tgtEl>
+                                          <p:spTgt spid="46"/>
+                                        </p:tgtEl>
+                                        <p:attrNameLst>
+                                          <p:attrName>ppt_x</p:attrName>
+                                        </p:attrNameLst>
+                                      </p:cBhvr>
+                                      <p:tavLst>
+                                        <p:tav tm="0">
+                                          <p:val>
+                                            <p:strVal val="#ppt_x"/>
+                                          </p:val>
+                                        </p:tav>
+                                        <p:tav tm="100000">
+                                          <p:val>
+                                            <p:strVal val="#ppt_x"/>
+                                          </p:val>
+                                        </p:tav>
+                                      </p:tavLst>
+                                    </p:anim>
+                                    <p:anim calcmode="lin" valueType="num">
+                                      <p:cBhvr additive="base">
+                                        <p:cTn id="206" dur="500" fill="hold"/>
+                                        <p:tgtEl>
+                                          <p:spTgt spid="46"/>
+                                        </p:tgtEl>
+                                        <p:attrNameLst>
+                                          <p:attrName>ppt_y</p:attrName>
+                                        </p:attrNameLst>
+                                      </p:cBhvr>
+                                      <p:tavLst>
+                                        <p:tav tm="0">
+                                          <p:val>
+                                            <p:strVal val="1+#ppt_h/2"/>
+                                          </p:val>
+                                        </p:tav>
+                                        <p:tav tm="100000">
+                                          <p:val>
+                                            <p:strVal val="#ppt_y"/>
+                                          </p:val>
+                                        </p:tav>
+                                      </p:tavLst>
+                                    </p:anim>
+                                  </p:childTnLst>
+                                </p:cTn>
+                              </p:par>
+                            </p:childTnLst>
+                          </p:cTn>
+                        </p:par>
+                      </p:childTnLst>
+                    </p:cTn>
+                  </p:par>
+                  <p:par>
+                    <p:cTn id="207" fill="hold">
+                      <p:stCondLst>
+                        <p:cond delay="indefinite"/>
+                      </p:stCondLst>
+                      <p:childTnLst>
+                        <p:par>
+                          <p:cTn id="208" fill="hold">
+                            <p:stCondLst>
+                              <p:cond delay="0"/>
+                            </p:stCondLst>
+                            <p:childTnLst>
+                              <p:par>
+                                <p:cTn id="209" presetID="2" presetClass="entr" presetSubtype="4" fill="hold" grpId="0" nodeType="clickEffect">
+                                  <p:stCondLst>
+                                    <p:cond delay="0"/>
+                                  </p:stCondLst>
+                                  <p:childTnLst>
+                                    <p:set>
+                                      <p:cBhvr>
+                                        <p:cTn id="210" dur="1" fill="hold">
+                                          <p:stCondLst>
+                                            <p:cond delay="0"/>
+                                          </p:stCondLst>
+                                        </p:cTn>
+                                        <p:tgtEl>
+                                          <p:spTgt spid="47"/>
+                                        </p:tgtEl>
+                                        <p:attrNameLst>
+                                          <p:attrName>style.visibility</p:attrName>
+                                        </p:attrNameLst>
+                                      </p:cBhvr>
+                                      <p:to>
+                                        <p:strVal val="visible"/>
+                                      </p:to>
+                                    </p:set>
+                                    <p:anim calcmode="lin" valueType="num">
+                                      <p:cBhvr additive="base">
+                                        <p:cTn id="211" dur="500" fill="hold"/>
+                                        <p:tgtEl>
+                                          <p:spTgt spid="47"/>
+                                        </p:tgtEl>
+                                        <p:attrNameLst>
+                                          <p:attrName>ppt_x</p:attrName>
+                                        </p:attrNameLst>
+                                      </p:cBhvr>
+                                      <p:tavLst>
+                                        <p:tav tm="0">
+                                          <p:val>
+                                            <p:strVal val="#ppt_x"/>
+                                          </p:val>
+                                        </p:tav>
+                                        <p:tav tm="100000">
+                                          <p:val>
+                                            <p:strVal val="#ppt_x"/>
+                                          </p:val>
+                                        </p:tav>
+                                      </p:tavLst>
+                                    </p:anim>
+                                    <p:anim calcmode="lin" valueType="num">
+                                      <p:cBhvr additive="base">
+                                        <p:cTn id="212" dur="500" fill="hold"/>
+                                        <p:tgtEl>
+                                          <p:spTgt spid="47"/>
+                                        </p:tgtEl>
+                                        <p:attrNameLst>
+                                          <p:attrName>ppt_y</p:attrName>
+                                        </p:attrNameLst>
+                                      </p:cBhvr>
+                                      <p:tavLst>
+                                        <p:tav tm="0">
+                                          <p:val>
+                                            <p:strVal val="1+#ppt_h/2"/>
+                                          </p:val>
+                                        </p:tav>
+                                        <p:tav tm="100000">
+                                          <p:val>
+                                            <p:strVal val="#ppt_y"/>
+                                          </p:val>
+                                        </p:tav>
+                                      </p:tavLst>
+                                    </p:anim>
+                                  </p:childTnLst>
+                                </p:cTn>
+                              </p:par>
+                            </p:childTnLst>
+                          </p:cTn>
+                        </p:par>
+                      </p:childTnLst>
+                    </p:cTn>
+                  </p:par>
+                  <p:par>
+                    <p:cTn id="213" fill="hold">
+                      <p:stCondLst>
+                        <p:cond delay="indefinite"/>
+                      </p:stCondLst>
+                      <p:childTnLst>
+                        <p:par>
+                          <p:cTn id="214" fill="hold">
+                            <p:stCondLst>
+                              <p:cond delay="0"/>
+                            </p:stCondLst>
+                            <p:childTnLst>
+                              <p:par>
+                                <p:cTn id="215" presetID="2" presetClass="entr" presetSubtype="4" fill="hold" grpId="0" nodeType="clickEffect">
+                                  <p:stCondLst>
+                                    <p:cond delay="0"/>
+                                  </p:stCondLst>
+                                  <p:childTnLst>
+                                    <p:set>
+                                      <p:cBhvr>
+                                        <p:cTn id="216" dur="1" fill="hold">
+                                          <p:stCondLst>
+                                            <p:cond delay="0"/>
+                                          </p:stCondLst>
+                                        </p:cTn>
+                                        <p:tgtEl>
+                                          <p:spTgt spid="48"/>
+                                        </p:tgtEl>
+                                        <p:attrNameLst>
+                                          <p:attrName>style.visibility</p:attrName>
+                                        </p:attrNameLst>
+                                      </p:cBhvr>
+                                      <p:to>
+                                        <p:strVal val="visible"/>
+                                      </p:to>
+                                    </p:set>
+                                    <p:anim calcmode="lin" valueType="num">
+                                      <p:cBhvr additive="base">
+                                        <p:cTn id="217" dur="500" fill="hold"/>
+                                        <p:tgtEl>
+                                          <p:spTgt spid="48"/>
+                                        </p:tgtEl>
+                                        <p:attrNameLst>
+                                          <p:attrName>ppt_x</p:attrName>
+                                        </p:attrNameLst>
+                                      </p:cBhvr>
+                                      <p:tavLst>
+                                        <p:tav tm="0">
+                                          <p:val>
+                                            <p:strVal val="#ppt_x"/>
+                                          </p:val>
+                                        </p:tav>
+                                        <p:tav tm="100000">
+                                          <p:val>
+                                            <p:strVal val="#ppt_x"/>
+                                          </p:val>
+                                        </p:tav>
+                                      </p:tavLst>
+                                    </p:anim>
+                                    <p:anim calcmode="lin" valueType="num">
+                                      <p:cBhvr additive="base">
+                                        <p:cTn id="218" dur="500" fill="hold"/>
+                                        <p:tgtEl>
+                                          <p:spTgt spid="48"/>
+                                        </p:tgtEl>
+                                        <p:attrNameLst>
+                                          <p:attrName>ppt_y</p:attrName>
+                                        </p:attrNameLst>
+                                      </p:cBhvr>
+                                      <p:tavLst>
+                                        <p:tav tm="0">
+                                          <p:val>
+                                            <p:strVal val="1+#ppt_h/2"/>
+                                          </p:val>
+                                        </p:tav>
+                                        <p:tav tm="100000">
+                                          <p:val>
+                                            <p:strVal val="#ppt_y"/>
+                                          </p:val>
+                                        </p:tav>
+                                      </p:tavLst>
+                                    </p:anim>
+                                  </p:childTnLst>
+                                </p:cTn>
+                              </p:par>
+                            </p:childTnLst>
+                          </p:cTn>
+                        </p:par>
+                      </p:childTnLst>
+                    </p:cTn>
+                  </p:par>
+                  <p:par>
+                    <p:cTn id="219" fill="hold">
+                      <p:stCondLst>
+                        <p:cond delay="indefinite"/>
+                      </p:stCondLst>
+                      <p:childTnLst>
+                        <p:par>
+                          <p:cTn id="220" fill="hold">
+                            <p:stCondLst>
+                              <p:cond delay="0"/>
+                            </p:stCondLst>
+                            <p:childTnLst>
+                              <p:par>
+                                <p:cTn id="221" presetID="2" presetClass="entr" presetSubtype="4" fill="hold" grpId="0" nodeType="clickEffect">
+                                  <p:stCondLst>
+                                    <p:cond delay="0"/>
+                                  </p:stCondLst>
+                                  <p:childTnLst>
+                                    <p:set>
+                                      <p:cBhvr>
+                                        <p:cTn id="222" dur="1" fill="hold">
+                                          <p:stCondLst>
+                                            <p:cond delay="0"/>
+                                          </p:stCondLst>
+                                        </p:cTn>
+                                        <p:tgtEl>
+                                          <p:spTgt spid="49"/>
+                                        </p:tgtEl>
+                                        <p:attrNameLst>
+                                          <p:attrName>style.visibility</p:attrName>
+                                        </p:attrNameLst>
+                                      </p:cBhvr>
+                                      <p:to>
+                                        <p:strVal val="visible"/>
+                                      </p:to>
+                                    </p:set>
+                                    <p:anim calcmode="lin" valueType="num">
+                                      <p:cBhvr additive="base">
+                                        <p:cTn id="223" dur="500" fill="hold"/>
+                                        <p:tgtEl>
+                                          <p:spTgt spid="49"/>
+                                        </p:tgtEl>
+                                        <p:attrNameLst>
+                                          <p:attrName>ppt_x</p:attrName>
+                                        </p:attrNameLst>
+                                      </p:cBhvr>
+                                      <p:tavLst>
+                                        <p:tav tm="0">
+                                          <p:val>
+                                            <p:strVal val="#ppt_x"/>
+                                          </p:val>
+                                        </p:tav>
+                                        <p:tav tm="100000">
+                                          <p:val>
+                                            <p:strVal val="#ppt_x"/>
+                                          </p:val>
+                                        </p:tav>
+                                      </p:tavLst>
+                                    </p:anim>
+                                    <p:anim calcmode="lin" valueType="num">
+                                      <p:cBhvr additive="base">
+                                        <p:cTn id="224" dur="500" fill="hold"/>
+                                        <p:tgtEl>
+                                          <p:spTgt spid="49"/>
+                                        </p:tgtEl>
+                                        <p:attrNameLst>
+                                          <p:attrName>ppt_y</p:attrName>
+                                        </p:attrNameLst>
+                                      </p:cBhvr>
+                                      <p:tavLst>
+                                        <p:tav tm="0">
+                                          <p:val>
+                                            <p:strVal val="1+#ppt_h/2"/>
+                                          </p:val>
+                                        </p:tav>
+                                        <p:tav tm="100000">
+                                          <p:val>
+                                            <p:strVal val="#ppt_y"/>
+                                          </p:val>
+                                        </p:tav>
+                                      </p:tavLst>
+                                    </p:anim>
+                                  </p:childTnLst>
+                                </p:cTn>
+                              </p:par>
+                            </p:childTnLst>
+                          </p:cTn>
+                        </p:par>
+                      </p:childTnLst>
+                    </p:cTn>
+                  </p:par>
+                  <p:par>
+                    <p:cTn id="225" fill="hold">
+                      <p:stCondLst>
+                        <p:cond delay="indefinite"/>
+                      </p:stCondLst>
+                      <p:childTnLst>
+                        <p:par>
+                          <p:cTn id="226" fill="hold">
+                            <p:stCondLst>
+                              <p:cond delay="0"/>
+                            </p:stCondLst>
+                            <p:childTnLst>
+                              <p:par>
+                                <p:cTn id="227" presetID="2" presetClass="entr" presetSubtype="4" fill="hold" grpId="0" nodeType="clickEffect">
+                                  <p:stCondLst>
+                                    <p:cond delay="0"/>
+                                  </p:stCondLst>
+                                  <p:childTnLst>
+                                    <p:set>
+                                      <p:cBhvr>
+                                        <p:cTn id="228" dur="1" fill="hold">
+                                          <p:stCondLst>
+                                            <p:cond delay="0"/>
+                                          </p:stCondLst>
+                                        </p:cTn>
+                                        <p:tgtEl>
+                                          <p:spTgt spid="50"/>
+                                        </p:tgtEl>
+                                        <p:attrNameLst>
+                                          <p:attrName>style.visibility</p:attrName>
+                                        </p:attrNameLst>
+                                      </p:cBhvr>
+                                      <p:to>
+                                        <p:strVal val="visible"/>
+                                      </p:to>
+                                    </p:set>
+                                    <p:anim calcmode="lin" valueType="num">
+                                      <p:cBhvr additive="base">
+                                        <p:cTn id="229" dur="500" fill="hold"/>
+                                        <p:tgtEl>
+                                          <p:spTgt spid="50"/>
+                                        </p:tgtEl>
+                                        <p:attrNameLst>
+                                          <p:attrName>ppt_x</p:attrName>
+                                        </p:attrNameLst>
+                                      </p:cBhvr>
+                                      <p:tavLst>
+                                        <p:tav tm="0">
+                                          <p:val>
+                                            <p:strVal val="#ppt_x"/>
+                                          </p:val>
+                                        </p:tav>
+                                        <p:tav tm="100000">
+                                          <p:val>
+                                            <p:strVal val="#ppt_x"/>
+                                          </p:val>
+                                        </p:tav>
+                                      </p:tavLst>
+                                    </p:anim>
+                                    <p:anim calcmode="lin" valueType="num">
+                                      <p:cBhvr additive="base">
+                                        <p:cTn id="230" dur="500" fill="hold"/>
+                                        <p:tgtEl>
+                                          <p:spTgt spid="50"/>
+                                        </p:tgtEl>
+                                        <p:attrNameLst>
+                                          <p:attrName>ppt_y</p:attrName>
+                                        </p:attrNameLst>
+                                      </p:cBhvr>
+                                      <p:tavLst>
+                                        <p:tav tm="0">
+                                          <p:val>
+                                            <p:strVal val="1+#ppt_h/2"/>
+                                          </p:val>
+                                        </p:tav>
+                                        <p:tav tm="100000">
+                                          <p:val>
+                                            <p:strVal val="#ppt_y"/>
+                                          </p:val>
+                                        </p:tav>
+                                      </p:tavLst>
+                                    </p:anim>
+                                  </p:childTnLst>
+                                </p:cTn>
+                              </p:par>
+                            </p:childTnLst>
+                          </p:cTn>
+                        </p:par>
+                      </p:childTnLst>
+                    </p:cTn>
+                  </p:par>
+                  <p:par>
+                    <p:cTn id="231" fill="hold">
+                      <p:stCondLst>
+                        <p:cond delay="indefinite"/>
+                      </p:stCondLst>
+                      <p:childTnLst>
+                        <p:par>
+                          <p:cTn id="232" fill="hold">
+                            <p:stCondLst>
+                              <p:cond delay="0"/>
+                            </p:stCondLst>
+                            <p:childTnLst>
+                              <p:par>
+                                <p:cTn id="233" presetID="2" presetClass="entr" presetSubtype="4" fill="hold" grpId="0" nodeType="clickEffect">
+                                  <p:stCondLst>
+                                    <p:cond delay="0"/>
+                                  </p:stCondLst>
+                                  <p:childTnLst>
+                                    <p:set>
+                                      <p:cBhvr>
+                                        <p:cTn id="234" dur="1" fill="hold">
+                                          <p:stCondLst>
+                                            <p:cond delay="0"/>
+                                          </p:stCondLst>
+                                        </p:cTn>
+                                        <p:tgtEl>
+                                          <p:spTgt spid="52"/>
+                                        </p:tgtEl>
+                                        <p:attrNameLst>
+                                          <p:attrName>style.visibility</p:attrName>
+                                        </p:attrNameLst>
+                                      </p:cBhvr>
+                                      <p:to>
+                                        <p:strVal val="visible"/>
+                                      </p:to>
+                                    </p:set>
+                                    <p:anim calcmode="lin" valueType="num">
+                                      <p:cBhvr additive="base">
+                                        <p:cTn id="235" dur="500" fill="hold"/>
+                                        <p:tgtEl>
+                                          <p:spTgt spid="52"/>
+                                        </p:tgtEl>
+                                        <p:attrNameLst>
+                                          <p:attrName>ppt_x</p:attrName>
+                                        </p:attrNameLst>
+                                      </p:cBhvr>
+                                      <p:tavLst>
+                                        <p:tav tm="0">
+                                          <p:val>
+                                            <p:strVal val="#ppt_x"/>
+                                          </p:val>
+                                        </p:tav>
+                                        <p:tav tm="100000">
+                                          <p:val>
+                                            <p:strVal val="#ppt_x"/>
+                                          </p:val>
+                                        </p:tav>
+                                      </p:tavLst>
+                                    </p:anim>
+                                    <p:anim calcmode="lin" valueType="num">
+                                      <p:cBhvr additive="base">
+                                        <p:cTn id="236" dur="500" fill="hold"/>
+                                        <p:tgtEl>
+                                          <p:spTgt spid="52"/>
+                                        </p:tgtEl>
+                                        <p:attrNameLst>
+                                          <p:attrName>ppt_y</p:attrName>
+                                        </p:attrNameLst>
+                                      </p:cBhvr>
+                                      <p:tavLst>
+                                        <p:tav tm="0">
+                                          <p:val>
+                                            <p:strVal val="1+#ppt_h/2"/>
+                                          </p:val>
+                                        </p:tav>
+                                        <p:tav tm="100000">
+                                          <p:val>
+                                            <p:strVal val="#ppt_y"/>
+                                          </p:val>
+                                        </p:tav>
+                                      </p:tavLst>
+                                    </p:anim>
+                                  </p:childTnLst>
+                                </p:cTn>
+                              </p:par>
+                            </p:childTnLst>
+                          </p:cTn>
+                        </p:par>
+                      </p:childTnLst>
+                    </p:cTn>
+                  </p:par>
+                  <p:par>
+                    <p:cTn id="237" fill="hold">
+                      <p:stCondLst>
+                        <p:cond delay="indefinite"/>
+                      </p:stCondLst>
+                      <p:childTnLst>
+                        <p:par>
+                          <p:cTn id="238" fill="hold">
+                            <p:stCondLst>
+                              <p:cond delay="0"/>
+                            </p:stCondLst>
+                            <p:childTnLst>
+                              <p:par>
+                                <p:cTn id="239" presetID="2" presetClass="entr" presetSubtype="4" fill="hold" nodeType="clickEffect">
+                                  <p:stCondLst>
+                                    <p:cond delay="0"/>
+                                  </p:stCondLst>
+                                  <p:childTnLst>
+                                    <p:set>
+                                      <p:cBhvr>
+                                        <p:cTn id="240" dur="1" fill="hold">
+                                          <p:stCondLst>
+                                            <p:cond delay="0"/>
+                                          </p:stCondLst>
+                                        </p:cTn>
+                                        <p:tgtEl>
+                                          <p:spTgt spid="53"/>
+                                        </p:tgtEl>
+                                        <p:attrNameLst>
+                                          <p:attrName>style.visibility</p:attrName>
+                                        </p:attrNameLst>
+                                      </p:cBhvr>
+                                      <p:to>
+                                        <p:strVal val="visible"/>
+                                      </p:to>
+                                    </p:set>
+                                    <p:anim calcmode="lin" valueType="num">
+                                      <p:cBhvr additive="base">
+                                        <p:cTn id="241" dur="500" fill="hold"/>
+                                        <p:tgtEl>
+                                          <p:spTgt spid="53"/>
+                                        </p:tgtEl>
+                                        <p:attrNameLst>
+                                          <p:attrName>ppt_x</p:attrName>
+                                        </p:attrNameLst>
+                                      </p:cBhvr>
+                                      <p:tavLst>
+                                        <p:tav tm="0">
+                                          <p:val>
+                                            <p:strVal val="#ppt_x"/>
+                                          </p:val>
+                                        </p:tav>
+                                        <p:tav tm="100000">
+                                          <p:val>
+                                            <p:strVal val="#ppt_x"/>
+                                          </p:val>
+                                        </p:tav>
+                                      </p:tavLst>
+                                    </p:anim>
+                                    <p:anim calcmode="lin" valueType="num">
+                                      <p:cBhvr additive="base">
+                                        <p:cTn id="242" dur="500" fill="hold"/>
+                                        <p:tgtEl>
+                                          <p:spTgt spid="53"/>
+                                        </p:tgtEl>
+                                        <p:attrNameLst>
+                                          <p:attrName>ppt_y</p:attrName>
+                                        </p:attrNameLst>
+                                      </p:cBhvr>
+                                      <p:tavLst>
+                                        <p:tav tm="0">
+                                          <p:val>
+                                            <p:strVal val="1+#ppt_h/2"/>
+                                          </p:val>
+                                        </p:tav>
+                                        <p:tav tm="100000">
+                                          <p:val>
+                                            <p:strVal val="#ppt_y"/>
+                                          </p:val>
+                                        </p:tav>
+                                      </p:tavLst>
+                                    </p:anim>
+                                  </p:childTnLst>
+                                </p:cTn>
+                              </p:par>
+                            </p:childTnLst>
+                          </p:cTn>
+                        </p:par>
+                      </p:childTnLst>
+                    </p:cTn>
+                  </p:par>
+                </p:childTnLst>
+              </p:cTn>
               <p:prevCondLst>
-                <p:cond delay="0" evt="onPrev">
+                <p:cond evt="onPrev" delay="0">
                   <p:tgtEl>
                     <p:sldTgt/>
                   </p:tgtEl>
                 </p:cond>
               </p:prevCondLst>
               <p:nextCondLst>
-                <p:cond delay="0" evt="onNext">
+                <p:cond evt="onNext" delay="0">
                   <p:tgtEl>
                     <p:sldTgt/>
                   </p:tgtEl>
@@ -3052,7 +8181,220 @@
         </p:cTn>
       </p:par>
     </p:tnLst>
+    <p:bldLst>
+      <p:bldP spid="41" grpId="0"/>
+      <p:bldP spid="2" grpId="0" animBg="1"/>
+      <p:bldP spid="3" grpId="0" animBg="1"/>
+      <p:bldP spid="4" grpId="0" animBg="1"/>
+      <p:bldP spid="5" grpId="0" animBg="1"/>
+      <p:bldP spid="6" grpId="0" animBg="1"/>
+      <p:bldP spid="13" grpId="0" animBg="1"/>
+      <p:bldP spid="36" grpId="0"/>
+      <p:bldP spid="37" grpId="0"/>
+      <p:bldP spid="38" grpId="0"/>
+      <p:bldP spid="39" grpId="0"/>
+      <p:bldP spid="40" grpId="0"/>
+      <p:bldP spid="8" grpId="0" animBg="1"/>
+      <p:bldP spid="9" grpId="0" animBg="1"/>
+      <p:bldP spid="10" grpId="0" animBg="1"/>
+      <p:bldP spid="12" grpId="0" animBg="1"/>
+      <p:bldP spid="27" grpId="0" animBg="1"/>
+      <p:bldP spid="30" grpId="0" animBg="1"/>
+      <p:bldP spid="32" grpId="0" animBg="1"/>
+      <p:bldP spid="43" grpId="0"/>
+      <p:bldP spid="45" grpId="0"/>
+      <p:bldP spid="46" grpId="0"/>
+      <p:bldP spid="47" grpId="0"/>
+      <p:bldP spid="48" grpId="0"/>
+      <p:bldP spid="49" grpId="0"/>
+      <p:bldP spid="50" grpId="0"/>
+      <p:bldP spid="52" grpId="0" animBg="1"/>
+    </p:bldLst>
   </p:timing>
+</p:sld>
+</file>
+
+<file path=ppt/slides/slide5.xml><?xml version="1.0" encoding="utf-8"?>
+<p:sld xmlns:a="http://schemas.openxmlformats.org/drawingml/2006/main" xmlns:r="http://schemas.openxmlformats.org/officeDocument/2006/relationships" xmlns:p="http://schemas.openxmlformats.org/presentationml/2006/main">
+  <p:cSld>
+    <p:spTree>
+      <p:nvGrpSpPr>
+        <p:cNvPr id="1" name=""/>
+        <p:cNvGrpSpPr/>
+        <p:nvPr/>
+      </p:nvGrpSpPr>
+      <p:grpSpPr/>
+      <p:sp>
+        <p:nvSpPr>
+          <p:cNvPr id="2" name="标题 1"/>
+          <p:cNvSpPr>
+            <a:spLocks noGrp="1"/>
+          </p:cNvSpPr>
+          <p:nvPr>
+            <p:ph type="title"/>
+          </p:nvPr>
+        </p:nvSpPr>
+        <p:spPr/>
+        <p:txBody>
+          <a:bodyPr/>
+          <a:p>
+            <a:endParaRPr lang="zh-CN" altLang="en-US"/>
+          </a:p>
+        </p:txBody>
+      </p:sp>
+      <p:sp>
+        <p:nvSpPr>
+          <p:cNvPr id="3" name="副标题 2"/>
+          <p:cNvSpPr>
+            <a:spLocks noGrp="1"/>
+          </p:cNvSpPr>
+          <p:nvPr>
+            <p:ph type="subTitle"/>
+          </p:nvPr>
+        </p:nvSpPr>
+        <p:spPr/>
+        <p:txBody>
+          <a:bodyPr/>
+          <a:p>
+            <a:r>
+              <a:rPr lang="zh-CN" altLang="en-US"/>
+              <a:t>void DFS(int x)</a:t>
+            </a:r>
+            <a:endParaRPr lang="zh-CN" altLang="en-US"/>
+          </a:p>
+          <a:p>
+            <a:r>
+              <a:rPr lang="zh-CN" altLang="en-US"/>
+              <a:t>{</a:t>
+            </a:r>
+            <a:endParaRPr lang="zh-CN" altLang="en-US"/>
+          </a:p>
+          <a:p>
+            <a:r>
+              <a:rPr lang="zh-CN" altLang="en-US"/>
+              <a:t>	if (sum == value)</a:t>
+            </a:r>
+            <a:endParaRPr lang="zh-CN" altLang="en-US"/>
+          </a:p>
+          <a:p>
+            <a:r>
+              <a:rPr lang="zh-CN" altLang="en-US"/>
+              <a:t>	{</a:t>
+            </a:r>
+            <a:endParaRPr lang="zh-CN" altLang="en-US"/>
+          </a:p>
+          <a:p>
+            <a:r>
+              <a:rPr lang="zh-CN" altLang="en-US"/>
+              <a:t>		ways++;</a:t>
+            </a:r>
+            <a:endParaRPr lang="zh-CN" altLang="en-US"/>
+          </a:p>
+          <a:p>
+            <a:r>
+              <a:rPr lang="zh-CN" altLang="en-US"/>
+              <a:t>		return;</a:t>
+            </a:r>
+            <a:endParaRPr lang="zh-CN" altLang="en-US"/>
+          </a:p>
+          <a:p>
+            <a:r>
+              <a:rPr lang="zh-CN" altLang="en-US"/>
+              <a:t>	}</a:t>
+            </a:r>
+            <a:endParaRPr lang="zh-CN" altLang="en-US"/>
+          </a:p>
+          <a:p>
+            <a:r>
+              <a:rPr lang="zh-CN" altLang="en-US"/>
+              <a:t>	for (int i = x; i &lt;= value; i++)</a:t>
+            </a:r>
+            <a:endParaRPr lang="zh-CN" altLang="en-US"/>
+          </a:p>
+          <a:p>
+            <a:r>
+              <a:rPr lang="zh-CN" altLang="en-US"/>
+              <a:t>	{</a:t>
+            </a:r>
+            <a:endParaRPr lang="zh-CN" altLang="en-US"/>
+          </a:p>
+          <a:p>
+            <a:r>
+              <a:rPr lang="zh-CN" altLang="en-US"/>
+              <a:t>		if (num[i] &amp;&amp; sum + i &lt;= value)</a:t>
+            </a:r>
+            <a:endParaRPr lang="zh-CN" altLang="en-US"/>
+          </a:p>
+          <a:p>
+            <a:r>
+              <a:rPr lang="zh-CN" altLang="en-US"/>
+              <a:t>		{</a:t>
+            </a:r>
+            <a:endParaRPr lang="zh-CN" altLang="en-US"/>
+          </a:p>
+          <a:p>
+            <a:r>
+              <a:rPr lang="zh-CN" altLang="en-US"/>
+              <a:t>			num[i]--;</a:t>
+            </a:r>
+            <a:endParaRPr lang="zh-CN" altLang="en-US"/>
+          </a:p>
+          <a:p>
+            <a:r>
+              <a:rPr lang="zh-CN" altLang="en-US"/>
+              <a:t>			sum += i;</a:t>
+            </a:r>
+            <a:endParaRPr lang="zh-CN" altLang="en-US"/>
+          </a:p>
+          <a:p>
+            <a:r>
+              <a:rPr lang="zh-CN" altLang="en-US"/>
+              <a:t>			DFS(i);</a:t>
+            </a:r>
+            <a:endParaRPr lang="zh-CN" altLang="en-US"/>
+          </a:p>
+          <a:p>
+            <a:r>
+              <a:rPr lang="zh-CN" altLang="en-US"/>
+              <a:t>			num[i]++;</a:t>
+            </a:r>
+            <a:endParaRPr lang="zh-CN" altLang="en-US"/>
+          </a:p>
+          <a:p>
+            <a:r>
+              <a:rPr lang="zh-CN" altLang="en-US"/>
+              <a:t>			sum -= i;</a:t>
+            </a:r>
+            <a:endParaRPr lang="zh-CN" altLang="en-US"/>
+          </a:p>
+          <a:p>
+            <a:r>
+              <a:rPr lang="zh-CN" altLang="en-US"/>
+              <a:t>		}</a:t>
+            </a:r>
+            <a:endParaRPr lang="zh-CN" altLang="en-US"/>
+          </a:p>
+          <a:p>
+            <a:r>
+              <a:rPr lang="zh-CN" altLang="en-US"/>
+              <a:t>	}</a:t>
+            </a:r>
+            <a:endParaRPr lang="zh-CN" altLang="en-US"/>
+          </a:p>
+          <a:p>
+            <a:r>
+              <a:rPr lang="zh-CN" altLang="en-US"/>
+              <a:t>}</a:t>
+            </a:r>
+            <a:endParaRPr lang="zh-CN" altLang="en-US"/>
+          </a:p>
+        </p:txBody>
+      </p:sp>
+    </p:spTree>
+  </p:cSld>
+  <p:clrMapOvr>
+    <a:masterClrMapping/>
+  </p:clrMapOvr>
 </p:sld>
 </file>
 
@@ -3276,5 +8618,12 @@
       </a:bgFillStyleLst>
     </a:fmtScheme>
   </a:themeElements>
+  <a:objectDefaults/>
+  <a:extraClrSchemeLst/>
+  <a:extLst>
+    <a:ext uri="{05A4C25C-085E-4340-85A3-A5531E510DB2}">
+      <thm15:themeFamily xmlns:thm15="http://schemas.microsoft.com/office/thememl/2012/main" name="Office Theme" id="{62F939B6-93AF-4DB8-9C6B-D6C7DFDC589F}" vid="{4A3C46E8-61CC-4603-A589-7422A47A8E4A}"/>
+    </a:ext>
+  </a:extLst>
 </a:theme>
 </file>